--- a/result/Action Credit Agricole 0.8 Degressif MAI 2022- FR0014009S27result.pptx
+++ b/result/Action Credit Agricole 0.8 Degressif MAI 2022- FR0014009S27result.pptx
@@ -2581,7 +2581,23 @@
                   <a:srgbClr val="000000"/>
                 </a:solidFill>
               </a:rPr>
-              <a:t>10 ans </a:t>
+              <a:t>&lt;</a:t>
+            </a:r>
+            <a:r>
+              <a:rPr lang="fr-FR" sz="800" cap="none" dirty="0">
+                <a:solidFill>
+                  <a:schemeClr val="tx2"/>
+                </a:solidFill>
+              </a:rPr>
+              <a:t>DIC&gt;</a:t>
+            </a:r>
+            <a:r>
+              <a:rPr lang="fr-FR" sz="800" b="1" dirty="0">
+                <a:solidFill>
+                  <a:srgbClr val="000000"/>
+                </a:solidFill>
+              </a:rPr>
+              <a:t> </a:t>
             </a:r>
             <a:r>
               <a:rPr lang="fr-FR" sz="800" cap="none" dirty="0">
@@ -3728,7 +3744,7 @@
               <a:rPr lang="fr-FR" sz="800" b="0" dirty="0">
                 <a:latin typeface="+mn-lt"/>
               </a:rPr>
-              <a:t>À la date de constatation finale(1), l'indice clôture à un niveau strictement inférieur à 0.55% environ% environ% mais supérieur ou égal à 40.0% de son Niveau Initial</a:t>
+              <a:t>À la date de constatation finale(1), l'indice clôture à un niveau strictement inférieur à 0.55%%% mais supérieur ou égal à 40.0% de son Niveau Initial</a:t>
             </a:r>
           </a:p>
         </p:txBody>
@@ -4022,7 +4038,7 @@
                 </a:solidFill>
                 <a:latin typeface="+mn-lt"/>
               </a:rPr>
-              <a:t>DE l'indice AUTOUR DES SEUILS DE 40.0% ET DE 0.55% environ% environ% DE SON Niveau Initial À LA DATE DE CONSTATATION FINALE</a:t>
+              <a:t>DE l'indice AUTOUR DES SEUILS DE 40.0% ET DE 0.55%%% DE SON Niveau Initial À LA DATE DE CONSTATATION FINALE</a:t>
             </a:r>
             <a:r>
               <a:rPr lang="fr-FR" sz="800" baseline="30000" dirty="0">
@@ -4089,7 +4105,7 @@
             </a:pPr>
             <a:r>
               <a:rPr lang="fr-FR" sz="800" dirty="0"/>
-              <a:t>À la fin du jour 1, à la date de constatation correspondante, l'indice clôture à un niveau strictement supérieur à 0.55% environ% environ de son Niveau Initial. Le produit verse donc un coupon de 2,75% au titre du jour.</a:t>
+              <a:t>À la fin du trimestre 1, à la date de constatation correspondante, l'indice clôture à un niveau strictement supérieur à 0.55%% de son Niveau Initial. Le produit verse donc un coupon de 2,75% au titre du trimestre.</a:t>
             </a:r>
           </a:p>
           <a:p>
@@ -4114,7 +4130,7 @@
             </a:pPr>
             <a:r>
               <a:rPr lang="fr-FR" sz="800" dirty="0"/>
-              <a:t>À l’issue des jour 2 à 3652, aux dates de constatation correspondantes</a:t>
+              <a:t>À l’issue des trimestres 2 à 39, aux dates de constatation correspondantes</a:t>
             </a:r>
             <a:r>
               <a:rPr lang="fr-FR" sz="800" baseline="30000" dirty="0"/>
@@ -4184,7 +4200,7 @@
                   <a:srgbClr val="00FFFF"/>
                 </a:highlight>
               </a:rPr>
-              <a:t>-11,94%</a:t>
+              <a:t>-11,93%</a:t>
             </a:r>
             <a:r>
               <a:rPr lang="fr-FR" sz="800" baseline="30000" dirty="0"/>
@@ -4282,7 +4298,7 @@
               <a:rPr lang="fr-FR" sz="800" dirty="0">
                 <a:latin typeface="+mn-lt"/>
               </a:rPr>
-              <a:t>À l’issue du jour 2, à la date de constatation correspondante</a:t>
+              <a:t>À l’issue du trimestre 2, à la date de constatation correspondante</a:t>
             </a:r>
             <a:r>
               <a:rPr lang="fr-FR" sz="800" baseline="30000" dirty="0">
@@ -4294,7 +4310,7 @@
               <a:rPr lang="fr-FR" sz="800" dirty="0">
                 <a:latin typeface="+mn-lt"/>
               </a:rPr>
-              <a:t>, l'indice clôture à un niveau strictement inférieur à 95.0% de son Niveau Initial mais supérieur au seuil de versement du coupon. Le mécanisme de remboursement anticipé automatique n’est donc pas activé mais le produit verse un coupon de 2,75% au titre du jour .</a:t>
+              <a:t>, l'indice clôture à un niveau strictement inférieur à 95.0% de son Niveau Initial mais supérieur au seuil de versement du coupon. Le mécanisme de remboursement anticipé automatique n’est donc pas activé mais le produit verse un coupon de 2,75% au titre du trimestre .</a:t>
             </a:r>
           </a:p>
           <a:p>
@@ -4323,7 +4339,7 @@
               <a:rPr lang="fr-FR" sz="800" dirty="0">
                 <a:latin typeface="+mn-lt"/>
               </a:rPr>
-              <a:t>À la date de constatation finale(1), l'indice clôture à un niveau strictement inférieur à 0.55% environ% environ% de son Niveau Initial (45% dans cet exemple) mais strictement supérieur à 40.0% de son Niveau Initial. L’investisseur récupère alors l’intégralité de son capital initialement investi.</a:t>
+              <a:t>À la date de constatation finale(1), l'indice clôture à un niveau strictement inférieur à 0.55%%% de son Niveau Initial (45% dans cet exemple) mais strictement supérieur à 40.0% de son Niveau Initial. L’investisseur récupère alors l’intégralité de son capital initialement investi.</a:t>
             </a:r>
           </a:p>
           <a:p>
@@ -4521,7 +4537,7 @@
                   <a:schemeClr val="tx2"/>
                 </a:solidFill>
               </a:rPr>
-              <a:t>Du jour 1 au jour 380, aux dates de constatation correspondantes</a:t>
+              <a:t>Du trimestre 1 au trimestre 3, aux dates de constatation correspondantes</a:t>
             </a:r>
             <a:r>
               <a:rPr lang="fr-FR" sz="800" baseline="30000" dirty="0">
@@ -4537,7 +4553,7 @@
                   <a:schemeClr val="tx2"/>
                 </a:solidFill>
               </a:rPr>
-              <a:t>, l'indice clôture à un niveau supérieur au seuil de versement du coupon. Le produit verse alors un coupon de 2,75% au titre de chaque jour.</a:t>
+              <a:t>, l'indice clôture à un niveau supérieur au seuil de versement du coupon. Le produit verse alors un coupon de 2,75% au titre de chaque trimestre.</a:t>
             </a:r>
           </a:p>
           <a:p>
@@ -4552,7 +4568,7 @@
                   <a:schemeClr val="tx2"/>
                 </a:solidFill>
               </a:rPr>
-              <a:t>Dès la fin du jour 381, à la date de constatation correspondante</a:t>
+              <a:t>Dès la fin du trimestre 4, à la date de constatation correspondante</a:t>
             </a:r>
             <a:r>
               <a:rPr lang="fr-FR" sz="800" baseline="30000" dirty="0">
@@ -4594,7 +4610,7 @@
                   <a:srgbClr val="00FFFF"/>
                 </a:highlight>
               </a:rPr>
-              <a:t>163233,69%</a:t>
+              <a:t>9,82%</a:t>
             </a:r>
             <a:r>
               <a:rPr lang="fr-FR" sz="800" baseline="30000" dirty="0">
@@ -4688,7 +4704,7 @@
                   <a:schemeClr val="tx2"/>
                 </a:solidFill>
               </a:rPr>
-              <a:t>mécanisme de plafonnement des gains à 2,75% par jour.</a:t>
+              <a:t>mécanisme de plafonnement des gains à 2,75% par trimestre.</a:t>
             </a:r>
           </a:p>
         </p:txBody>
@@ -9762,7 +9778,7 @@
                         <a:defRPr sz="700"/>
                       </a:pPr>
                       <a:r>
-                        <a:t>Dates de constatation quotidienne</a:t>
+                        <a:t>Dates de constatation trimestrielle</a:t>
                       </a:r>
                     </a:p>
                   </a:txBody>
@@ -9829,7 +9845,7 @@
                         <a:defRPr sz="700"/>
                       </a:pPr>
                       <a:r>
-                        <a:t>Chaque jour de bourse entre le 29 mai 2023 (inclus) et le 27 mai 2032.</a:t>
+                        <a:t>29/05/2023, 28/08/2023, 27/11/2023, 27/02/2024, 27/05/2024, 27/08/2024, 27/11/2024, 27/02/2025, 27/05/2025, 27/08/2025, 27/11/2025, 27/02/2026, 27/05/2026, 27/08/2026, 27/11/2026, 01/03/2027, 27/05/2027, 27/08/2027, 29/11/2027, 28/02/2028, 29/05/2028, 28/08/2028, 27/11/2028, 27/02/2029, 28/05/2029, 27/08/2029, 27/11/2029, 27/02/2030, 27/05/2030, 27/08/2030, 27/11/2030, 27/02/2031, 27/05/2031, 27/08/2031, 27/11/2031, 27/02/2032, 27/05/2032, 27/05/2032</a:t>
                       </a:r>
                     </a:p>
                   </a:txBody>
@@ -9992,7 +10008,7 @@
                         <a:defRPr sz="700"/>
                       </a:pPr>
                       <a:r>
-                        <a:t>Le 10e jour ouvré suivant la date de constatation quotidienne.</a:t>
+                        <a:t>2022-08-29</a:t>
                       </a:r>
                     </a:p>
                   </a:txBody>
@@ -16197,7 +16213,7 @@
                         <a:defRPr sz="700"/>
                       </a:pPr>
                       <a:r>
-                        <a:t>Dates de constatation quotidienne</a:t>
+                        <a:t>Dates de constatation trimestrielle</a:t>
                       </a:r>
                     </a:p>
                   </a:txBody>
@@ -16264,7 +16280,7 @@
                         <a:defRPr sz="700"/>
                       </a:pPr>
                       <a:r>
-                        <a:t>30/05/2022, 30/05/2022, 30/05/2022, 31/05/2022, 01/06/2022, 02/06/2022, 03/06/2022, 06/06/2022, 06/06/2022, 06/06/2022, 07/06/2022, 08/06/2022, 09/06/2022, 10/06/2022, 13/06/2022, 13/06/2022, 13/06/2022, 14/06/2022, 15/06/2022, 16/06/2022, 17/06/2022, 20/06/2022, 20/06/2022, 20/06/2022, 21/06/2022, 22/06/2022, 23/06/2022, 24/06/2022, 27/06/2022, 27/06/2022, 27/06/2022, 28/06/2022, 29/06/2022, 30/06/2022, 01/07/2022, 04/07/2022, 04/07/2022, 04/07/2022, 05/07/2022, 06/07/2022, 07/07/2022, 08/07/2022, 11/07/2022, 11/07/2022, 11/07/2022, 12/07/2022, 13/07/2022, 14/07/2022, 15/07/2022, 18/07/2022, 18/07/2022, 18/07/2022, 19/07/2022, 20/07/2022, 21/07/2022, 22/07/2022, 25/07/2022, 25/07/2022, 25/07/2022, 26/07/2022, 27/07/2022, 28/07/2022, 29/07/2022, 01/08/2022, 01/08/2022, 01/08/2022, 02/08/2022, 03/08/2022, 04/08/2022, 05/08/2022, 08/08/2022, 08/08/2022, 08/08/2022, 09/08/2022, 10/08/2022, 11/08/2022, 12/08/2022, 15/08/2022, 15/08/2022, 15/08/2022, 16/08/2022, 17/08/2022, 18/08/2022, 19/08/2022, 22/08/2022, 22/08/2022, 22/08/2022, 23/08/2022, 24/08/2022, 25/08/2022, 26/08/2022, 29/08/2022, 29/08/2022, 29/08/2022, 30/08/2022, 31/08/2022, 01/09/2022, 02/09/2022, 05/09/2022, 05/09/2022, 05/09/2022, 06/09/2022, 07/09/2022, 08/09/2022, 09/09/2022, 12/09/2022, 12/09/2022, 12/09/2022, 13/09/2022, 14/09/2022, 15/09/2022, 16/09/2022, 19/09/2022, 19/09/2022, 19/09/2022, 20/09/2022, 21/09/2022, 22/09/2022, 23/09/2022, 26/09/2022, 26/09/2022, 26/09/2022, 27/09/2022, 28/09/2022, 29/09/2022, 30/09/2022, 03/10/2022, 03/10/2022, 03/10/2022, 04/10/2022, 05/10/2022, 06/10/2022, 07/10/2022, 10/10/2022, 10/10/2022, 10/10/2022, 11/10/2022, 12/10/2022, 13/10/2022, 14/10/2022, 17/10/2022, 17/10/2022, 17/10/2022, 18/10/2022, 19/10/2022, 20/10/2022, 21/10/2022, 24/10/2022, 24/10/2022, 24/10/2022, 25/10/2022, 26/10/2022, 27/10/2022, 28/10/2022, 31/10/2022, 31/10/2022, 31/10/2022, 01/11/2022, 02/11/2022, 03/11/2022, 04/11/2022, 07/11/2022, 07/11/2022, 07/11/2022, 08/11/2022, 09/11/2022, 10/11/2022, 11/11/2022, 14/11/2022, 14/11/2022, 14/11/2022, 15/11/2022, 16/11/2022, 17/11/2022, 18/11/2022, 21/11/2022, 21/11/2022, 21/11/2022, 22/11/2022, 23/11/2022, 24/11/2022, 25/11/2022, 28/11/2022, 28/11/2022, 28/11/2022, 29/11/2022, 30/11/2022, 01/12/2022, 02/12/2022, 05/12/2022, 05/12/2022, 05/12/2022, 06/12/2022, 07/12/2022, 08/12/2022, 09/12/2022, 12/12/2022, 12/12/2022, 12/12/2022, 13/12/2022, 14/12/2022, 15/12/2022, 16/12/2022, 19/12/2022, 19/12/2022, 19/12/2022, 20/12/2022, 21/12/2022, 22/12/2022, 23/12/2022, 27/12/2022, 27/12/2022, 27/12/2022, 27/12/2022, 28/12/2022, 29/12/2022, 30/12/2022, 02/01/2023, 02/01/2023, 02/01/2023, 03/01/2023, 04/01/2023, 05/01/2023, 06/01/2023, 09/01/2023, 09/01/2023, 09/01/2023, 10/01/2023, 11/01/2023, 12/01/2023, 13/01/2023, 16/01/2023, 16/01/2023, 16/01/2023, 17/01/2023, 18/01/2023, 19/01/2023, 20/01/2023, 23/01/2023, 23/01/2023, 23/01/2023, 24/01/2023, 25/01/2023, 26/01/2023, 27/01/2023, 30/01/2023, 30/01/2023, 30/01/2023, 31/01/2023, 01/02/2023, 02/02/2023, 03/02/2023, 06/02/2023, 06/02/2023, 06/02/2023, 07/02/2023, 08/02/2023, 09/02/2023, 10/02/2023, 13/02/2023, 13/02/2023, 13/02/2023, 14/02/2023, 15/02/2023, 16/02/2023, 17/02/2023, 20/02/2023, 20/02/2023, 20/02/2023, 21/02/2023, 22/02/2023, 23/02/2023, 24/02/2023, 27/02/2023, 27/02/2023, 27/02/2023, 28/02/2023, 01/03/2023, 02/03/2023, 03/03/2023, 06/03/2023, 06/03/2023, 06/03/2023, 07/03/2023, 08/03/2023, 09/03/2023, 10/03/2023, 13/03/2023, 13/03/2023, 13/03/2023, 14/03/2023, 15/03/2023, 16/03/2023, 17/03/2023, 20/03/2023, 20/03/2023, 20/03/2023, 21/03/2023, 22/03/2023, 23/03/2023, 24/03/2023, 27/03/2023, 27/03/2023, 27/03/2023, 28/03/2023, 29/03/2023, 30/03/2023, 31/03/2023, 03/04/2023, 03/04/2023, 03/04/2023, 04/04/2023, 05/04/2023, 06/04/2023, 11/04/2023, 11/04/2023, 11/04/2023, 11/04/2023, 11/04/2023, 12/04/2023, 13/04/2023, 14/04/2023, 17/04/2023, 17/04/2023, 17/04/2023, 18/04/2023, 19/04/2023, 20/04/2023, 21/04/2023, 24/04/2023, 24/04/2023, 24/04/2023, 25/04/2023, 26/04/2023, 27/04/2023, 28/04/2023, 02/05/2023, 02/05/2023, 02/05/2023, 02/05/2023, 03/05/2023, 04/05/2023, 05/05/2023, 08/05/2023, 08/05/2023, 08/05/2023, 09/05/2023, 10/05/2023, 11/05/2023, 12/05/2023, 15/05/2023, 15/05/2023, 15/05/2023, 16/05/2023, 17/05/2023, 18/05/2023, 19/05/2023, 22/05/2023, 22/05/2023, 22/05/2023, 23/05/2023, 24/05/2023, 25/05/2023, 26/05/2023, 29/05/2023, 29/05/2023, 29/05/2023, 30/05/2023, 31/05/2023, 01/06/2023, 02/06/2023, 05/06/2023, 05/06/2023, 05/06/2023, 06/06/2023, 07/06/2023, 08/06/2023, 09/06/2023, 12/06/2023, 12/06/2023, 12/06/2023, 13/06/2023, 14/06/2023, 15/06/2023, 16/06/2023, 19/06/2023, 19/06/2023, 19/06/2023, 20/06/2023, 21/06/2023, 22/06/2023, 23/06/2023, 26/06/2023, 26/06/2023, 26/06/2023, 27/06/2023, 28/06/2023, 29/06/2023, 30/06/2023, 03/07/2023, 03/07/2023, 03/07/2023, 04/07/2023, 05/07/2023, 06/07/2023, 07/07/2023, 10/07/2023, 10/07/2023, 10/07/2023, 11/07/2023, 12/07/2023, 13/07/2023, 14/07/2023, 17/07/2023, 17/07/2023, 17/07/2023, 18/07/2023, 19/07/2023, 20/07/2023, 21/07/2023, 24/07/2023, 24/07/2023, 24/07/2023, 25/07/2023, 26/07/2023, 27/07/2023, 28/07/2023, 31/07/2023, 31/07/2023, 31/07/2023, 01/08/2023, 02/08/2023, 03/08/2023, 04/08/2023, 07/08/2023, 07/08/2023, 07/08/2023, 08/08/2023, 09/08/2023, 10/08/2023, 11/08/2023, 14/08/2023, 14/08/2023, 14/08/2023, 15/08/2023, 16/08/2023, 17/08/2023, 18/08/2023, 21/08/2023, 21/08/2023, 21/08/2023, 22/08/2023, 23/08/2023, 24/08/2023, 25/08/2023, 28/08/2023, 28/08/2023, 28/08/2023, 29/08/2023, 30/08/2023, 31/08/2023, 01/09/2023, 04/09/2023, 04/09/2023, 04/09/2023, 05/09/2023, 06/09/2023, 07/09/2023, 08/09/2023, 11/09/2023, 11/09/2023, 11/09/2023, 12/09/2023, 13/09/2023, 14/09/2023, 15/09/2023, 18/09/2023, 18/09/2023, 18/09/2023, 19/09/2023, 20/09/2023, 21/09/2023, 22/09/2023, 25/09/2023, 25/09/2023, 25/09/2023, 26/09/2023, 27/09/2023, 28/09/2023, 29/09/2023, 02/10/2023, 02/10/2023, 02/10/2023, 03/10/2023, 04/10/2023, 05/10/2023, 06/10/2023, 09/10/2023, 09/10/2023, 09/10/2023, 10/10/2023, 11/10/2023, 12/10/2023, 13/10/2023, 16/10/2023, 16/10/2023, 16/10/2023, 17/10/2023, 18/10/2023, 19/10/2023, 20/10/2023, 23/10/2023, 23/10/2023, 23/10/2023, 24/10/2023, 25/10/2023, 26/10/2023, 27/10/2023, 30/10/2023, 30/10/2023, 30/10/2023, 31/10/2023, 01/11/2023, 02/11/2023, 03/11/2023, 06/11/2023, 06/11/2023, 06/11/2023, 07/11/2023, 08/11/2023, 09/11/2023, 10/11/2023, 13/11/2023, 13/11/2023, 13/11/2023, 14/11/2023, 15/11/2023, 16/11/2023, 17/11/2023, 20/11/2023, 20/11/2023, 20/11/2023, 21/11/2023, 22/11/2023, 23/11/2023, 24/11/2023, 27/11/2023, 27/11/2023, 27/11/2023, 28/11/2023, 29/11/2023, 30/11/2023, 01/12/2023, 04/12/2023, 04/12/2023, 04/12/2023, 05/12/2023, 06/12/2023, 07/12/2023, 08/12/2023, 11/12/2023, 11/12/2023, 11/12/2023, 12/12/2023, 13/12/2023, 14/12/2023, 15/12/2023, 18/12/2023, 18/12/2023, 18/12/2023, 19/12/2023, 20/12/2023, 21/12/2023, 22/12/2023, 27/12/2023, 27/12/2023, 27/12/2023, 27/12/2023, 27/12/2023, 28/12/2023, 29/12/2023, 02/01/2024, 02/01/2024, 02/01/2024, 02/01/2024, 03/01/2024, 04/01/2024, 05/01/2024, 08/01/2024, 08/01/2024, 08/01/2024, 09/01/2024, 10/01/2024, 11/01/2024, 12/01/2024, 15/01/2024, 15/01/2024, 15/01/2024, 16/01/2024, 17/01/2024, 18/01/2024, 19/01/2024, 22/01/2024, 22/01/2024, 22/01/2024, 23/01/2024, 24/01/2024, 25/01/2024, 26/01/2024, 29/01/2024, 29/01/2024, 29/01/2024, 30/01/2024, 31/01/2024, 01/02/2024, 02/02/2024, 05/02/2024, 05/02/2024, 05/02/2024, 06/02/2024, 07/02/2024, 08/02/2024, 09/02/2024, 12/02/2024, 12/02/2024, 12/02/2024, 13/02/2024, 14/02/2024, 15/02/2024, 16/02/2024, 19/02/2024, 19/02/2024, 19/02/2024, 20/02/2024, 21/02/2024, 22/02/2024, 23/02/2024, 26/02/2024, 26/02/2024, 26/02/2024, 27/02/2024, 28/02/2024, 29/02/2024, 01/03/2024, 04/03/2024, 04/03/2024, 04/03/2024, 05/03/2024, 06/03/2024, 07/03/2024, 08/03/2024, 11/03/2024, 11/03/2024, 11/03/2024, 12/03/2024, 13/03/2024, 14/03/2024, 15/03/2024, 18/03/2024, 18/03/2024, 18/03/2024, 19/03/2024, 20/03/2024, 21/03/2024, 22/03/2024, 25/03/2024, 25/03/2024, 25/03/2024, 26/03/2024, 27/03/2024, 28/03/2024, 02/04/2024, 02/04/2024, 02/04/2024, 02/04/2024, 02/04/2024, 03/04/2024, 04/04/2024, 05/04/2024, 08/04/2024, 08/04/2024, 08/04/2024, 09/04/2024, 10/04/2024, 11/04/2024, 12/04/2024, 15/04/2024, 15/04/2024, 15/04/2024, 16/04/2024, 17/04/2024, 18/04/2024, 19/04/2024, 22/04/2024, 22/04/2024, 22/04/2024, 23/04/2024, 24/04/2024, 25/04/2024, 26/04/2024, 29/04/2024, 29/04/2024, 29/04/2024, 30/04/2024, 02/05/2024, 02/05/2024, 03/05/2024, 06/05/2024, 06/05/2024, 06/05/2024, 07/05/2024, 08/05/2024, 09/05/2024, 10/05/2024, 13/05/2024, 13/05/2024, 13/05/2024, 14/05/2024, 15/05/2024, 16/05/2024, 17/05/2024, 20/05/2024, 20/05/2024, 20/05/2024, 21/05/2024, 22/05/2024, 23/05/2024, 24/05/2024, 27/05/2024, 27/05/2024, 27/05/2024, 28/05/2024, 29/05/2024, 30/05/2024, 31/05/2024, 03/06/2024, 03/06/2024, 03/06/2024, 04/06/2024, 05/06/2024, 06/06/2024, 07/06/2024, 10/06/2024, 10/06/2024, 10/06/2024, 11/06/2024, 12/06/2024, 13/06/2024, 14/06/2024, 17/06/2024, 17/06/2024, 17/06/2024, 18/06/2024, 19/06/2024, 20/06/2024, 21/06/2024, 24/06/2024, 24/06/2024, 24/06/2024, 25/06/2024, 26/06/2024, 27/06/2024, 28/06/2024, 01/07/2024, 01/07/2024, 01/07/2024, 02/07/2024, 03/07/2024, 04/07/2024, 05/07/2024, 08/07/2024, 08/07/2024, 08/07/2024, 09/07/2024, 10/07/2024, 11/07/2024, 12/07/2024, 15/07/2024, 15/07/2024, 15/07/2024, 16/07/2024, 17/07/2024, 18/07/2024, 19/07/2024, 22/07/2024, 22/07/2024, 22/07/2024, 23/07/2024, 24/07/2024, 25/07/2024, 26/07/2024, 29/07/2024, 29/07/2024, 29/07/2024, 30/07/2024, 31/07/2024, 01/08/2024, 02/08/2024, 05/08/2024, 05/08/2024, 05/08/2024, 06/08/2024, 07/08/2024, 08/08/2024, 09/08/2024, 12/08/2024, 12/08/2024, 12/08/2024, 13/08/2024, 14/08/2024, 15/08/2024, 16/08/2024, 19/08/2024, 19/08/2024, 19/08/2024, 20/08/2024, 21/08/2024, 22/08/2024, 23/08/2024, 26/08/2024, 26/08/2024, 26/08/2024, 27/08/2024, 28/08/2024, 29/08/2024, 30/08/2024, 02/09/2024, 02/09/2024, 02/09/2024, 03/09/2024, 04/09/2024, 05/09/2024, 06/09/2024, 09/09/2024, 09/09/2024, 09/09/2024, 10/09/2024, 11/09/2024, 12/09/2024, 13/09/2024, 16/09/2024, 16/09/2024, 16/09/2024, 17/09/2024, 18/09/2024, 19/09/2024, 20/09/2024, 23/09/2024, 23/09/2024, 23/09/2024, 24/09/2024, 25/09/2024, 26/09/2024, 27/09/2024, 30/09/2024, 30/09/2024, 30/09/2024, 01/10/2024, 02/10/2024, 03/10/2024, 04/10/2024, 07/10/2024, 07/10/2024, 07/10/2024, 08/10/2024, 09/10/2024, 10/10/2024, 11/10/2024, 14/10/2024, 14/10/2024, 14/10/2024, 15/10/2024, 16/10/2024, 17/10/2024, 18/10/2024, 21/10/2024, 21/10/2024, 21/10/2024, 22/10/2024, 23/10/2024, 24/10/2024, 25/10/2024, 28/10/2024, 28/10/2024, 28/10/2024, 29/10/2024, 30/10/2024, 31/10/2024, 01/11/2024, 04/11/2024, 04/11/2024, 04/11/2024, 05/11/2024, 06/11/2024, 07/11/2024, 08/11/2024, 11/11/2024, 11/11/2024, 11/11/2024, 12/11/2024, 13/11/2024, 14/11/2024, 15/11/2024, 18/11/2024, 18/11/2024, 18/11/2024, 19/11/2024, 20/11/2024, 21/11/2024, 22/11/2024, 25/11/2024, 25/11/2024, 25/11/2024, 26/11/2024, 27/11/2024, 28/11/2024, 29/11/2024, 02/12/2024, 02/12/2024, 02/12/2024, 03/12/2024, 04/12/2024, 05/12/2024, 06/12/2024, 09/12/2024, 09/12/2024, 09/12/2024, 10/12/2024, 11/12/2024, 12/12/2024, 13/12/2024, 16/12/2024, 16/12/2024, 16/12/2024, 17/12/2024, 18/12/2024, 19/12/2024, 20/12/2024, 23/12/2024, 23/12/2024, 23/12/2024, 24/12/2024, 27/12/2024, 27/12/2024, 27/12/2024, 30/12/2024, 30/12/2024, 30/12/2024, 31/12/2024, 02/01/2025, 02/01/2025, 03/01/2025, 06/01/2025, 06/01/2025, 06/01/2025, 07/01/2025, 08/01/2025, 09/01/2025, 10/01/2025, 13/01/2025, 13/01/2025, 13/01/2025, 14/01/2025, 15/01/2025, 16/01/2025, 17/01/2025, 20/01/2025, 20/01/2025, 20/01/2025, 21/01/2025, 22/01/2025, 23/01/2025, 24/01/2025, 27/01/2025, 27/01/2025, 27/01/2025, 28/01/2025, 29/01/2025, 30/01/2025, 31/01/2025, 03/02/2025, 03/02/2025, 03/02/2025, 04/02/2025, 05/02/2025, 06/02/2025, 07/02/2025, 10/02/2025, 10/02/2025, 10/02/2025, 11/02/2025, 12/02/2025, 13/02/2025, 14/02/2025, 17/02/2025, 17/02/2025, 17/02/2025, 18/02/2025, 19/02/2025, 20/02/2025, 21/02/2025, 24/02/2025, 24/02/2025, 24/02/2025, 25/02/2025, 26/02/2025, 27/02/2025, 28/02/2025, 03/03/2025, 03/03/2025, 03/03/2025, 04/03/2025, 05/03/2025, 06/03/2025, 07/03/2025, 10/03/2025, 10/03/2025, 10/03/2025, 11/03/2025, 12/03/2025, 13/03/2025, 14/03/2025, 17/03/2025, 17/03/2025, 17/03/2025, 18/03/2025, 19/03/2025, 20/03/2025, 21/03/2025, 24/03/2025, 24/03/2025, 24/03/2025, 25/03/2025, 26/03/2025, 27/03/2025, 28/03/2025, 31/03/2025, 31/03/2025, 31/03/2025, 01/04/2025, 02/04/2025, 03/04/2025, 04/04/2025, 07/04/2025, 07/04/2025, 07/04/2025, 08/04/2025, 09/04/2025, 10/04/2025, 11/04/2025, 14/04/2025, 14/04/2025, 14/04/2025, 15/04/2025, 16/04/2025, 17/04/2025, 22/04/2025, 22/04/2025, 22/04/2025, 22/04/2025, 22/04/2025, 23/04/2025, 24/04/2025, 25/04/2025, 28/04/2025, 28/04/2025, 28/04/2025, 29/04/2025, 30/04/2025, 02/05/2025, 02/05/2025, 05/05/2025, 05/05/2025, 05/05/2025, 06/05/2025, 07/05/2025, 08/05/2025, 09/05/2025, 12/05/2025, 12/05/2025, 12/05/2025, 13/05/2025, 14/05/2025, 15/05/2025, 16/05/2025, 19/05/2025, 19/05/2025, 19/05/2025, 20/05/2025, 21/05/2025, 22/05/2025, 23/05/2025, 26/05/2025, 26/05/2025, 26/05/2025, 27/05/2025, 28/05/2025, 29/05/2025, 30/05/2025, 02/06/2025, 02/06/2025, 02/06/2025, 03/06/2025, 04/06/2025, 05/06/2025, 06/06/2025, 09/06/2025, 09/06/2025, 09/06/2025, 10/06/2025, 11/06/2025, 12/06/2025, 13/06/2025, 16/06/2025, 16/06/2025, 16/06/2025, 17/06/2025, 18/06/2025, 19/06/2025, 20/06/2025, 23/06/2025, 23/06/2025, 23/06/2025, 24/06/2025, 25/06/2025, 26/06/2025, 27/06/2025, 30/06/2025, 30/06/2025, 30/06/2025, 01/07/2025, 02/07/2025, 03/07/2025, 04/07/2025, 07/07/2025, 07/07/2025, 07/07/2025, 08/07/2025, 09/07/2025, 10/07/2025, 11/07/2025, 14/07/2025, 14/07/2025, 14/07/2025, 15/07/2025, 16/07/2025, 17/07/2025, 18/07/2025, 21/07/2025, 21/07/2025, 21/07/2025, 22/07/2025, 23/07/2025, 24/07/2025, 25/07/2025, 28/07/2025, 28/07/2025, 28/07/2025, 29/07/2025, 30/07/2025, 31/07/2025, 01/08/2025, 04/08/2025, 04/08/2025, 04/08/2025, 05/08/2025, 06/08/2025, 07/08/2025, 08/08/2025, 11/08/2025, 11/08/2025, 11/08/2025, 12/08/2025, 13/08/2025, 14/08/2025, 15/08/2025, 18/08/2025, 18/08/2025, 18/08/2025, 19/08/2025, 20/08/2025, 21/08/2025, 22/08/2025, 25/08/2025, 25/08/2025, 25/08/2025, 26/08/2025, 27/08/2025, 28/08/2025, 29/08/2025, 01/09/2025, 01/09/2025, 01/09/2025, 02/09/2025, 03/09/2025, 04/09/2025, 05/09/2025, 08/09/2025, 08/09/2025, 08/09/2025, 09/09/2025, 10/09/2025, 11/09/2025, 12/09/2025, 15/09/2025, 15/09/2025, 15/09/2025, 16/09/2025, 17/09/2025, 18/09/2025, 19/09/2025, 22/09/2025, 22/09/2025, 22/09/2025, 23/09/2025, 24/09/2025, 25/09/2025, 26/09/2025, 29/09/2025, 29/09/2025, 29/09/2025, 30/09/2025, 01/10/2025, 02/10/2025, 03/10/2025, 06/10/2025, 06/10/2025, 06/10/2025, 07/10/2025, 08/10/2025, 09/10/2025, 10/10/2025, 13/10/2025, 13/10/2025, 13/10/2025, 14/10/2025, 15/10/2025, 16/10/2025, 17/10/2025, 20/10/2025, 20/10/2025, 20/10/2025, 21/10/2025, 22/10/2025, 23/10/2025, 24/10/2025, 27/10/2025, 27/10/2025, 27/10/2025, 28/10/2025, 29/10/2025, 30/10/2025, 31/10/2025, 03/11/2025, 03/11/2025, 03/11/2025, 04/11/2025, 05/11/2025, 06/11/2025, 07/11/2025, 10/11/2025, 10/11/2025, 10/11/2025, 11/11/2025, 12/11/2025, 13/11/2025, 14/11/2025, 17/11/2025, 17/11/2025, 17/11/2025, 18/11/2025, 19/11/2025, 20/11/2025, 21/11/2025, 24/11/2025, 24/11/2025, 24/11/2025, 25/11/2025, 26/11/2025, 27/11/2025, 28/11/2025, 01/12/2025, 01/12/2025, 01/12/2025, 02/12/2025, 03/12/2025, 04/12/2025, 05/12/2025, 08/12/2025, 08/12/2025, 08/12/2025, 09/12/2025, 10/12/2025, 11/12/2025, 12/12/2025, 15/12/2025, 15/12/2025, 15/12/2025, 16/12/2025, 17/12/2025, 18/12/2025, 19/12/2025, 22/12/2025, 22/12/2025, 22/12/2025, 23/12/2025, 24/12/2025, 29/12/2025, 29/12/2025, 29/12/2025, 29/12/2025, 29/12/2025, 30/12/2025, 31/12/2025, 02/01/2026, 02/01/2026, 05/01/2026, 05/01/2026, 05/01/2026, 06/01/2026, 07/01/2026, 08/01/2026, 09/01/2026, 12/01/2026, 12/01/2026, 12/01/2026, 13/01/2026, 14/01/2026, 15/01/2026, 16/01/2026, 19/01/2026, 19/01/2026, 19/01/2026, 20/01/2026, 21/01/2026, 22/01/2026, 23/01/2026, 26/01/2026, 26/01/2026, 26/01/2026, 27/01/2026, 28/01/2026, 29/01/2026, 30/01/2026, 02/02/2026, 02/02/2026, 02/02/2026, 03/02/2026, 04/02/2026, 05/02/2026, 06/02/2026, 09/02/2026, 09/02/2026, 09/02/2026, 10/02/2026, 11/02/2026, 12/02/2026, 13/02/2026, 16/02/2026, 16/02/2026, 16/02/2026, 17/02/2026, 18/02/2026, 19/02/2026, 20/02/2026, 23/02/2026, 23/02/2026, 23/02/2026, 24/02/2026, 25/02/2026, 26/02/2026, 27/02/2026, 02/03/2026, 02/03/2026, 02/03/2026, 03/03/2026, 04/03/2026, 05/03/2026, 06/03/2026, 09/03/2026, 09/03/2026, 09/03/2026, 10/03/2026, 11/03/2026, 12/03/2026, 13/03/2026, 16/03/2026, 16/03/2026, 16/03/2026, 17/03/2026, 18/03/2026, 19/03/2026, 20/03/2026, 23/03/2026, 23/03/2026, 23/03/2026, 24/03/2026, 25/03/2026, 26/03/2026, 27/03/2026, 30/03/2026, 30/03/2026, 30/03/2026, 31/03/2026, 01/04/2026, 02/04/2026, 07/04/2026, 07/04/2026, 07/04/2026, 07/04/2026, 07/04/2026, 08/04/2026, 09/04/2026, 10/04/2026, 13/04/2026, 13/04/2026, 13/04/2026, 14/04/2026, 15/04/2026, 16/04/2026, 17/04/2026, 20/04/2026, 20/04/2026, 20/04/2026, 21/04/2026, 22/04/2026, 23/04/2026, 24/04/2026, 27/04/2026, 27/04/2026, 27/04/2026, 28/04/2026, 29/04/2026, 30/04/2026, 04/05/2026, 04/05/2026, 04/05/2026, 04/05/2026, 05/05/2026, 06/05/2026, 07/05/2026, 08/05/2026, 11/05/2026, 11/05/2026, 11/05/2026, 12/05/2026, 13/05/2026, 14/05/2026, 15/05/2026, 18/05/2026, 18/05/2026, 18/05/2026, 19/05/2026, 20/05/2026, 21/05/2026, 22/05/2026, 25/05/2026, 25/05/2026, 25/05/2026, 26/05/2026, 27/05/2026, 28/05/2026, 29/05/2026, 01/06/2026, 01/06/2026, 01/06/2026, 02/06/2026, 03/06/2026, 04/06/2026, 05/06/2026, 08/06/2026, 08/06/2026, 08/06/2026, 09/06/2026, 10/06/2026, 11/06/2026, 12/06/2026, 15/06/2026, 15/06/2026, 15/06/2026, 16/06/2026, 17/06/2026, 18/06/2026, 19/06/2026, 22/06/2026, 22/06/2026, 22/06/2026, 23/06/2026, 24/06/2026, 25/06/2026, 26/06/2026, 29/06/2026, 29/06/2026, 29/06/2026, 30/06/2026, 01/07/2026, 02/07/2026, 03/07/2026, 06/07/2026, 06/07/2026, 06/07/2026, 07/07/2026, 08/07/2026, 09/07/2026, 10/07/2026, 13/07/2026, 13/07/2026, 13/07/2026, 14/07/2026, 15/07/2026, 16/07/2026, 17/07/2026, 20/07/2026, 20/07/2026, 20/07/2026, 21/07/2026, 22/07/2026, 23/07/2026, 24/07/2026, 27/07/2026, 27/07/2026, 27/07/2026, 28/07/2026, 29/07/2026, 30/07/2026, 31/07/2026, 03/08/2026, 03/08/2026, 03/08/2026, 04/08/2026, 05/08/2026, 06/08/2026, 07/08/2026, 10/08/2026, 10/08/2026, 10/08/2026, 11/08/2026, 12/08/2026, 13/08/2026, 14/08/2026, 17/08/2026, 17/08/2026, 17/08/2026, 18/08/2026, 19/08/2026, 20/08/2026, 21/08/2026, 24/08/2026, 24/08/2026, 24/08/2026, 25/08/2026, 26/08/2026, 27/08/2026, 28/08/2026, 31/08/2026, 31/08/2026, 31/08/2026, 01/09/2026, 02/09/2026, 03/09/2026, 04/09/2026, 07/09/2026, 07/09/2026, 07/09/2026, 08/09/2026, 09/09/2026, 10/09/2026, 11/09/2026, 14/09/2026, 14/09/2026, 14/09/2026, 15/09/2026, 16/09/2026, 17/09/2026, 18/09/2026, 21/09/2026, 21/09/2026, 21/09/2026, 22/09/2026, 23/09/2026, 24/09/2026, 25/09/2026, 28/09/2026, 28/09/2026, 28/09/2026, 29/09/2026, 30/09/2026, 01/10/2026, 02/10/2026, 05/10/2026, 05/10/2026, 05/10/2026, 06/10/2026, 07/10/2026, 08/10/2026, 09/10/2026, 12/10/2026, 12/10/2026, 12/10/2026, 13/10/2026, 14/10/2026, 15/10/2026, 16/10/2026, 19/10/2026, 19/10/2026, 19/10/2026, 20/10/2026, 21/10/2026, 22/10/2026, 23/10/2026, 26/10/2026, 26/10/2026, 26/10/2026, 27/10/2026, 28/10/2026, 29/10/2026, 30/10/2026, 02/11/2026, 02/11/2026, 02/11/2026, 03/11/2026, 04/11/2026, 05/11/2026, 06/11/2026, 09/11/2026, 09/11/2026, 09/11/2026, 10/11/2026, 11/11/2026, 12/11/2026, 13/11/2026, 16/11/2026, 16/11/2026, 16/11/2026, 17/11/2026, 18/11/2026, 19/11/2026, 20/11/2026, 23/11/2026, 23/11/2026, 23/11/2026, 24/11/2026, 25/11/2026, 26/11/2026, 27/11/2026, 30/11/2026, 30/11/2026, 30/11/2026, 01/12/2026, 02/12/2026, 03/12/2026, 04/12/2026, 07/12/2026, 07/12/2026, 07/12/2026, 08/12/2026, 09/12/2026, 10/12/2026, 11/12/2026, 14/12/2026, 14/12/2026, 14/12/2026, 15/12/2026, 16/12/2026, 17/12/2026, 18/12/2026, 21/12/2026, 21/12/2026, 21/12/2026, 22/12/2026, 23/12/2026, 24/12/2026, 28/12/2026, 28/12/2026, 28/12/2026, 28/12/2026, 29/12/2026, 30/12/2026, 31/12/2026, 04/01/2027, 04/01/2027, 04/01/2027, 04/01/2027, 05/01/2027, 06/01/2027, 07/01/2027, 08/01/2027, 11/01/2027, 11/01/2027, 11/01/2027, 12/01/2027, 13/01/2027, 14/01/2027, 15/01/2027, 18/01/2027, 18/01/2027, 18/01/2027, 19/01/2027, 20/01/2027, 21/01/2027, 22/01/2027, 25/01/2027, 25/01/2027, 25/01/2027, 26/01/2027, 27/01/2027, 28/01/2027, 29/01/2027, 01/02/2027, 01/02/2027, 01/02/2027, 02/02/2027, 03/02/2027, 04/02/2027, 05/02/2027, 08/02/2027, 08/02/2027, 08/02/2027, 09/02/2027, 10/02/2027, 11/02/2027, 12/02/2027, 15/02/2027, 15/02/2027, 15/02/2027, 16/02/2027, 17/02/2027, 18/02/2027, 19/02/2027, 22/02/2027, 22/02/2027, 22/02/2027, 23/02/2027, 24/02/2027, 25/02/2027, 26/02/2027, 01/03/2027, 01/03/2027, 01/03/2027, 02/03/2027, 03/03/2027, 04/03/2027, 05/03/2027, 08/03/2027, 08/03/2027, 08/03/2027, 09/03/2027, 10/03/2027, 11/03/2027, 12/03/2027, 15/03/2027, 15/03/2027, 15/03/2027, 16/03/2027, 17/03/2027, 18/03/2027, 19/03/2027, 22/03/2027, 22/03/2027, 22/03/2027, 23/03/2027, 24/03/2027, 25/03/2027, 30/03/2027, 30/03/2027, 30/03/2027, 30/03/2027, 30/03/2027, 31/03/2027, 01/04/2027, 02/04/2027, 05/04/2027, 05/04/2027, 05/04/2027, 06/04/2027, 07/04/2027, 08/04/2027, 09/04/2027, 12/04/2027, 12/04/2027, 12/04/2027, 13/04/2027, 14/04/2027, 15/04/2027, 16/04/2027, 19/04/2027, 19/04/2027, 19/04/2027, 20/04/2027, 21/04/2027, 22/04/2027, 23/04/2027, 26/04/2027, 26/04/2027, 26/04/2027, 27/04/2027, 28/04/2027, 29/04/2027, 30/04/2027, 03/05/2027, 03/05/2027, 03/05/2027, 04/05/2027, 05/05/2027, 06/05/2027, 07/05/2027, 10/05/2027, 10/05/2027, 10/05/2027, 11/05/2027, 12/05/2027, 13/05/2027, 14/05/2027, 17/05/2027, 17/05/2027, 17/05/2027, 18/05/2027, 19/05/2027, 20/05/2027, 21/05/2027, 24/05/2027, 24/05/2027, 24/05/2027, 25/05/2027, 26/05/2027, 27/05/2027, 28/05/2027, 31/05/2027, 31/05/2027, 31/05/2027, 01/06/2027, 02/06/2027, 03/06/2027, 04/06/2027, 07/06/2027, 07/06/2027, 07/06/2027, 08/06/2027, 09/06/2027, 10/06/2027, 11/06/2027, 14/06/2027, 14/06/2027, 14/06/2027, 15/06/2027, 16/06/2027, 17/06/2027, 18/06/2027, 21/06/2027, 21/06/2027, 21/06/2027, 22/06/2027, 23/06/2027, 24/06/2027, 25/06/2027, 28/06/2027, 28/06/2027, 28/06/2027, 29/06/2027, 30/06/2027, 01/07/2027, 02/07/2027, 05/07/2027, 05/07/2027, 05/07/2027, 06/07/2027, 07/07/2027, 08/07/2027, 09/07/2027, 12/07/2027, 12/07/2027, 12/07/2027, 13/07/2027, 14/07/2027, 15/07/2027, 16/07/2027, 19/07/2027, 19/07/2027, 19/07/2027, 20/07/2027, 21/07/2027, 22/07/2027, 23/07/2027, 26/07/2027, 26/07/2027, 26/07/2027, 27/07/2027, 28/07/2027, 29/07/2027, 30/07/2027, 02/08/2027, 02/08/2027, 02/08/2027, 03/08/2027, 04/08/2027, 05/08/2027, 06/08/2027, 09/08/2027, 09/08/2027, 09/08/2027, 10/08/2027, 11/08/2027, 12/08/2027, 13/08/2027, 16/08/2027, 16/08/2027, 16/08/2027, 17/08/2027, 18/08/2027, 19/08/2027, 20/08/2027, 23/08/2027, 23/08/2027, 23/08/2027, 24/08/2027, 25/08/2027, 26/08/2027, 27/08/2027, 30/08/2027, 30/08/2027, 30/08/2027, 31/08/2027, 01/09/2027, 02/09/2027, 03/09/2027, 06/09/2027, 06/09/2027, 06/09/2027, 07/09/2027, 08/09/2027, 09/09/2027, 10/09/2027, 13/09/2027, 13/09/2027, 13/09/2027, 14/09/2027, 15/09/2027, 16/09/2027, 17/09/2027, 20/09/2027, 20/09/2027, 20/09/2027, 21/09/2027, 22/09/2027, 23/09/2027, 24/09/2027, 27/09/2027, 27/09/2027, 27/09/2027, 28/09/2027, 29/09/2027, 30/09/2027, 01/10/2027, 04/10/2027, 04/10/2027, 04/10/2027, 05/10/2027, 06/10/2027, 07/10/2027, 08/10/2027, 11/10/2027, 11/10/2027, 11/10/2027, 12/10/2027, 13/10/2027, 14/10/2027, 15/10/2027, 18/10/2027, 18/10/2027, 18/10/2027, 19/10/2027, 20/10/2027, 21/10/2027, 22/10/2027, 25/10/2027, 25/10/2027, 25/10/2027, 26/10/2027, 27/10/2027, 28/10/2027, 29/10/2027, 01/11/2027, 01/11/2027, 01/11/2027, 02/11/2027, 03/11/2027, 04/11/2027, 05/11/2027, 08/11/2027, 08/11/2027, 08/11/2027, 09/11/2027, 10/11/2027, 11/11/2027, 12/11/2027, 15/11/2027, 15/11/2027, 15/11/2027, 16/11/2027, 17/11/2027, 18/11/2027, 19/11/2027, 22/11/2027, 22/11/2027, 22/11/2027, 23/11/2027, 24/11/2027, 25/11/2027, 26/11/2027, 29/11/2027, 29/11/2027, 29/11/2027, 30/11/2027, 01/12/2027, 02/12/2027, 03/12/2027, 06/12/2027, 06/12/2027, 06/12/2027, 07/12/2027, 08/12/2027, 09/12/2027, 10/12/2027, 13/12/2027, 13/12/2027, 13/12/2027, 14/12/2027, 15/12/2027, 16/12/2027, 17/12/2027, 20/12/2027, 20/12/2027, 20/12/2027, 21/12/2027, 22/12/2027, 23/12/2027, 24/12/2027, 27/12/2027, 27/12/2027, 27/12/2027, 28/12/2027, 29/12/2027, 30/12/2027, 31/12/2027, 03/01/2028, 03/01/2028, 03/01/2028, 04/01/2028, 05/01/2028, 06/01/2028, 07/01/2028, 10/01/2028, 10/01/2028, 10/01/2028, 11/01/2028, 12/01/2028, 13/01/2028, 14/01/2028, 17/01/2028, 17/01/2028, 17/01/2028, 18/01/2028, 19/01/2028, 20/01/2028, 21/01/2028, 24/01/2028, 24/01/2028, 24/01/2028, 25/01/2028, 26/01/2028, 27/01/2028, 28/01/2028, 31/01/2028, 31/01/2028, 31/01/2028, 01/02/2028, 02/02/2028, 03/02/2028, 04/02/2028, 07/02/2028, 07/02/2028, 07/02/2028, 08/02/2028, 09/02/2028, 10/02/2028, 11/02/2028, 14/02/2028, 14/02/2028, 14/02/2028, 15/02/2028, 16/02/2028, 17/02/2028, 18/02/2028, 21/02/2028, 21/02/2028, 21/02/2028, 22/02/2028, 23/02/2028, 24/02/2028, 25/02/2028, 28/02/2028, 28/02/2028, 28/02/2028, 29/02/2028, 01/03/2028, 02/03/2028, 03/03/2028, 06/03/2028, 06/03/2028, 06/03/2028, 07/03/2028, 08/03/2028, 09/03/2028, 10/03/2028, 13/03/2028, 13/03/2028, 13/03/2028, 14/03/2028, 15/03/2028, 16/03/2028, 17/03/2028, 20/03/2028, 20/03/2028, 20/03/2028, 21/03/2028, 22/03/2028, 23/03/2028, 24/03/2028, 27/03/2028, 27/03/2028, 27/03/2028, 28/03/2028, 29/03/2028, 30/03/2028, 31/03/2028, 03/04/2028, 03/04/2028, 03/04/2028, 04/04/2028, 05/04/2028, 06/04/2028, 07/04/2028, 10/04/2028, 10/04/2028, 10/04/2028, 11/04/2028, 12/04/2028, 13/04/2028, 18/04/2028, 18/04/2028, 18/04/2028, 18/04/2028, 18/04/2028, 19/04/2028, 20/04/2028, 21/04/2028, 24/04/2028, 24/04/2028, 24/04/2028, 25/04/2028, 26/04/2028, 27/04/2028, 28/04/2028, 02/05/2028, 02/05/2028, 02/05/2028, 02/05/2028, 03/05/2028, 04/05/2028, 05/05/2028, 08/05/2028, 08/05/2028, 08/05/2028, 09/05/2028, 10/05/2028, 11/05/2028, 12/05/2028, 15/05/2028, 15/05/2028, 15/05/2028, 16/05/2028, 17/05/2028, 18/05/2028, 19/05/2028, 22/05/2028, 22/05/2028, 22/05/2028, 23/05/2028, 24/05/2028, 25/05/2028, 26/05/2028, 29/05/2028, 29/05/2028, 29/05/2028, 30/05/2028, 31/05/2028, 01/06/2028, 02/06/2028, 05/06/2028, 05/06/2028, 05/06/2028, 06/06/2028, 07/06/2028, 08/06/2028, 09/06/2028, 12/06/2028, 12/06/2028, 12/06/2028, 13/06/2028, 14/06/2028, 15/06/2028, 16/06/2028, 19/06/2028, 19/06/2028, 19/06/2028, 20/06/2028, 21/06/2028, 22/06/2028, 23/06/2028, 26/06/2028, 26/06/2028, 26/06/2028, 27/06/2028, 28/06/2028, 29/06/2028, 30/06/2028, 03/07/2028, 03/07/2028, 03/07/2028, 04/07/2028, 05/07/2028, 06/07/2028, 07/07/2028, 10/07/2028, 10/07/2028, 10/07/2028, 11/07/2028, 12/07/2028, 13/07/2028, 14/07/2028, 17/07/2028, 17/07/2028, 17/07/2028, 18/07/2028, 19/07/2028, 20/07/2028, 21/07/2028, 24/07/2028, 24/07/2028, 24/07/2028, 25/07/2028, 26/07/2028, 27/07/2028, 28/07/2028, 31/07/2028, 31/07/2028, 31/07/2028, 01/08/2028, 02/08/2028, 03/08/2028, 04/08/2028, 07/08/2028, 07/08/2028, 07/08/2028, 08/08/2028, 09/08/2028, 10/08/2028, 11/08/2028, 14/08/2028, 14/08/2028, 14/08/2028, 15/08/2028, 16/08/2028, 17/08/2028, 18/08/2028, 21/08/2028, 21/08/2028, 21/08/2028, 22/08/2028, 23/08/2028, 24/08/2028, 25/08/2028, 28/08/2028, 28/08/2028, 28/08/2028, 29/08/2028, 30/08/2028, 31/08/2028, 01/09/2028, 04/09/2028, 04/09/2028, 04/09/2028, 05/09/2028, 06/09/2028, 07/09/2028, 08/09/2028, 11/09/2028, 11/09/2028, 11/09/2028, 12/09/2028, 13/09/2028, 14/09/2028, 15/09/2028, 18/09/2028, 18/09/2028, 18/09/2028, 19/09/2028, 20/09/2028, 21/09/2028, 22/09/2028, 25/09/2028, 25/09/2028, 25/09/2028, 26/09/2028, 27/09/2028, 28/09/2028, 29/09/2028, 02/10/2028, 02/10/2028, 02/10/2028, 03/10/2028, 04/10/2028, 05/10/2028, 06/10/2028, 09/10/2028, 09/10/2028, 09/10/2028, 10/10/2028, 11/10/2028, 12/10/2028, 13/10/2028, 16/10/2028, 16/10/2028, 16/10/2028, 17/10/2028, 18/10/2028, 19/10/2028, 20/10/2028, 23/10/2028, 23/10/2028, 23/10/2028, 24/10/2028, 25/10/2028, 26/10/2028, 27/10/2028, 30/10/2028, 30/10/2028, 30/10/2028, 31/10/2028, 01/11/2028, 02/11/2028, 03/11/2028, 06/11/2028, 06/11/2028, 06/11/2028, 07/11/2028, 08/11/2028, 09/11/2028, 10/11/2028, 13/11/2028, 13/11/2028, 13/11/2028, 14/11/2028, 15/11/2028, 16/11/2028, 17/11/2028, 20/11/2028, 20/11/2028, 20/11/2028, 21/11/2028, 22/11/2028, 23/11/2028, 24/11/2028, 27/11/2028, 27/11/2028, 27/11/2028, 28/11/2028, 29/11/2028, 30/11/2028, 01/12/2028, 04/12/2028, 04/12/2028, 04/12/2028, 05/12/2028, 06/12/2028, 07/12/2028, 08/12/2028, 11/12/2028, 11/12/2028, 11/12/2028, 12/12/2028, 13/12/2028, 14/12/2028, 15/12/2028, 18/12/2028, 18/12/2028, 18/12/2028, 19/12/2028, 20/12/2028, 21/12/2028, 22/12/2028, 27/12/2028, 27/12/2028, 27/12/2028, 27/12/2028, 27/12/2028, 28/12/2028, 29/12/2028, 02/01/2029, 02/01/2029, 02/01/2029, 02/01/2029, 03/01/2029, 04/01/2029, 05/01/2029, 08/01/2029, 08/01/2029, 08/01/2029, 09/01/2029, 10/01/2029, 11/01/2029, 12/01/2029, 15/01/2029, 15/01/2029, 15/01/2029, 16/01/2029, 17/01/2029, 18/01/2029, 19/01/2029, 22/01/2029, 22/01/2029, 22/01/2029, 23/01/2029, 24/01/2029, 25/01/2029, 26/01/2029, 29/01/2029, 29/01/2029, 29/01/2029, 30/01/2029, 31/01/2029, 01/02/2029, 02/02/2029, 05/02/2029, 05/02/2029, 05/02/2029, 06/02/2029, 07/02/2029, 08/02/2029, 09/02/2029, 12/02/2029, 12/02/2029, 12/02/2029, 13/02/2029, 14/02/2029, 15/02/2029, 16/02/2029, 19/02/2029, 19/02/2029, 19/02/2029, 20/02/2029, 21/02/2029, 22/02/2029, 23/02/2029, 26/02/2029, 26/02/2029, 26/02/2029, 27/02/2029, 28/02/2029, 01/03/2029, 02/03/2029, 05/03/2029, 05/03/2029, 05/03/2029, 06/03/2029, 07/03/2029, 08/03/2029, 09/03/2029, 12/03/2029, 12/03/2029, 12/03/2029, 13/03/2029, 14/03/2029, 15/03/2029, 16/03/2029, 19/03/2029, 19/03/2029, 19/03/2029, 20/03/2029, 21/03/2029, 22/03/2029, 23/03/2029, 26/03/2029, 26/03/2029, 26/03/2029, 27/03/2029, 28/03/2029, 29/03/2029, 03/04/2029, 03/04/2029, 03/04/2029, 03/04/2029, 03/04/2029, 04/04/2029, 05/04/2029, 06/04/2029, 09/04/2029, 09/04/2029, 09/04/2029, 10/04/2029, 11/04/2029, 12/04/2029, 13/04/2029, 16/04/2029, 16/04/2029, 16/04/2029, 17/04/2029, 18/04/2029, 19/04/2029, 20/04/2029, 23/04/2029, 23/04/2029, 23/04/2029, 24/04/2029, 25/04/2029, 26/04/2029, 27/04/2029, 30/04/2029, 30/04/2029, 30/04/2029, 02/05/2029, 02/05/2029, 03/05/2029, 04/05/2029, 07/05/2029, 07/05/2029, 07/05/2029, 08/05/2029, 09/05/2029, 10/05/2029, 11/05/2029, 14/05/2029, 14/05/2029, 14/05/2029, 15/05/2029, 16/05/2029, 17/05/2029, 18/05/2029, 21/05/2029, 21/05/2029, 21/05/2029, 22/05/2029, 23/05/2029, 24/05/2029, 25/05/2029, 28/05/2029, 28/05/2029, 28/05/2029, 29/05/2029, 30/05/2029, 31/05/2029, 01/06/2029, 04/06/2029, 04/06/2029, 04/06/2029, 05/06/2029, 06/06/2029, 07/06/2029, 08/06/2029, 11/06/2029, 11/06/2029, 11/06/2029, 12/06/2029, 13/06/2029, 14/06/2029, 15/06/2029, 18/06/2029, 18/06/2029, 18/06/2029, 19/06/2029, 20/06/2029, 21/06/2029, 22/06/2029, 25/06/2029, 25/06/2029, 25/06/2029, 26/06/2029, 27/06/2029, 28/06/2029, 29/06/2029, 02/07/2029, 02/07/2029, 02/07/2029, 03/07/2029, 04/07/2029, 05/07/2029, 06/07/2029, 09/07/2029, 09/07/2029, 09/07/2029, 10/07/2029, 11/07/2029, 12/07/2029, 13/07/2029, 16/07/2029, 16/07/2029, 16/07/2029, 17/07/2029, 18/07/2029, 19/07/2029, 20/07/2029, 23/07/2029, 23/07/2029, 23/07/2029, 24/07/2029, 25/07/2029, 26/07/2029, 27/07/2029, 30/07/2029, 30/07/2029, 30/07/2029, 31/07/2029, 01/08/2029, 02/08/2029, 03/08/2029, 06/08/2029, 06/08/2029, 06/08/2029, 07/08/2029, 08/08/2029, 09/08/2029, 10/08/2029, 13/08/2029, 13/08/2029, 13/08/2029, 14/08/2029, 15/08/2029, 16/08/2029, 17/08/2029, 20/08/2029, 20/08/2029, 20/08/2029, 21/08/2029, 22/08/2029, 23/08/2029, 24/08/2029, 27/08/2029, 27/08/2029, 27/08/2029, 28/08/2029, 29/08/2029, 30/08/2029, 31/08/2029, 03/09/2029, 03/09/2029, 03/09/2029, 04/09/2029, 05/09/2029, 06/09/2029, 07/09/2029, 10/09/2029, 10/09/2029, 10/09/2029, 11/09/2029, 12/09/2029, 13/09/2029, 14/09/2029, 17/09/2029, 17/09/2029, 17/09/2029, 18/09/2029, 19/09/2029, 20/09/2029, 21/09/2029, 24/09/2029, 24/09/2029, 24/09/2029, 25/09/2029, 26/09/2029, 27/09/2029, 28/09/2029, 01/10/2029, 01/10/2029, 01/10/2029, 02/10/2029, 03/10/2029, 04/10/2029, 05/10/2029, 08/10/2029, 08/10/2029, 08/10/2029, 09/10/2029, 10/10/2029, 11/10/2029, 12/10/2029, 15/10/2029, 15/10/2029, 15/10/2029, 16/10/2029, 17/10/2029, 18/10/2029, 19/10/2029, 22/10/2029, 22/10/2029, 22/10/2029, 23/10/2029, 24/10/2029, 25/10/2029, 26/10/2029, 29/10/2029, 29/10/2029, 29/10/2029, 30/10/2029, 31/10/2029, 01/11/2029, 02/11/2029, 05/11/2029, 05/11/2029, 05/11/2029, 06/11/2029, 07/11/2029, 08/11/2029, 09/11/2029, 12/11/2029, 12/11/2029, 12/11/2029, 13/11/2029, 14/11/2029, 15/11/2029, 16/11/2029, 19/11/2029, 19/11/2029, 19/11/2029, 20/11/2029, 21/11/2029, 22/11/2029, 23/11/2029, 26/11/2029, 26/11/2029, 26/11/2029, 27/11/2029, 28/11/2029, 29/11/2029, 30/11/2029, 03/12/2029, 03/12/2029, 03/12/2029, 04/12/2029, 05/12/2029, 06/12/2029, 07/12/2029, 10/12/2029, 10/12/2029, 10/12/2029, 11/12/2029, 12/12/2029, 13/12/2029, 14/12/2029, 17/12/2029, 17/12/2029, 17/12/2029, 18/12/2029, 19/12/2029, 20/12/2029, 21/12/2029, 24/12/2029, 24/12/2029, 24/12/2029, 27/12/2029, 27/12/2029, 27/12/2029, 28/12/2029, 31/12/2029, 31/12/2029, 31/12/2029, 02/01/2030, 02/01/2030, 03/01/2030, 04/01/2030, 07/01/2030, 07/01/2030, 07/01/2030, 08/01/2030, 09/01/2030, 10/01/2030, 11/01/2030, 14/01/2030, 14/01/2030, 14/01/2030, 15/01/2030, 16/01/2030, 17/01/2030, 18/01/2030, 21/01/2030, 21/01/2030, 21/01/2030, 22/01/2030, 23/01/2030, 24/01/2030, 25/01/2030, 28/01/2030, 28/01/2030, 28/01/2030, 29/01/2030, 30/01/2030, 31/01/2030, 01/02/2030, 04/02/2030, 04/02/2030, 04/02/2030, 05/02/2030, 06/02/2030, 07/02/2030, 08/02/2030, 11/02/2030, 11/02/2030, 11/02/2030, 12/02/2030, 13/02/2030, 14/02/2030, 15/02/2030, 18/02/2030, 18/02/2030, 18/02/2030, 19/02/2030, 20/02/2030, 21/02/2030, 22/02/2030, 25/02/2030, 25/02/2030, 25/02/2030, 26/02/2030, 27/02/2030, 28/02/2030, 01/03/2030, 04/03/2030, 04/03/2030, 04/03/2030, 05/03/2030, 06/03/2030, 07/03/2030, 08/03/2030, 11/03/2030, 11/03/2030, 11/03/2030, 12/03/2030, 13/03/2030, 14/03/2030, 15/03/2030, 18/03/2030, 18/03/2030, 18/03/2030, 19/03/2030, 20/03/2030, 21/03/2030, 22/03/2030, 25/03/2030, 25/03/2030, 25/03/2030, 26/03/2030, 27/03/2030, 28/03/2030, 29/03/2030, 01/04/2030, 01/04/2030, 01/04/2030, 02/04/2030, 03/04/2030, 04/04/2030, 05/04/2030, 08/04/2030, 08/04/2030, 08/04/2030, 09/04/2030, 10/04/2030, 11/04/2030, 12/04/2030, 15/04/2030, 15/04/2030, 15/04/2030, 16/04/2030, 17/04/2030, 18/04/2030, 23/04/2030, 23/04/2030, 23/04/2030, 23/04/2030, 23/04/2030, 24/04/2030, 25/04/2030, 26/04/2030, 29/04/2030, 29/04/2030, 29/04/2030, 30/04/2030, 02/05/2030, 02/05/2030, 03/05/2030, 06/05/2030, 06/05/2030, 06/05/2030, 07/05/2030, 08/05/2030, 09/05/2030, 10/05/2030, 13/05/2030, 13/05/2030, 13/05/2030, 14/05/2030, 15/05/2030, 16/05/2030, 17/05/2030, 20/05/2030, 20/05/2030, 20/05/2030, 21/05/2030, 22/05/2030, 23/05/2030, 24/05/2030, 27/05/2030, 27/05/2030, 27/05/2030, 28/05/2030, 29/05/2030, 30/05/2030, 31/05/2030, 03/06/2030, 03/06/2030, 03/06/2030, 04/06/2030, 05/06/2030, 06/06/2030, 07/06/2030, 10/06/2030, 10/06/2030, 10/06/2030, 11/06/2030, 12/06/2030, 13/06/2030, 14/06/2030, 17/06/2030, 17/06/2030, 17/06/2030, 18/06/2030, 19/06/2030, 20/06/2030, 21/06/2030, 24/06/2030, 24/06/2030, 24/06/2030, 25/06/2030, 26/06/2030, 27/06/2030, 28/06/2030, 01/07/2030, 01/07/2030, 01/07/2030, 02/07/2030, 03/07/2030, 04/07/2030, 05/07/2030, 08/07/2030, 08/07/2030, 08/07/2030, 09/07/2030, 10/07/2030, 11/07/2030, 12/07/2030, 15/07/2030, 15/07/2030, 15/07/2030, 16/07/2030, 17/07/2030, 18/07/2030, 19/07/2030, 22/07/2030, 22/07/2030, 22/07/2030, 23/07/2030, 24/07/2030, 25/07/2030, 26/07/2030, 29/07/2030, 29/07/2030, 29/07/2030, 30/07/2030, 31/07/2030, 01/08/2030, 02/08/2030, 05/08/2030, 05/08/2030, 05/08/2030, 06/08/2030, 07/08/2030, 08/08/2030, 09/08/2030, 12/08/2030, 12/08/2030, 12/08/2030, 13/08/2030, 14/08/2030, 15/08/2030, 16/08/2030, 19/08/2030, 19/08/2030, 19/08/2030, 20/08/2030, 21/08/2030, 22/08/2030, 23/08/2030, 26/08/2030, 26/08/2030, 26/08/2030, 27/08/2030, 28/08/2030, 29/08/2030, 30/08/2030, 02/09/2030, 02/09/2030, 02/09/2030, 03/09/2030, 04/09/2030, 05/09/2030, 06/09/2030, 09/09/2030, 09/09/2030, 09/09/2030, 10/09/2030, 11/09/2030, 12/09/2030, 13/09/2030, 16/09/2030, 16/09/2030, 16/09/2030, 17/09/2030, 18/09/2030, 19/09/2030, 20/09/2030, 23/09/2030, 23/09/2030, 23/09/2030, 24/09/2030, 25/09/2030, 26/09/2030, 27/09/2030, 30/09/2030, 30/09/2030, 30/09/2030, 01/10/2030, 02/10/2030, 03/10/2030, 04/10/2030, 07/10/2030, 07/10/2030, 07/10/2030, 08/10/2030, 09/10/2030, 10/10/2030, 11/10/2030, 14/10/2030, 14/10/2030, 14/10/2030, 15/10/2030, 16/10/2030, 17/10/2030, 18/10/2030, 21/10/2030, 21/10/2030, 21/10/2030, 22/10/2030, 23/10/2030, 24/10/2030, 25/10/2030, 28/10/2030, 28/10/2030, 28/10/2030, 29/10/2030, 30/10/2030, 31/10/2030, 01/11/2030, 04/11/2030, 04/11/2030, 04/11/2030, 05/11/2030, 06/11/2030, 07/11/2030, 08/11/2030, 11/11/2030, 11/11/2030, 11/11/2030, 12/11/2030, 13/11/2030, 14/11/2030, 15/11/2030, 18/11/2030, 18/11/2030, 18/11/2030, 19/11/2030, 20/11/2030, 21/11/2030, 22/11/2030, 25/11/2030, 25/11/2030, 25/11/2030, 26/11/2030, 27/11/2030, 28/11/2030, 29/11/2030, 02/12/2030, 02/12/2030, 02/12/2030, 03/12/2030, 04/12/2030, 05/12/2030, 06/12/2030, 09/12/2030, 09/12/2030, 09/12/2030, 10/12/2030, 11/12/2030, 12/12/2030, 13/12/2030, 16/12/2030, 16/12/2030, 16/12/2030, 17/12/2030, 18/12/2030, 19/12/2030, 20/12/2030, 23/12/2030, 23/12/2030, 23/12/2030, 24/12/2030, 27/12/2030, 27/12/2030, 27/12/2030, 30/12/2030, 30/12/2030, 30/12/2030, 31/12/2030, 02/01/2031, 02/01/2031, 03/01/2031, 06/01/2031, 06/01/2031, 06/01/2031, 07/01/2031, 08/01/2031, 09/01/2031, 10/01/2031, 13/01/2031, 13/01/2031, 13/01/2031, 14/01/2031, 15/01/2031, 16/01/2031, 17/01/2031, 20/01/2031, 20/01/2031, 20/01/2031, 21/01/2031, 22/01/2031, 23/01/2031, 24/01/2031, 27/01/2031, 27/01/2031, 27/01/2031, 28/01/2031, 29/01/2031, 30/01/2031, 31/01/2031, 03/02/2031, 03/02/2031, 03/02/2031, 04/02/2031, 05/02/2031, 06/02/2031, 07/02/2031, 10/02/2031, 10/02/2031, 10/02/2031, 11/02/2031, 12/02/2031, 13/02/2031, 14/02/2031, 17/02/2031, 17/02/2031, 17/02/2031, 18/02/2031, 19/02/2031, 20/02/2031, 21/02/2031, 24/02/2031, 24/02/2031, 24/02/2031, 25/02/2031, 26/02/2031, 27/02/2031, 28/02/2031, 03/03/2031, 03/03/2031, 03/03/2031, 04/03/2031, 05/03/2031, 06/03/2031, 07/03/2031, 10/03/2031, 10/03/2031, 10/03/2031, 11/03/2031, 12/03/2031, 13/03/2031, 14/03/2031, 17/03/2031, 17/03/2031, 17/03/2031, 18/03/2031, 19/03/2031, 20/03/2031, 21/03/2031, 24/03/2031, 24/03/2031, 24/03/2031, 25/03/2031, 26/03/2031, 27/03/2031, 28/03/2031, 31/03/2031, 31/03/2031, 31/03/2031, 01/04/2031, 02/04/2031, 03/04/2031, 04/04/2031, 07/04/2031, 07/04/2031, 07/04/2031, 08/04/2031, 09/04/2031, 10/04/2031, 15/04/2031, 15/04/2031, 15/04/2031, 15/04/2031, 15/04/2031, 16/04/2031, 17/04/2031, 18/04/2031, 21/04/2031, 21/04/2031, 21/04/2031, 22/04/2031, 23/04/2031, 24/04/2031, 25/04/2031, 28/04/2031, 28/04/2031, 28/04/2031, 29/04/2031, 30/04/2031, 02/05/2031, 02/05/2031, 05/05/2031, 05/05/2031, 05/05/2031, 06/05/2031, 07/05/2031, 08/05/2031, 09/05/2031, 12/05/2031, 12/05/2031, 12/05/2031, 13/05/2031, 14/05/2031, 15/05/2031, 16/05/2031, 19/05/2031, 19/05/2031, 19/05/2031, 20/05/2031, 21/05/2031, 22/05/2031, 23/05/2031, 26/05/2031, 26/05/2031, 26/05/2031, 27/05/2031, 28/05/2031, 29/05/2031, 30/05/2031, 02/06/2031, 02/06/2031, 02/06/2031, 03/06/2031, 04/06/2031, 05/06/2031, 06/06/2031, 09/06/2031, 09/06/2031, 09/06/2031, 10/06/2031, 11/06/2031, 12/06/2031, 13/06/2031, 16/06/2031, 16/06/2031, 16/06/2031, 17/06/2031, 18/06/2031, 19/06/2031, 20/06/2031, 23/06/2031, 23/06/2031, 23/06/2031, 24/06/2031, 25/06/2031, 26/06/2031, 27/06/2031, 30/06/2031, 30/06/2031, 30/06/2031, 01/07/2031, 02/07/2031, 03/07/2031, 04/07/2031, 07/07/2031, 07/07/2031, 07/07/2031, 08/07/2031, 09/07/2031, 10/07/2031, 11/07/2031, 14/07/2031, 14/07/2031, 14/07/2031, 15/07/2031, 16/07/2031, 17/07/2031, 18/07/2031, 21/07/2031, 21/07/2031, 21/07/2031, 22/07/2031, 23/07/2031, 24/07/2031, 25/07/2031, 28/07/2031, 28/07/2031, 28/07/2031, 29/07/2031, 30/07/2031, 31/07/2031, 01/08/2031, 04/08/2031, 04/08/2031, 04/08/2031, 05/08/2031, 06/08/2031, 07/08/2031, 08/08/2031, 11/08/2031, 11/08/2031, 11/08/2031, 12/08/2031, 13/08/2031, 14/08/2031, 15/08/2031, 18/08/2031, 18/08/2031, 18/08/2031, 19/08/2031, 20/08/2031, 21/08/2031, 22/08/2031, 25/08/2031, 25/08/2031, 25/08/2031, 26/08/2031, 27/08/2031, 28/08/2031, 29/08/2031, 01/09/2031, 01/09/2031, 01/09/2031, 02/09/2031, 03/09/2031, 04/09/2031, 05/09/2031, 08/09/2031, 08/09/2031, 08/09/2031, 09/09/2031, 10/09/2031, 11/09/2031, 12/09/2031, 15/09/2031, 15/09/2031, 15/09/2031, 16/09/2031, 17/09/2031, 18/09/2031, 19/09/2031, 22/09/2031, 22/09/2031, 22/09/2031, 23/09/2031, 24/09/2031, 25/09/2031, 26/09/2031, 29/09/2031, 29/09/2031, 29/09/2031, 30/09/2031, 01/10/2031, 02/10/2031, 03/10/2031, 06/10/2031, 06/10/2031, 06/10/2031, 07/10/2031, 08/10/2031, 09/10/2031, 10/10/2031, 13/10/2031, 13/10/2031, 13/10/2031, 14/10/2031, 15/10/2031, 16/10/2031, 17/10/2031, 20/10/2031, 20/10/2031, 20/10/2031, 21/10/2031, 22/10/2031, 23/10/2031, 24/10/2031, 27/10/2031, 27/10/2031, 27/10/2031, 28/10/2031, 29/10/2031, 30/10/2031, 31/10/2031, 03/11/2031, 03/11/2031, 03/11/2031, 04/11/2031, 05/11/2031, 06/11/2031, 07/11/2031, 10/11/2031, 10/11/2031, 10/11/2031, 11/11/2031, 12/11/2031, 13/11/2031, 14/11/2031, 17/11/2031, 17/11/2031, 17/11/2031, 18/11/2031, 19/11/2031, 20/11/2031, 21/11/2031, 24/11/2031, 24/11/2031, 24/11/2031, 25/11/2031, 26/11/2031, 27/11/2031, 28/11/2031, 01/12/2031, 01/12/2031, 01/12/2031, 02/12/2031, 03/12/2031, 04/12/2031, 05/12/2031, 08/12/2031, 08/12/2031, 08/12/2031, 09/12/2031, 10/12/2031, 11/12/2031, 12/12/2031, 15/12/2031, 15/12/2031, 15/12/2031, 16/12/2031, 17/12/2031, 18/12/2031, 19/12/2031, 22/12/2031, 22/12/2031, 22/12/2031, 23/12/2031, 24/12/2031, 29/12/2031, 29/12/2031, 29/12/2031, 29/12/2031, 29/12/2031, 30/12/2031, 31/12/2031, 02/01/2032, 02/01/2032, 05/01/2032, 05/01/2032, 05/01/2032, 06/01/2032, 07/01/2032, 08/01/2032, 09/01/2032, 12/01/2032, 12/01/2032, 12/01/2032, 13/01/2032, 14/01/2032, 15/01/2032, 16/01/2032, 19/01/2032, 19/01/2032, 19/01/2032, 20/01/2032, 21/01/2032, 22/01/2032, 23/01/2032, 26/01/2032, 26/01/2032, 26/01/2032, 27/01/2032, 28/01/2032, 29/01/2032, 30/01/2032, 02/02/2032, 02/02/2032, 02/02/2032, 03/02/2032, 04/02/2032, 05/02/2032, 06/02/2032, 09/02/2032, 09/02/2032, 09/02/2032, 10/02/2032, 11/02/2032, 12/02/2032, 13/02/2032, 16/02/2032, 16/02/2032, 16/02/2032, 17/02/2032, 18/02/2032, 19/02/2032, 20/02/2032, 23/02/2032, 23/02/2032, 23/02/2032, 24/02/2032, 25/02/2032, 26/02/2032, 27/02/2032, 01/03/2032, 01/03/2032, 01/03/2032, 02/03/2032, 03/03/2032, 04/03/2032, 05/03/2032, 08/03/2032, 08/03/2032, 08/03/2032, 09/03/2032, 10/03/2032, 11/03/2032, 12/03/2032, 15/03/2032, 15/03/2032, 15/03/2032, 16/03/2032, 17/03/2032, 18/03/2032, 19/03/2032, 22/03/2032, 22/03/2032, 22/03/2032, 23/03/2032, 24/03/2032, 25/03/2032, 30/03/2032, 30/03/2032, 30/03/2032, 30/03/2032, 30/03/2032, 31/03/2032, 01/04/2032, 02/04/2032, 05/04/2032, 05/04/2032, 05/04/2032, 06/04/2032, 07/04/2032, 08/04/2032, 09/04/2032, 12/04/2032, 12/04/2032, 12/04/2032, 13/04/2032, 14/04/2032, 15/04/2032, 16/04/2032, 19/04/2032, 19/04/2032, 19/04/2032, 20/04/2032, 21/04/2032, 22/04/2032, 23/04/2032, 26/04/2032, 26/04/2032, 26/04/2032, 27/04/2032, 28/04/2032, 29/04/2032, 30/04/2032, 03/05/2032, 03/05/2032, 03/05/2032, 04/05/2032, 05/05/2032, 06/05/2032, 07/05/2032, 10/05/2032, 10/05/2032, 10/05/2032, 11/05/2032, 12/05/2032, 13/05/2032, 14/05/2032, 17/05/2032, 17/05/2032, 17/05/2032, 18/05/2032, 19/05/2032, 20/05/2032, 21/05/2032, 24/05/2032, 24/05/2032, 24/05/2032, 25/05/2032, 26/05/2032, 27/05/2032</a:t>
+                        <a:t>29/08/2022, 28/11/2022, 27/02/2023, 29/05/2023, 28/08/2023, 27/11/2023, 27/02/2024, 27/05/2024, 27/08/2024, 27/11/2024, 27/02/2025, 27/05/2025, 27/08/2025, 27/11/2025, 27/02/2026, 27/05/2026, 27/08/2026, 27/11/2026, 01/03/2027, 27/05/2027, 27/08/2027, 29/11/2027, 28/02/2028, 29/05/2028, 28/08/2028, 27/11/2028, 27/02/2029, 28/05/2029, 27/08/2029, 27/11/2029, 27/02/2030, 27/05/2030, 27/08/2030, 27/11/2030, 27/02/2031, 27/05/2031, 27/08/2031, 27/11/2031, 27/02/2032, 27/05/2032</a:t>
                       </a:r>
                     </a:p>
                   </a:txBody>
@@ -16427,7 +16443,7 @@
                         <a:defRPr sz="700"/>
                       </a:pPr>
                       <a:r>
-                        <a:t>13/06/2022, 13/06/2022, 13/06/2022, 14/06/2022, 15/06/2022, 16/06/2022, 17/06/2022, 20/06/2022, 20/06/2022, 20/06/2022, 21/06/2022, 22/06/2022, 23/06/2022, 24/06/2022, 27/06/2022, 27/06/2022, 27/06/2022, 28/06/2022, 29/06/2022, 30/06/2022, 01/07/2022, 04/07/2022, 04/07/2022, 04/07/2022, 05/07/2022, 06/07/2022, 07/07/2022, 08/07/2022, 11/07/2022, 11/07/2022, 11/07/2022, 12/07/2022, 13/07/2022, 14/07/2022, 15/07/2022, 18/07/2022, 18/07/2022, 18/07/2022, 19/07/2022, 20/07/2022, 21/07/2022, 22/07/2022, 25/07/2022, 25/07/2022, 25/07/2022, 26/07/2022, 27/07/2022, 28/07/2022, 29/07/2022, 01/08/2022, 01/08/2022, 01/08/2022, 02/08/2022, 03/08/2022, 04/08/2022, 05/08/2022, 08/08/2022, 08/08/2022, 08/08/2022, 09/08/2022, 10/08/2022, 11/08/2022, 12/08/2022, 15/08/2022, 15/08/2022, 15/08/2022, 16/08/2022, 17/08/2022, 18/08/2022, 19/08/2022, 22/08/2022, 22/08/2022, 22/08/2022, 23/08/2022, 24/08/2022, 25/08/2022, 26/08/2022, 29/08/2022, 29/08/2022, 29/08/2022, 30/08/2022, 31/08/2022, 01/09/2022, 02/09/2022, 05/09/2022, 05/09/2022, 05/09/2022, 06/09/2022, 07/09/2022, 08/09/2022, 09/09/2022, 12/09/2022, 12/09/2022, 12/09/2022, 13/09/2022, 14/09/2022, 15/09/2022, 16/09/2022, 19/09/2022, 19/09/2022, 19/09/2022, 20/09/2022, 21/09/2022, 22/09/2022, 23/09/2022, 26/09/2022, 26/09/2022, 26/09/2022, 27/09/2022, 28/09/2022, 29/09/2022, 30/09/2022, 03/10/2022, 03/10/2022, 03/10/2022, 04/10/2022, 05/10/2022, 06/10/2022, 07/10/2022, 10/10/2022, 10/10/2022, 10/10/2022, 11/10/2022, 12/10/2022, 13/10/2022, 14/10/2022, 17/10/2022, 17/10/2022, 17/10/2022, 18/10/2022, 19/10/2022, 20/10/2022, 21/10/2022, 24/10/2022, 24/10/2022, 24/10/2022, 25/10/2022, 26/10/2022, 27/10/2022, 28/10/2022, 31/10/2022, 31/10/2022, 31/10/2022, 01/11/2022, 02/11/2022, 03/11/2022, 04/11/2022, 07/11/2022, 07/11/2022, 07/11/2022, 08/11/2022, 09/11/2022, 10/11/2022, 11/11/2022, 14/11/2022, 14/11/2022, 14/11/2022, 15/11/2022, 16/11/2022, 17/11/2022, 18/11/2022, 21/11/2022, 21/11/2022, 21/11/2022, 22/11/2022, 23/11/2022, 24/11/2022, 25/11/2022, 28/11/2022, 28/11/2022, 28/11/2022, 29/11/2022, 30/11/2022, 01/12/2022, 02/12/2022, 05/12/2022, 05/12/2022, 05/12/2022, 06/12/2022, 07/12/2022, 08/12/2022, 09/12/2022, 12/12/2022, 12/12/2022, 12/12/2022, 13/12/2022, 14/12/2022, 15/12/2022, 16/12/2022, 19/12/2022, 19/12/2022, 19/12/2022, 20/12/2022, 21/12/2022, 22/12/2022, 23/12/2022, 27/12/2022, 27/12/2022, 27/12/2022, 28/12/2022, 29/12/2022, 30/12/2022, 02/01/2023, 03/01/2023, 03/01/2023, 03/01/2023, 04/01/2023, 05/01/2023, 06/01/2023, 09/01/2023, 10/01/2023, 10/01/2023, 10/01/2023, 10/01/2023, 11/01/2023, 12/01/2023, 13/01/2023, 16/01/2023, 16/01/2023, 16/01/2023, 17/01/2023, 18/01/2023, 19/01/2023, 20/01/2023, 23/01/2023, 23/01/2023, 23/01/2023, 24/01/2023, 25/01/2023, 26/01/2023, 27/01/2023, 30/01/2023, 30/01/2023, 30/01/2023, 31/01/2023, 01/02/2023, 02/02/2023, 03/02/2023, 06/02/2023, 06/02/2023, 06/02/2023, 07/02/2023, 08/02/2023, 09/02/2023, 10/02/2023, 13/02/2023, 13/02/2023, 13/02/2023, 14/02/2023, 15/02/2023, 16/02/2023, 17/02/2023, 20/02/2023, 20/02/2023, 20/02/2023, 21/02/2023, 22/02/2023, 23/02/2023, 24/02/2023, 27/02/2023, 27/02/2023, 27/02/2023, 28/02/2023, 01/03/2023, 02/03/2023, 03/03/2023, 06/03/2023, 06/03/2023, 06/03/2023, 07/03/2023, 08/03/2023, 09/03/2023, 10/03/2023, 13/03/2023, 13/03/2023, 13/03/2023, 14/03/2023, 15/03/2023, 16/03/2023, 17/03/2023, 20/03/2023, 20/03/2023, 20/03/2023, 21/03/2023, 22/03/2023, 23/03/2023, 24/03/2023, 27/03/2023, 27/03/2023, 27/03/2023, 28/03/2023, 29/03/2023, 30/03/2023, 31/03/2023, 03/04/2023, 03/04/2023, 03/04/2023, 04/04/2023, 05/04/2023, 06/04/2023, 11/04/2023, 12/04/2023, 12/04/2023, 12/04/2023, 13/04/2023, 14/04/2023, 17/04/2023, 18/04/2023, 19/04/2023, 19/04/2023, 19/04/2023, 20/04/2023, 21/04/2023, 24/04/2023, 25/04/2023, 25/04/2023, 25/04/2023, 25/04/2023, 25/04/2023, 26/04/2023, 27/04/2023, 28/04/2023, 02/05/2023, 02/05/2023, 02/05/2023, 03/05/2023, 04/05/2023, 05/05/2023, 08/05/2023, 09/05/2023, 09/05/2023, 09/05/2023, 10/05/2023, 11/05/2023, 12/05/2023, 15/05/2023, 16/05/2023, 16/05/2023, 16/05/2023, 16/05/2023, 17/05/2023, 18/05/2023, 19/05/2023, 22/05/2023, 22/05/2023, 22/05/2023, 23/05/2023, 24/05/2023, 25/05/2023, 26/05/2023, 29/05/2023, 29/05/2023, 29/05/2023, 30/05/2023, 31/05/2023, 01/06/2023, 02/06/2023, 05/06/2023, 05/06/2023, 05/06/2023, 06/06/2023, 07/06/2023, 08/06/2023, 09/06/2023, 12/06/2023, 12/06/2023, 12/06/2023, 13/06/2023, 14/06/2023, 15/06/2023, 16/06/2023, 19/06/2023, 19/06/2023, 19/06/2023, 20/06/2023, 21/06/2023, 22/06/2023, 23/06/2023, 26/06/2023, 26/06/2023, 26/06/2023, 27/06/2023, 28/06/2023, 29/06/2023, 30/06/2023, 03/07/2023, 03/07/2023, 03/07/2023, 04/07/2023, 05/07/2023, 06/07/2023, 07/07/2023, 10/07/2023, 10/07/2023, 10/07/2023, 11/07/2023, 12/07/2023, 13/07/2023, 14/07/2023, 17/07/2023, 17/07/2023, 17/07/2023, 18/07/2023, 19/07/2023, 20/07/2023, 21/07/2023, 24/07/2023, 24/07/2023, 24/07/2023, 25/07/2023, 26/07/2023, 27/07/2023, 28/07/2023, 31/07/2023, 31/07/2023, 31/07/2023, 01/08/2023, 02/08/2023, 03/08/2023, 04/08/2023, 07/08/2023, 07/08/2023, 07/08/2023, 08/08/2023, 09/08/2023, 10/08/2023, 11/08/2023, 14/08/2023, 14/08/2023, 14/08/2023, 15/08/2023, 16/08/2023, 17/08/2023, 18/08/2023, 21/08/2023, 21/08/2023, 21/08/2023, 22/08/2023, 23/08/2023, 24/08/2023, 25/08/2023, 28/08/2023, 28/08/2023, 28/08/2023, 29/08/2023, 30/08/2023, 31/08/2023, 01/09/2023, 04/09/2023, 04/09/2023, 04/09/2023, 05/09/2023, 06/09/2023, 07/09/2023, 08/09/2023, 11/09/2023, 11/09/2023, 11/09/2023, 12/09/2023, 13/09/2023, 14/09/2023, 15/09/2023, 18/09/2023, 18/09/2023, 18/09/2023, 19/09/2023, 20/09/2023, 21/09/2023, 22/09/2023, 25/09/2023, 25/09/2023, 25/09/2023, 26/09/2023, 27/09/2023, 28/09/2023, 29/09/2023, 02/10/2023, 02/10/2023, 02/10/2023, 03/10/2023, 04/10/2023, 05/10/2023, 06/10/2023, 09/10/2023, 09/10/2023, 09/10/2023, 10/10/2023, 11/10/2023, 12/10/2023, 13/10/2023, 16/10/2023, 16/10/2023, 16/10/2023, 17/10/2023, 18/10/2023, 19/10/2023, 20/10/2023, 23/10/2023, 23/10/2023, 23/10/2023, 24/10/2023, 25/10/2023, 26/10/2023, 27/10/2023, 30/10/2023, 30/10/2023, 30/10/2023, 31/10/2023, 01/11/2023, 02/11/2023, 03/11/2023, 06/11/2023, 06/11/2023, 06/11/2023, 07/11/2023, 08/11/2023, 09/11/2023, 10/11/2023, 13/11/2023, 13/11/2023, 13/11/2023, 14/11/2023, 15/11/2023, 16/11/2023, 17/11/2023, 20/11/2023, 20/11/2023, 20/11/2023, 21/11/2023, 22/11/2023, 23/11/2023, 24/11/2023, 27/11/2023, 27/11/2023, 27/11/2023, 28/11/2023, 29/11/2023, 30/11/2023, 01/12/2023, 04/12/2023, 04/12/2023, 04/12/2023, 05/12/2023, 06/12/2023, 07/12/2023, 08/12/2023, 11/12/2023, 11/12/2023, 11/12/2023, 12/12/2023, 13/12/2023, 14/12/2023, 15/12/2023, 18/12/2023, 18/12/2023, 18/12/2023, 19/12/2023, 20/12/2023, 21/12/2023, 22/12/2023, 27/12/2023, 27/12/2023, 27/12/2023, 28/12/2023, 29/12/2023, 02/01/2024, 03/01/2024, 04/01/2024, 04/01/2024, 04/01/2024, 05/01/2024, 08/01/2024, 09/01/2024, 10/01/2024, 11/01/2024, 11/01/2024, 11/01/2024, 11/01/2024, 11/01/2024, 12/01/2024, 15/01/2024, 16/01/2024, 16/01/2024, 16/01/2024, 16/01/2024, 17/01/2024, 18/01/2024, 19/01/2024, 22/01/2024, 22/01/2024, 22/01/2024, 23/01/2024, 24/01/2024, 25/01/2024, 26/01/2024, 29/01/2024, 29/01/2024, 29/01/2024, 30/01/2024, 31/01/2024, 01/02/2024, 02/02/2024, 05/02/2024, 05/02/2024, 05/02/2024, 06/02/2024, 07/02/2024, 08/02/2024, 09/02/2024, 12/02/2024, 12/02/2024, 12/02/2024, 13/02/2024, 14/02/2024, 15/02/2024, 16/02/2024, 19/02/2024, 19/02/2024, 19/02/2024, 20/02/2024, 21/02/2024, 22/02/2024, 23/02/2024, 26/02/2024, 26/02/2024, 26/02/2024, 27/02/2024, 28/02/2024, 29/02/2024, 01/03/2024, 04/03/2024, 04/03/2024, 04/03/2024, 05/03/2024, 06/03/2024, 07/03/2024, 08/03/2024, 11/03/2024, 11/03/2024, 11/03/2024, 12/03/2024, 13/03/2024, 14/03/2024, 15/03/2024, 18/03/2024, 18/03/2024, 18/03/2024, 19/03/2024, 20/03/2024, 21/03/2024, 22/03/2024, 25/03/2024, 25/03/2024, 25/03/2024, 26/03/2024, 27/03/2024, 28/03/2024, 02/04/2024, 03/04/2024, 03/04/2024, 03/04/2024, 04/04/2024, 05/04/2024, 08/04/2024, 09/04/2024, 10/04/2024, 10/04/2024, 10/04/2024, 11/04/2024, 12/04/2024, 15/04/2024, 16/04/2024, 16/04/2024, 16/04/2024, 16/04/2024, 16/04/2024, 17/04/2024, 18/04/2024, 19/04/2024, 22/04/2024, 22/04/2024, 22/04/2024, 23/04/2024, 24/04/2024, 25/04/2024, 26/04/2024, 29/04/2024, 29/04/2024, 29/04/2024, 30/04/2024, 02/05/2024, 03/05/2024, 06/05/2024, 07/05/2024, 07/05/2024, 07/05/2024, 08/05/2024, 09/05/2024, 10/05/2024, 13/05/2024, 14/05/2024, 14/05/2024, 14/05/2024, 15/05/2024, 16/05/2024, 16/05/2024, 17/05/2024, 20/05/2024, 20/05/2024, 20/05/2024, 21/05/2024, 22/05/2024, 23/05/2024, 24/05/2024, 27/05/2024, 27/05/2024, 27/05/2024, 28/05/2024, 29/05/2024, 30/05/2024, 31/05/2024, 03/06/2024, 03/06/2024, 03/06/2024, 04/06/2024, 05/06/2024, 06/06/2024, 07/06/2024, 10/06/2024, 10/06/2024, 10/06/2024, 11/06/2024, 12/06/2024, 13/06/2024, 14/06/2024, 17/06/2024, 17/06/2024, 17/06/2024, 18/06/2024, 19/06/2024, 20/06/2024, 21/06/2024, 24/06/2024, 24/06/2024, 24/06/2024, 25/06/2024, 26/06/2024, 27/06/2024, 28/06/2024, 01/07/2024, 01/07/2024, 01/07/2024, 02/07/2024, 03/07/2024, 04/07/2024, 05/07/2024, 08/07/2024, 08/07/2024, 08/07/2024, 09/07/2024, 10/07/2024, 11/07/2024, 12/07/2024, 15/07/2024, 15/07/2024, 15/07/2024, 16/07/2024, 17/07/2024, 18/07/2024, 19/07/2024, 22/07/2024, 22/07/2024, 22/07/2024, 23/07/2024, 24/07/2024, 25/07/2024, 26/07/2024, 29/07/2024, 29/07/2024, 29/07/2024, 30/07/2024, 31/07/2024, 01/08/2024, 02/08/2024, 05/08/2024, 05/08/2024, 05/08/2024, 06/08/2024, 07/08/2024, 08/08/2024, 09/08/2024, 12/08/2024, 12/08/2024, 12/08/2024, 13/08/2024, 14/08/2024, 15/08/2024, 16/08/2024, 19/08/2024, 19/08/2024, 19/08/2024, 20/08/2024, 21/08/2024, 22/08/2024, 23/08/2024, 26/08/2024, 26/08/2024, 26/08/2024, 27/08/2024, 28/08/2024, 29/08/2024, 30/08/2024, 02/09/2024, 02/09/2024, 02/09/2024, 03/09/2024, 04/09/2024, 05/09/2024, 06/09/2024, 09/09/2024, 09/09/2024, 09/09/2024, 10/09/2024, 11/09/2024, 12/09/2024, 13/09/2024, 16/09/2024, 16/09/2024, 16/09/2024, 17/09/2024, 18/09/2024, 19/09/2024, 20/09/2024, 23/09/2024, 23/09/2024, 23/09/2024, 24/09/2024, 25/09/2024, 26/09/2024, 27/09/2024, 30/09/2024, 30/09/2024, 30/09/2024, 01/10/2024, 02/10/2024, 03/10/2024, 04/10/2024, 07/10/2024, 07/10/2024, 07/10/2024, 08/10/2024, 09/10/2024, 10/10/2024, 11/10/2024, 14/10/2024, 14/10/2024, 14/10/2024, 15/10/2024, 16/10/2024, 17/10/2024, 18/10/2024, 21/10/2024, 21/10/2024, 21/10/2024, 22/10/2024, 23/10/2024, 24/10/2024, 25/10/2024, 28/10/2024, 28/10/2024, 28/10/2024, 29/10/2024, 30/10/2024, 31/10/2024, 01/11/2024, 04/11/2024, 04/11/2024, 04/11/2024, 05/11/2024, 06/11/2024, 07/11/2024, 08/11/2024, 11/11/2024, 11/11/2024, 11/11/2024, 12/11/2024, 13/11/2024, 14/11/2024, 15/11/2024, 18/11/2024, 18/11/2024, 18/11/2024, 19/11/2024, 20/11/2024, 21/11/2024, 22/11/2024, 25/11/2024, 25/11/2024, 25/11/2024, 26/11/2024, 27/11/2024, 28/11/2024, 29/11/2024, 02/12/2024, 02/12/2024, 02/12/2024, 03/12/2024, 04/12/2024, 05/12/2024, 06/12/2024, 09/12/2024, 09/12/2024, 09/12/2024, 10/12/2024, 11/12/2024, 12/12/2024, 13/12/2024, 16/12/2024, 16/12/2024, 16/12/2024, 17/12/2024, 18/12/2024, 19/12/2024, 20/12/2024, 23/12/2024, 23/12/2024, 23/12/2024, 24/12/2024, 27/12/2024, 30/12/2024, 31/12/2024, 02/01/2025, 02/01/2025, 02/01/2025, 03/01/2025, 06/01/2025, 07/01/2025, 08/01/2025, 09/01/2025, 09/01/2025, 09/01/2025, 10/01/2025, 13/01/2025, 13/01/2025, 13/01/2025, 14/01/2025, 14/01/2025, 14/01/2025, 15/01/2025, 16/01/2025, 16/01/2025, 17/01/2025, 20/01/2025, 20/01/2025, 20/01/2025, 21/01/2025, 22/01/2025, 23/01/2025, 24/01/2025, 27/01/2025, 27/01/2025, 27/01/2025, 28/01/2025, 29/01/2025, 30/01/2025, 31/01/2025, 03/02/2025, 03/02/2025, 03/02/2025, 04/02/2025, 05/02/2025, 06/02/2025, 07/02/2025, 10/02/2025, 10/02/2025, 10/02/2025, 11/02/2025, 12/02/2025, 13/02/2025, 14/02/2025, 17/02/2025, 17/02/2025, 17/02/2025, 18/02/2025, 19/02/2025, 20/02/2025, 21/02/2025, 24/02/2025, 24/02/2025, 24/02/2025, 25/02/2025, 26/02/2025, 27/02/2025, 28/02/2025, 03/03/2025, 03/03/2025, 03/03/2025, 04/03/2025, 05/03/2025, 06/03/2025, 07/03/2025, 10/03/2025, 10/03/2025, 10/03/2025, 11/03/2025, 12/03/2025, 13/03/2025, 14/03/2025, 17/03/2025, 17/03/2025, 17/03/2025, 18/03/2025, 19/03/2025, 20/03/2025, 21/03/2025, 24/03/2025, 24/03/2025, 24/03/2025, 25/03/2025, 26/03/2025, 27/03/2025, 28/03/2025, 31/03/2025, 31/03/2025, 31/03/2025, 01/04/2025, 02/04/2025, 03/04/2025, 04/04/2025, 07/04/2025, 07/04/2025, 07/04/2025, 08/04/2025, 09/04/2025, 10/04/2025, 11/04/2025, 14/04/2025, 14/04/2025, 14/04/2025, 15/04/2025, 16/04/2025, 17/04/2025, 22/04/2025, 23/04/2025, 23/04/2025, 23/04/2025, 24/04/2025, 25/04/2025, 28/04/2025, 29/04/2025, 30/04/2025, 30/04/2025, 30/04/2025, 02/05/2025, 05/05/2025, 06/05/2025, 07/05/2025, 07/05/2025, 07/05/2025, 07/05/2025, 07/05/2025, 08/05/2025, 09/05/2025, 12/05/2025, 13/05/2025, 13/05/2025, 13/05/2025, 14/05/2025, 15/05/2025, 16/05/2025, 16/05/2025, 19/05/2025, 19/05/2025, 19/05/2025, 20/05/2025, 21/05/2025, 22/05/2025, 23/05/2025, 26/05/2025, 26/05/2025, 26/05/2025, 27/05/2025, 28/05/2025, 29/05/2025, 30/05/2025, 02/06/2025, 02/06/2025, 02/06/2025, 03/06/2025, 04/06/2025, 05/06/2025, 06/06/2025, 09/06/2025, 09/06/2025, 09/06/2025, 10/06/2025, 11/06/2025, 12/06/2025, 13/06/2025, 16/06/2025, 16/06/2025, 16/06/2025, 17/06/2025, 18/06/2025, 19/06/2025, 20/06/2025, 23/06/2025, 23/06/2025, 23/06/2025, 24/06/2025, 25/06/2025, 26/06/2025, 27/06/2025, 30/06/2025, 30/06/2025, 30/06/2025, 01/07/2025, 02/07/2025, 03/07/2025, 04/07/2025, 07/07/2025, 07/07/2025, 07/07/2025, 08/07/2025, 09/07/2025, 10/07/2025, 11/07/2025, 14/07/2025, 14/07/2025, 14/07/2025, 15/07/2025, 16/07/2025, 17/07/2025, 18/07/2025, 21/07/2025, 21/07/2025, 21/07/2025, 22/07/2025, 23/07/2025, 24/07/2025, 25/07/2025, 28/07/2025, 28/07/2025, 28/07/2025, 29/07/2025, 30/07/2025, 31/07/2025, 01/08/2025, 04/08/2025, 04/08/2025, 04/08/2025, 05/08/2025, 06/08/2025, 07/08/2025, 08/08/2025, 11/08/2025, 11/08/2025, 11/08/2025, 12/08/2025, 13/08/2025, 14/08/2025, 15/08/2025, 18/08/2025, 18/08/2025, 18/08/2025, 19/08/2025, 20/08/2025, 21/08/2025, 22/08/2025, 25/08/2025, 25/08/2025, 25/08/2025, 26/08/2025, 27/08/2025, 28/08/2025, 29/08/2025, 01/09/2025, 01/09/2025, 01/09/2025, 02/09/2025, 03/09/2025, 04/09/2025, 05/09/2025, 08/09/2025, 08/09/2025, 08/09/2025, 09/09/2025, 10/09/2025, 11/09/2025, 12/09/2025, 15/09/2025, 15/09/2025, 15/09/2025, 16/09/2025, 17/09/2025, 18/09/2025, 19/09/2025, 22/09/2025, 22/09/2025, 22/09/2025, 23/09/2025, 24/09/2025, 25/09/2025, 26/09/2025, 29/09/2025, 29/09/2025, 29/09/2025, 30/09/2025, 01/10/2025, 02/10/2025, 03/10/2025, 06/10/2025, 06/10/2025, 06/10/2025, 07/10/2025, 08/10/2025, 09/10/2025, 10/10/2025, 13/10/2025, 13/10/2025, 13/10/2025, 14/10/2025, 15/10/2025, 16/10/2025, 17/10/2025, 20/10/2025, 20/10/2025, 20/10/2025, 21/10/2025, 22/10/2025, 23/10/2025, 24/10/2025, 27/10/2025, 27/10/2025, 27/10/2025, 28/10/2025, 29/10/2025, 30/10/2025, 31/10/2025, 03/11/2025, 03/11/2025, 03/11/2025, 04/11/2025, 05/11/2025, 06/11/2025, 07/11/2025, 10/11/2025, 10/11/2025, 10/11/2025, 11/11/2025, 12/11/2025, 13/11/2025, 14/11/2025, 17/11/2025, 17/11/2025, 17/11/2025, 18/11/2025, 19/11/2025, 20/11/2025, 21/11/2025, 24/11/2025, 24/11/2025, 24/11/2025, 25/11/2025, 26/11/2025, 27/11/2025, 28/11/2025, 01/12/2025, 01/12/2025, 01/12/2025, 02/12/2025, 03/12/2025, 04/12/2025, 05/12/2025, 08/12/2025, 08/12/2025, 08/12/2025, 09/12/2025, 10/12/2025, 11/12/2025, 12/12/2025, 15/12/2025, 15/12/2025, 15/12/2025, 16/12/2025, 17/12/2025, 18/12/2025, 19/12/2025, 22/12/2025, 22/12/2025, 22/12/2025, 23/12/2025, 24/12/2025, 29/12/2025, 30/12/2025, 31/12/2025, 31/12/2025, 31/12/2025, 02/01/2026, 05/01/2026, 06/01/2026, 07/01/2026, 08/01/2026, 08/01/2026, 08/01/2026, 09/01/2026, 12/01/2026, 13/01/2026, 13/01/2026, 13/01/2026, 13/01/2026, 13/01/2026, 14/01/2026, 15/01/2026, 16/01/2026, 16/01/2026, 19/01/2026, 19/01/2026, 19/01/2026, 20/01/2026, 21/01/2026, 22/01/2026, 23/01/2026, 26/01/2026, 26/01/2026, 26/01/2026, 27/01/2026, 28/01/2026, 29/01/2026, 30/01/2026, 02/02/2026, 02/02/2026, 02/02/2026, 03/02/2026, 04/02/2026, 05/02/2026, 06/02/2026, 09/02/2026, 09/02/2026, 09/02/2026, 10/02/2026, 11/02/2026, 12/02/2026, 13/02/2026, 16/02/2026, 16/02/2026, 16/02/2026, 17/02/2026, 18/02/2026, 19/02/2026, 20/02/2026, 23/02/2026, 23/02/2026, 23/02/2026, 24/02/2026, 25/02/2026, 26/02/2026, 27/02/2026, 02/03/2026, 02/03/2026, 02/03/2026, 03/03/2026, 04/03/2026, 05/03/2026, 06/03/2026, 09/03/2026, 09/03/2026, 09/03/2026, 10/03/2026, 11/03/2026, 12/03/2026, 13/03/2026, 16/03/2026, 16/03/2026, 16/03/2026, 17/03/2026, 18/03/2026, 19/03/2026, 20/03/2026, 23/03/2026, 23/03/2026, 23/03/2026, 24/03/2026, 25/03/2026, 26/03/2026, 27/03/2026, 30/03/2026, 30/03/2026, 30/03/2026, 31/03/2026, 01/04/2026, 02/04/2026, 07/04/2026, 08/04/2026, 08/04/2026, 08/04/2026, 09/04/2026, 10/04/2026, 13/04/2026, 14/04/2026, 15/04/2026, 15/04/2026, 15/04/2026, 16/04/2026, 17/04/2026, 20/04/2026, 21/04/2026, 21/04/2026, 21/04/2026, 21/04/2026, 21/04/2026, 22/04/2026, 23/04/2026, 24/04/2026, 27/04/2026, 27/04/2026, 27/04/2026, 28/04/2026, 29/04/2026, 30/04/2026, 04/05/2026, 05/05/2026, 05/05/2026, 05/05/2026, 06/05/2026, 07/05/2026, 08/05/2026, 11/05/2026, 12/05/2026, 12/05/2026, 12/05/2026, 13/05/2026, 14/05/2026, 15/05/2026, 18/05/2026, 18/05/2026, 18/05/2026, 18/05/2026, 19/05/2026, 20/05/2026, 21/05/2026, 22/05/2026, 25/05/2026, 25/05/2026, 25/05/2026, 26/05/2026, 27/05/2026, 28/05/2026, 29/05/2026, 01/06/2026, 01/06/2026, 01/06/2026, 02/06/2026, 03/06/2026, 04/06/2026, 05/06/2026, 08/06/2026, 08/06/2026, 08/06/2026, 09/06/2026, 10/06/2026, 11/06/2026, 12/06/2026, 15/06/2026, 15/06/2026, 15/06/2026, 16/06/2026, 17/06/2026, 18/06/2026, 19/06/2026, 22/06/2026, 22/06/2026, 22/06/2026, 23/06/2026, 24/06/2026, 25/06/2026, 26/06/2026, 29/06/2026, 29/06/2026, 29/06/2026, 30/06/2026, 01/07/2026, 02/07/2026, 03/07/2026, 06/07/2026, 06/07/2026, 06/07/2026, 07/07/2026, 08/07/2026, 09/07/2026, 10/07/2026, 13/07/2026, 13/07/2026, 13/07/2026, 14/07/2026, 15/07/2026, 16/07/2026, 17/07/2026, 20/07/2026, 20/07/2026, 20/07/2026, 21/07/2026, 22/07/2026, 23/07/2026, 24/07/2026, 27/07/2026, 27/07/2026, 27/07/2026, 28/07/2026, 29/07/2026, 30/07/2026, 31/07/2026, 03/08/2026, 03/08/2026, 03/08/2026, 04/08/2026, 05/08/2026, 06/08/2026, 07/08/2026, 10/08/2026, 10/08/2026, 10/08/2026, 11/08/2026, 12/08/2026, 13/08/2026, 14/08/2026, 17/08/2026, 17/08/2026, 17/08/2026, 18/08/2026, 19/08/2026, 20/08/2026, 21/08/2026, 24/08/2026, 24/08/2026, 24/08/2026, 25/08/2026, 26/08/2026, 27/08/2026, 28/08/2026, 31/08/2026, 31/08/2026, 31/08/2026, 01/09/2026, 02/09/2026, 03/09/2026, 04/09/2026, 07/09/2026, 07/09/2026, 07/09/2026, 08/09/2026, 09/09/2026, 10/09/2026, 11/09/2026, 14/09/2026, 14/09/2026, 14/09/2026, 15/09/2026, 16/09/2026, 17/09/2026, 18/09/2026, 21/09/2026, 21/09/2026, 21/09/2026, 22/09/2026, 23/09/2026, 24/09/2026, 25/09/2026, 28/09/2026, 28/09/2026, 28/09/2026, 29/09/2026, 30/09/2026, 01/10/2026, 02/10/2026, 05/10/2026, 05/10/2026, 05/10/2026, 06/10/2026, 07/10/2026, 08/10/2026, 09/10/2026, 12/10/2026, 12/10/2026, 12/10/2026, 13/10/2026, 14/10/2026, 15/10/2026, 16/10/2026, 19/10/2026, 19/10/2026, 19/10/2026, 20/10/2026, 21/10/2026, 22/10/2026, 23/10/2026, 26/10/2026, 26/10/2026, 26/10/2026, 27/10/2026, 28/10/2026, 29/10/2026, 30/10/2026, 02/11/2026, 02/11/2026, 02/11/2026, 03/11/2026, 04/11/2026, 05/11/2026, 06/11/2026, 09/11/2026, 09/11/2026, 09/11/2026, 10/11/2026, 11/11/2026, 12/11/2026, 13/11/2026, 16/11/2026, 16/11/2026, 16/11/2026, 17/11/2026, 18/11/2026, 19/11/2026, 20/11/2026, 23/11/2026, 23/11/2026, 23/11/2026, 24/11/2026, 25/11/2026, 26/11/2026, 27/11/2026, 30/11/2026, 30/11/2026, 30/11/2026, 01/12/2026, 02/12/2026, 03/12/2026, 04/12/2026, 07/12/2026, 07/12/2026, 07/12/2026, 08/12/2026, 09/12/2026, 10/12/2026, 11/12/2026, 14/12/2026, 14/12/2026, 14/12/2026, 15/12/2026, 16/12/2026, 17/12/2026, 18/12/2026, 21/12/2026, 21/12/2026, 21/12/2026, 22/12/2026, 23/12/2026, 24/12/2026, 28/12/2026, 29/12/2026, 29/12/2026, 29/12/2026, 30/12/2026, 31/12/2026, 04/01/2027, 05/01/2027, 06/01/2027, 06/01/2027, 06/01/2027, 07/01/2027, 08/01/2027, 11/01/2027, 12/01/2027, 12/01/2027, 12/01/2027, 12/01/2027, 13/01/2027, 14/01/2027, 15/01/2027, 18/01/2027, 18/01/2027, 18/01/2027, 18/01/2027, 19/01/2027, 20/01/2027, 21/01/2027, 22/01/2027, 25/01/2027, 25/01/2027, 25/01/2027, 26/01/2027, 27/01/2027, 28/01/2027, 29/01/2027, 01/02/2027, 01/02/2027, 01/02/2027, 02/02/2027, 03/02/2027, 04/02/2027, 05/02/2027, 08/02/2027, 08/02/2027, 08/02/2027, 09/02/2027, 10/02/2027, 11/02/2027, 12/02/2027, 15/02/2027, 15/02/2027, 15/02/2027, 16/02/2027, 17/02/2027, 18/02/2027, 19/02/2027, 22/02/2027, 22/02/2027, 22/02/2027, 23/02/2027, 24/02/2027, 25/02/2027, 26/02/2027, 01/03/2027, 01/03/2027, 01/03/2027, 02/03/2027, 03/03/2027, 04/03/2027, 05/03/2027, 08/03/2027, 08/03/2027, 08/03/2027, 09/03/2027, 10/03/2027, 11/03/2027, 12/03/2027, 15/03/2027, 15/03/2027, 15/03/2027, 16/03/2027, 17/03/2027, 18/03/2027, 19/03/2027, 22/03/2027, 22/03/2027, 22/03/2027, 23/03/2027, 24/03/2027, 25/03/2027, 30/03/2027, 31/03/2027, 31/03/2027, 31/03/2027, 01/04/2027, 02/04/2027, 05/04/2027, 06/04/2027, 07/04/2027, 07/04/2027, 07/04/2027, 08/04/2027, 09/04/2027, 12/04/2027, 13/04/2027, 13/04/2027, 13/04/2027, 13/04/2027, 13/04/2027, 14/04/2027, 15/04/2027, 16/04/2027, 19/04/2027, 19/04/2027, 19/04/2027, 20/04/2027, 21/04/2027, 22/04/2027, 23/04/2027, 26/04/2027, 26/04/2027, 26/04/2027, 27/04/2027, 28/04/2027, 29/04/2027, 30/04/2027, 03/05/2027, 03/05/2027, 03/05/2027, 04/05/2027, 05/05/2027, 06/05/2027, 07/05/2027, 10/05/2027, 10/05/2027, 10/05/2027, 11/05/2027, 12/05/2027, 13/05/2027, 14/05/2027, 17/05/2027, 17/05/2027, 17/05/2027, 18/05/2027, 19/05/2027, 20/05/2027, 21/05/2027, 24/05/2027, 24/05/2027, 24/05/2027, 25/05/2027, 26/05/2027, 27/05/2027, 28/05/2027, 31/05/2027, 31/05/2027, 31/05/2027, 01/06/2027, 02/06/2027, 03/06/2027, 04/06/2027, 07/06/2027, 07/06/2027, 07/06/2027, 08/06/2027, 09/06/2027, 10/06/2027, 11/06/2027, 14/06/2027, 14/06/2027, 14/06/2027, 15/06/2027, 16/06/2027, 17/06/2027, 18/06/2027, 21/06/2027, 21/06/2027, 21/06/2027, 22/06/2027, 23/06/2027, 24/06/2027, 25/06/2027, 28/06/2027, 28/06/2027, 28/06/2027, 29/06/2027, 30/06/2027, 01/07/2027, 02/07/2027, 05/07/2027, 05/07/2027, 05/07/2027, 06/07/2027, 07/07/2027, 08/07/2027, 09/07/2027, 12/07/2027, 12/07/2027, 12/07/2027, 13/07/2027, 14/07/2027, 15/07/2027, 16/07/2027, 19/07/2027, 19/07/2027, 19/07/2027, 20/07/2027, 21/07/2027, 22/07/2027, 23/07/2027, 26/07/2027, 26/07/2027, 26/07/2027, 27/07/2027, 28/07/2027, 29/07/2027, 30/07/2027, 02/08/2027, 02/08/2027, 02/08/2027, 03/08/2027, 04/08/2027, 05/08/2027, 06/08/2027, 09/08/2027, 09/08/2027, 09/08/2027, 10/08/2027, 11/08/2027, 12/08/2027, 13/08/2027, 16/08/2027, 16/08/2027, 16/08/2027, 17/08/2027, 18/08/2027, 19/08/2027, 20/08/2027, 23/08/2027, 23/08/2027, 23/08/2027, 24/08/2027, 25/08/2027, 26/08/2027, 27/08/2027, 30/08/2027, 30/08/2027, 30/08/2027, 31/08/2027, 01/09/2027, 02/09/2027, 03/09/2027, 06/09/2027, 06/09/2027, 06/09/2027, 07/09/2027, 08/09/2027, 09/09/2027, 10/09/2027, 13/09/2027, 13/09/2027, 13/09/2027, 14/09/2027, 15/09/2027, 16/09/2027, 17/09/2027, 20/09/2027, 20/09/2027, 20/09/2027, 21/09/2027, 22/09/2027, 23/09/2027, 24/09/2027, 27/09/2027, 27/09/2027, 27/09/2027, 28/09/2027, 29/09/2027, 30/09/2027, 01/10/2027, 04/10/2027, 04/10/2027, 04/10/2027, 05/10/2027, 06/10/2027, 07/10/2027, 08/10/2027, 11/10/2027, 11/10/2027, 11/10/2027, 12/10/2027, 13/10/2027, 14/10/2027, 15/10/2027, 18/10/2027, 18/10/2027, 18/10/2027, 19/10/2027, 20/10/2027, 21/10/2027, 22/10/2027, 25/10/2027, 25/10/2027, 25/10/2027, 26/10/2027, 27/10/2027, 28/10/2027, 29/10/2027, 01/11/2027, 01/11/2027, 01/11/2027, 02/11/2027, 03/11/2027, 04/11/2027, 05/11/2027, 08/11/2027, 08/11/2027, 08/11/2027, 09/11/2027, 10/11/2027, 11/11/2027, 12/11/2027, 15/11/2027, 15/11/2027, 15/11/2027, 16/11/2027, 17/11/2027, 18/11/2027, 19/11/2027, 22/11/2027, 22/11/2027, 22/11/2027, 23/11/2027, 24/11/2027, 25/11/2027, 26/11/2027, 29/11/2027, 29/11/2027, 29/11/2027, 30/11/2027, 01/12/2027, 02/12/2027, 03/12/2027, 06/12/2027, 06/12/2027, 06/12/2027, 07/12/2027, 08/12/2027, 09/12/2027, 10/12/2027, 13/12/2027, 13/12/2027, 13/12/2027, 14/12/2027, 15/12/2027, 16/12/2027, 17/12/2027, 20/12/2027, 20/12/2027, 20/12/2027, 21/12/2027, 22/12/2027, 23/12/2027, 24/12/2027, 27/12/2027, 27/12/2027, 27/12/2027, 28/12/2027, 29/12/2027, 30/12/2027, 31/12/2027, 03/01/2028, 03/01/2028, 03/01/2028, 04/01/2028, 05/01/2028, 06/01/2028, 07/01/2028, 10/01/2028, 10/01/2028, 10/01/2028, 11/01/2028, 12/01/2028, 13/01/2028, 14/01/2028, 17/01/2028, 17/01/2028, 17/01/2028, 18/01/2028, 19/01/2028, 20/01/2028, 21/01/2028, 24/01/2028, 24/01/2028, 24/01/2028, 25/01/2028, 26/01/2028, 27/01/2028, 28/01/2028, 31/01/2028, 31/01/2028, 31/01/2028, 01/02/2028, 02/02/2028, 03/02/2028, 04/02/2028, 07/02/2028, 07/02/2028, 07/02/2028, 08/02/2028, 09/02/2028, 10/02/2028, 11/02/2028, 14/02/2028, 14/02/2028, 14/02/2028, 15/02/2028, 16/02/2028, 17/02/2028, 18/02/2028, 21/02/2028, 21/02/2028, 21/02/2028, 22/02/2028, 23/02/2028, 24/02/2028, 25/02/2028, 28/02/2028, 28/02/2028, 28/02/2028, 29/02/2028, 01/03/2028, 02/03/2028, 03/03/2028, 06/03/2028, 06/03/2028, 06/03/2028, 07/03/2028, 08/03/2028, 09/03/2028, 10/03/2028, 13/03/2028, 13/03/2028, 13/03/2028, 14/03/2028, 15/03/2028, 16/03/2028, 17/03/2028, 20/03/2028, 20/03/2028, 20/03/2028, 21/03/2028, 22/03/2028, 23/03/2028, 24/03/2028, 27/03/2028, 27/03/2028, 27/03/2028, 28/03/2028, 29/03/2028, 30/03/2028, 31/03/2028, 03/04/2028, 03/04/2028, 03/04/2028, 04/04/2028, 05/04/2028, 06/04/2028, 07/04/2028, 10/04/2028, 10/04/2028, 10/04/2028, 11/04/2028, 12/04/2028, 13/04/2028, 18/04/2028, 19/04/2028, 19/04/2028, 19/04/2028, 20/04/2028, 21/04/2028, 24/04/2028, 25/04/2028, 26/04/2028, 26/04/2028, 26/04/2028, 27/04/2028, 28/04/2028, 02/05/2028, 03/05/2028, 03/05/2028, 03/05/2028, 03/05/2028, 03/05/2028, 04/05/2028, 05/05/2028, 08/05/2028, 09/05/2028, 09/05/2028, 09/05/2028, 10/05/2028, 11/05/2028, 12/05/2028, 15/05/2028, 16/05/2028, 16/05/2028, 16/05/2028, 16/05/2028, 17/05/2028, 18/05/2028, 19/05/2028, 22/05/2028, 22/05/2028, 22/05/2028, 23/05/2028, 24/05/2028, 25/05/2028, 26/05/2028, 29/05/2028, 29/05/2028, 29/05/2028, 30/05/2028, 31/05/2028, 01/06/2028, 02/06/2028, 05/06/2028, 05/06/2028, 05/06/2028, 06/06/2028, 07/06/2028, 08/06/2028, 09/06/2028, 12/06/2028, 12/06/2028, 12/06/2028, 13/06/2028, 14/06/2028, 15/06/2028, 16/06/2028, 19/06/2028, 19/06/2028, 19/06/2028, 20/06/2028, 21/06/2028, 22/06/2028, 23/06/2028, 26/06/2028, 26/06/2028, 26/06/2028, 27/06/2028, 28/06/2028, 29/06/2028, 30/06/2028, 03/07/2028, 03/07/2028, 03/07/2028, 04/07/2028, 05/07/2028, 06/07/2028, 07/07/2028, 10/07/2028, 10/07/2028, 10/07/2028, 11/07/2028, 12/07/2028, 13/07/2028, 14/07/2028, 17/07/2028, 17/07/2028, 17/07/2028, 18/07/2028, 19/07/2028, 20/07/2028, 21/07/2028, 24/07/2028, 24/07/2028, 24/07/2028, 25/07/2028, 26/07/2028, 27/07/2028, 28/07/2028, 31/07/2028, 31/07/2028, 31/07/2028, 01/08/2028, 02/08/2028, 03/08/2028, 04/08/2028, 07/08/2028, 07/08/2028, 07/08/2028, 08/08/2028, 09/08/2028, 10/08/2028, 11/08/2028, 14/08/2028, 14/08/2028, 14/08/2028, 15/08/2028, 16/08/2028, 17/08/2028, 18/08/2028, 21/08/2028, 21/08/2028, 21/08/2028, 22/08/2028, 23/08/2028, 24/08/2028, 25/08/2028, 28/08/2028, 28/08/2028, 28/08/2028, 29/08/2028, 30/08/2028, 31/08/2028, 01/09/2028, 04/09/2028, 04/09/2028, 04/09/2028, 05/09/2028, 06/09/2028, 07/09/2028, 08/09/2028, 11/09/2028, 11/09/2028, 11/09/2028, 12/09/2028, 13/09/2028, 14/09/2028, 15/09/2028, 18/09/2028, 18/09/2028, 18/09/2028, 19/09/2028, 20/09/2028, 21/09/2028, 22/09/2028, 25/09/2028, 25/09/2028, 25/09/2028, 26/09/2028, 27/09/2028, 28/09/2028, 29/09/2028, 02/10/2028, 02/10/2028, 02/10/2028, 03/10/2028, 04/10/2028, 05/10/2028, 06/10/2028, 09/10/2028, 09/10/2028, 09/10/2028, 10/10/2028, 11/10/2028, 12/10/2028, 13/10/2028, 16/10/2028, 16/10/2028, 16/10/2028, 17/10/2028, 18/10/2028, 19/10/2028, 20/10/2028, 23/10/2028, 23/10/2028, 23/10/2028, 24/10/2028, 25/10/2028, 26/10/2028, 27/10/2028, 30/10/2028, 30/10/2028, 30/10/2028, 31/10/2028, 01/11/2028, 02/11/2028, 03/11/2028, 06/11/2028, 06/11/2028, 06/11/2028, 07/11/2028, 08/11/2028, 09/11/2028, 10/11/2028, 13/11/2028, 13/11/2028, 13/11/2028, 14/11/2028, 15/11/2028, 16/11/2028, 17/11/2028, 20/11/2028, 20/11/2028, 20/11/2028, 21/11/2028, 22/11/2028, 23/11/2028, 24/11/2028, 27/11/2028, 27/11/2028, 27/11/2028, 28/11/2028, 29/11/2028, 30/11/2028, 01/12/2028, 04/12/2028, 04/12/2028, 04/12/2028, 05/12/2028, 06/12/2028, 07/12/2028, 08/12/2028, 11/12/2028, 11/12/2028, 11/12/2028, 12/12/2028, 13/12/2028, 14/12/2028, 15/12/2028, 18/12/2028, 18/12/2028, 18/12/2028, 19/12/2028, 20/12/2028, 21/12/2028, 22/12/2028, 27/12/2028, 27/12/2028, 27/12/2028, 28/12/2028, 29/12/2028, 02/01/2029, 03/01/2029, 04/01/2029, 04/01/2029, 04/01/2029, 05/01/2029, 08/01/2029, 09/01/2029, 10/01/2029, 11/01/2029, 11/01/2029, 11/01/2029, 11/01/2029, 11/01/2029, 12/01/2029, 15/01/2029, 16/01/2029, 16/01/2029, 16/01/2029, 16/01/2029, 17/01/2029, 18/01/2029, 19/01/2029, 22/01/2029, 22/01/2029, 22/01/2029, 23/01/2029, 24/01/2029, 25/01/2029, 26/01/2029, 29/01/2029, 29/01/2029, 29/01/2029, 30/01/2029, 31/01/2029, 01/02/2029, 02/02/2029, 05/02/2029, 05/02/2029, 05/02/2029, 06/02/2029, 07/02/2029, 08/02/2029, 09/02/2029, 12/02/2029, 12/02/2029, 12/02/2029, 13/02/2029, 14/02/2029, 15/02/2029, 16/02/2029, 19/02/2029, 19/02/2029, 19/02/2029, 20/02/2029, 21/02/2029, 22/02/2029, 23/02/2029, 26/02/2029, 26/02/2029, 26/02/2029, 27/02/2029, 28/02/2029, 01/03/2029, 02/03/2029, 05/03/2029, 05/03/2029, 05/03/2029, 06/03/2029, 07/03/2029, 08/03/2029, 09/03/2029, 12/03/2029, 12/03/2029, 12/03/2029, 13/03/2029, 14/03/2029, 15/03/2029, 16/03/2029, 19/03/2029, 19/03/2029, 19/03/2029, 20/03/2029, 21/03/2029, 22/03/2029, 23/03/2029, 26/03/2029, 26/03/2029, 26/03/2029, 27/03/2029, 28/03/2029, 29/03/2029, 03/04/2029, 04/04/2029, 04/04/2029, 04/04/2029, 05/04/2029, 06/04/2029, 09/04/2029, 10/04/2029, 11/04/2029, 11/04/2029, 11/04/2029, 12/04/2029, 13/04/2029, 16/04/2029, 17/04/2029, 17/04/2029, 17/04/2029, 17/04/2029, 17/04/2029, 18/04/2029, 19/04/2029, 20/04/2029, 23/04/2029, 23/04/2029, 23/04/2029, 24/04/2029, 25/04/2029, 26/04/2029, 27/04/2029, 30/04/2029, 30/04/2029, 30/04/2029, 02/05/2029, 03/05/2029, 04/05/2029, 07/05/2029, 08/05/2029, 08/05/2029, 08/05/2029, 09/05/2029, 10/05/2029, 11/05/2029, 14/05/2029, 15/05/2029, 15/05/2029, 15/05/2029, 16/05/2029, 16/05/2029, 17/05/2029, 18/05/2029, 21/05/2029, 21/05/2029, 21/05/2029, 22/05/2029, 23/05/2029, 24/05/2029, 25/05/2029, 28/05/2029, 28/05/2029, 28/05/2029, 29/05/2029, 30/05/2029, 31/05/2029, 01/06/2029, 04/06/2029, 04/06/2029, 04/06/2029, 05/06/2029, 06/06/2029, 07/06/2029, 08/06/2029, 11/06/2029, 11/06/2029, 11/06/2029, 12/06/2029, 13/06/2029, 14/06/2029, 15/06/2029, 18/06/2029, 18/06/2029, 18/06/2029, 19/06/2029, 20/06/2029, 21/06/2029, 22/06/2029, 25/06/2029, 25/06/2029, 25/06/2029, 26/06/2029, 27/06/2029, 28/06/2029, 29/06/2029, 02/07/2029, 02/07/2029, 02/07/2029, 03/07/2029, 04/07/2029, 05/07/2029, 06/07/2029, 09/07/2029, 09/07/2029, 09/07/2029, 10/07/2029, 11/07/2029, 12/07/2029, 13/07/2029, 16/07/2029, 16/07/2029, 16/07/2029, 17/07/2029, 18/07/2029, 19/07/2029, 20/07/2029, 23/07/2029, 23/07/2029, 23/07/2029, 24/07/2029, 25/07/2029, 26/07/2029, 27/07/2029, 30/07/2029, 30/07/2029, 30/07/2029, 31/07/2029, 01/08/2029, 02/08/2029, 03/08/2029, 06/08/2029, 06/08/2029, 06/08/2029, 07/08/2029, 08/08/2029, 09/08/2029, 10/08/2029, 13/08/2029, 13/08/2029, 13/08/2029, 14/08/2029, 15/08/2029, 16/08/2029, 17/08/2029, 20/08/2029, 20/08/2029, 20/08/2029, 21/08/2029, 22/08/2029, 23/08/2029, 24/08/2029, 27/08/2029, 27/08/2029, 27/08/2029, 28/08/2029, 29/08/2029, 30/08/2029, 31/08/2029, 03/09/2029, 03/09/2029, 03/09/2029, 04/09/2029, 05/09/2029, 06/09/2029, 07/09/2029, 10/09/2029, 10/09/2029, 10/09/2029, 11/09/2029, 12/09/2029, 13/09/2029, 14/09/2029, 17/09/2029, 17/09/2029, 17/09/2029, 18/09/2029, 19/09/2029, 20/09/2029, 21/09/2029, 24/09/2029, 24/09/2029, 24/09/2029, 25/09/2029, 26/09/2029, 27/09/2029, 28/09/2029, 01/10/2029, 01/10/2029, 01/10/2029, 02/10/2029, 03/10/2029, 04/10/2029, 05/10/2029, 08/10/2029, 08/10/2029, 08/10/2029, 09/10/2029, 10/10/2029, 11/10/2029, 12/10/2029, 15/10/2029, 15/10/2029, 15/10/2029, 16/10/2029, 17/10/2029, 18/10/2029, 19/10/2029, 22/10/2029, 22/10/2029, 22/10/2029, 23/10/2029, 24/10/2029, 25/10/2029, 26/10/2029, 29/10/2029, 29/10/2029, 29/10/2029, 30/10/2029, 31/10/2029, 01/11/2029, 02/11/2029, 05/11/2029, 05/11/2029, 05/11/2029, 06/11/2029, 07/11/2029, 08/11/2029, 09/11/2029, 12/11/2029, 12/11/2029, 12/11/2029, 13/11/2029, 14/11/2029, 15/11/2029, 16/11/2029, 19/11/2029, 19/11/2029, 19/11/2029, 20/11/2029, 21/11/2029, 22/11/2029, 23/11/2029, 26/11/2029, 26/11/2029, 26/11/2029, 27/11/2029, 28/11/2029, 29/11/2029, 30/11/2029, 03/12/2029, 03/12/2029, 03/12/2029, 04/12/2029, 05/12/2029, 06/12/2029, 07/12/2029, 10/12/2029, 10/12/2029, 10/12/2029, 11/12/2029, 12/12/2029, 13/12/2029, 14/12/2029, 17/12/2029, 17/12/2029, 17/12/2029, 18/12/2029, 19/12/2029, 20/12/2029, 21/12/2029, 24/12/2029, 24/12/2029, 24/12/2029, 27/12/2029, 28/12/2029, 31/12/2029, 02/01/2030, 03/01/2030, 03/01/2030, 03/01/2030, 04/01/2030, 07/01/2030, 08/01/2030, 09/01/2030, 10/01/2030, 10/01/2030, 10/01/2030, 11/01/2030, 11/01/2030, 11/01/2030, 14/01/2030, 15/01/2030, 15/01/2030, 15/01/2030, 16/01/2030, 16/01/2030, 17/01/2030, 18/01/2030, 21/01/2030, 21/01/2030, 21/01/2030, 22/01/2030, 23/01/2030, 24/01/2030, 25/01/2030, 28/01/2030, 28/01/2030, 28/01/2030, 29/01/2030, 30/01/2030, 31/01/2030, 01/02/2030, 04/02/2030, 04/02/2030, 04/02/2030, 05/02/2030, 06/02/2030, 07/02/2030, 08/02/2030, 11/02/2030, 11/02/2030, 11/02/2030, 12/02/2030, 13/02/2030, 14/02/2030, 15/02/2030, 18/02/2030, 18/02/2030, 18/02/2030, 19/02/2030, 20/02/2030, 21/02/2030, 22/02/2030, 25/02/2030, 25/02/2030, 25/02/2030, 26/02/2030, 27/02/2030, 28/02/2030, 01/03/2030, 04/03/2030, 04/03/2030, 04/03/2030, 05/03/2030, 06/03/2030, 07/03/2030, 08/03/2030, 11/03/2030, 11/03/2030, 11/03/2030, 12/03/2030, 13/03/2030, 14/03/2030, 15/03/2030, 18/03/2030, 18/03/2030, 18/03/2030, 19/03/2030, 20/03/2030, 21/03/2030, 22/03/2030, 25/03/2030, 25/03/2030, 25/03/2030, 26/03/2030, 27/03/2030, 28/03/2030, 29/03/2030, 01/04/2030, 01/04/2030, 01/04/2030, 02/04/2030, 03/04/2030, 04/04/2030, 05/04/2030, 08/04/2030, 08/04/2030, 08/04/2030, 09/04/2030, 10/04/2030, 11/04/2030, 12/04/2030, 15/04/2030, 15/04/2030, 15/04/2030, 16/04/2030, 17/04/2030, 18/04/2030, 23/04/2030, 24/04/2030, 24/04/2030, 24/04/2030, 25/04/2030, 26/04/2030, 29/04/2030, 30/04/2030, 02/05/2030, 02/05/2030, 02/05/2030, 03/05/2030, 06/05/2030, 07/05/2030, 08/05/2030, 08/05/2030, 08/05/2030, 08/05/2030, 08/05/2030, 09/05/2030, 10/05/2030, 13/05/2030, 14/05/2030, 14/05/2030, 14/05/2030, 15/05/2030, 16/05/2030, 16/05/2030, 17/05/2030, 20/05/2030, 20/05/2030, 20/05/2030, 21/05/2030, 22/05/2030, 23/05/2030, 24/05/2030, 27/05/2030, 27/05/2030, 27/05/2030, 28/05/2030, 29/05/2030, 30/05/2030, 31/05/2030, 03/06/2030, 03/06/2030, 03/06/2030, 04/06/2030, 05/06/2030, 06/06/2030, 07/06/2030, 10/06/2030, 10/06/2030, 10/06/2030, 11/06/2030, 12/06/2030, 13/06/2030, 14/06/2030, 17/06/2030, 17/06/2030, 17/06/2030, 18/06/2030, 19/06/2030, 20/06/2030, 21/06/2030, 24/06/2030, 24/06/2030, 24/06/2030, 25/06/2030, 26/06/2030, 27/06/2030, 28/06/2030, 01/07/2030, 01/07/2030, 01/07/2030, 02/07/2030, 03/07/2030, 04/07/2030, 05/07/2030, 08/07/2030, 08/07/2030, 08/07/2030, 09/07/2030, 10/07/2030, 11/07/2030, 12/07/2030, 15/07/2030, 15/07/2030, 15/07/2030, 16/07/2030, 17/07/2030, 18/07/2030, 19/07/2030, 22/07/2030, 22/07/2030, 22/07/2030, 23/07/2030, 24/07/2030, 25/07/2030, 26/07/2030, 29/07/2030, 29/07/2030, 29/07/2030, 30/07/2030, 31/07/2030, 01/08/2030, 02/08/2030, 05/08/2030, 05/08/2030, 05/08/2030, 06/08/2030, 07/08/2030, 08/08/2030, 09/08/2030, 12/08/2030, 12/08/2030, 12/08/2030, 13/08/2030, 14/08/2030, 15/08/2030, 16/08/2030, 19/08/2030, 19/08/2030, 19/08/2030, 20/08/2030, 21/08/2030, 22/08/2030, 23/08/2030, 26/08/2030, 26/08/2030, 26/08/2030, 27/08/2030, 28/08/2030, 29/08/2030, 30/08/2030, 02/09/2030, 02/09/2030, 02/09/2030, 03/09/2030, 04/09/2030, 05/09/2030, 06/09/2030, 09/09/2030, 09/09/2030, 09/09/2030, 10/09/2030, 11/09/2030, 12/09/2030, 13/09/2030, 16/09/2030, 16/09/2030, 16/09/2030, 17/09/2030, 18/09/2030, 19/09/2030, 20/09/2030, 23/09/2030, 23/09/2030, 23/09/2030, 24/09/2030, 25/09/2030, 26/09/2030, 27/09/2030, 30/09/2030, 30/09/2030, 30/09/2030, 01/10/2030, 02/10/2030, 03/10/2030, 04/10/2030, 07/10/2030, 07/10/2030, 07/10/2030, 08/10/2030, 09/10/2030, 10/10/2030, 11/10/2030, 14/10/2030, 14/10/2030, 14/10/2030, 15/10/2030, 16/10/2030, 17/10/2030, 18/10/2030, 21/10/2030, 21/10/2030, 21/10/2030, 22/10/2030, 23/10/2030, 24/10/2030, 25/10/2030, 28/10/2030, 28/10/2030, 28/10/2030, 29/10/2030, 30/10/2030, 31/10/2030, 01/11/2030, 04/11/2030, 04/11/2030, 04/11/2030, 05/11/2030, 06/11/2030, 07/11/2030, 08/11/2030, 11/11/2030, 11/11/2030, 11/11/2030, 12/11/2030, 13/11/2030, 14/11/2030, 15/11/2030, 18/11/2030, 18/11/2030, 18/11/2030, 19/11/2030, 20/11/2030, 21/11/2030, 22/11/2030, 25/11/2030, 25/11/2030, 25/11/2030, 26/11/2030, 27/11/2030, 28/11/2030, 29/11/2030, 02/12/2030, 02/12/2030, 02/12/2030, 03/12/2030, 04/12/2030, 05/12/2030, 06/12/2030, 09/12/2030, 09/12/2030, 09/12/2030, 10/12/2030, 11/12/2030, 12/12/2030, 13/12/2030, 16/12/2030, 16/12/2030, 16/12/2030, 17/12/2030, 18/12/2030, 19/12/2030, 20/12/2030, 23/12/2030, 23/12/2030, 23/12/2030, 24/12/2030, 27/12/2030, 30/12/2030, 31/12/2030, 02/01/2031, 02/01/2031, 02/01/2031, 03/01/2031, 06/01/2031, 07/01/2031, 08/01/2031, 09/01/2031, 09/01/2031, 09/01/2031, 10/01/2031, 13/01/2031, 13/01/2031, 13/01/2031, 14/01/2031, 14/01/2031, 14/01/2031, 15/01/2031, 16/01/2031, 16/01/2031, 17/01/2031, 20/01/2031, 20/01/2031, 20/01/2031, 21/01/2031, 22/01/2031, 23/01/2031, 24/01/2031, 27/01/2031, 27/01/2031, 27/01/2031, 28/01/2031, 29/01/2031, 30/01/2031, 31/01/2031, 03/02/2031, 03/02/2031, 03/02/2031, 04/02/2031, 05/02/2031, 06/02/2031, 07/02/2031, 10/02/2031, 10/02/2031, 10/02/2031, 11/02/2031, 12/02/2031, 13/02/2031, 14/02/2031, 17/02/2031, 17/02/2031, 17/02/2031, 18/02/2031, 19/02/2031, 20/02/2031, 21/02/2031, 24/02/2031, 24/02/2031, 24/02/2031, 25/02/2031, 26/02/2031, 27/02/2031, 28/02/2031, 03/03/2031, 03/03/2031, 03/03/2031, 04/03/2031, 05/03/2031, 06/03/2031, 07/03/2031, 10/03/2031, 10/03/2031, 10/03/2031, 11/03/2031, 12/03/2031, 13/03/2031, 14/03/2031, 17/03/2031, 17/03/2031, 17/03/2031, 18/03/2031, 19/03/2031, 20/03/2031, 21/03/2031, 24/03/2031, 24/03/2031, 24/03/2031, 25/03/2031, 26/03/2031, 27/03/2031, 28/03/2031, 31/03/2031, 31/03/2031, 31/03/2031, 01/04/2031, 02/04/2031, 03/04/2031, 04/04/2031, 07/04/2031, 07/04/2031, 07/04/2031, 08/04/2031, 09/04/2031, 10/04/2031, 15/04/2031, 16/04/2031, 16/04/2031, 16/04/2031, 17/04/2031, 18/04/2031, 21/04/2031, 22/04/2031, 23/04/2031, 23/04/2031, 23/04/2031, 24/04/2031, 25/04/2031, 28/04/2031, 29/04/2031, 29/04/2031, 29/04/2031, 29/04/2031, 29/04/2031, 30/04/2031, 02/05/2031, 05/05/2031, 06/05/2031, 06/05/2031, 06/05/2031, 07/05/2031, 08/05/2031, 09/05/2031, 12/05/2031, 13/05/2031, 13/05/2031, 13/05/2031, 14/05/2031, 15/05/2031, 16/05/2031, 16/05/2031, 19/05/2031, 19/05/2031, 19/05/2031, 20/05/2031, 21/05/2031, 22/05/2031, 23/05/2031, 26/05/2031, 26/05/2031, 26/05/2031, 27/05/2031, 28/05/2031, 29/05/2031, 30/05/2031, 02/06/2031, 02/06/2031, 02/06/2031, 03/06/2031, 04/06/2031, 05/06/2031, 06/06/2031, 09/06/2031, 09/06/2031, 09/06/2031, 10/06/2031, 11/06/2031, 12/06/2031, 13/06/2031, 16/06/2031, 16/06/2031, 16/06/2031, 17/06/2031, 18/06/2031, 19/06/2031, 20/06/2031, 23/06/2031, 23/06/2031, 23/06/2031, 24/06/2031, 25/06/2031, 26/06/2031, 27/06/2031, 30/06/2031, 30/06/2031, 30/06/2031, 01/07/2031, 02/07/2031, 03/07/2031, 04/07/2031, 07/07/2031, 07/07/2031, 07/07/2031, 08/07/2031, 09/07/2031, 10/07/2031, 11/07/2031, 14/07/2031, 14/07/2031, 14/07/2031, 15/07/2031, 16/07/2031, 17/07/2031, 18/07/2031, 21/07/2031, 21/07/2031, 21/07/2031, 22/07/2031, 23/07/2031, 24/07/2031, 25/07/2031, 28/07/2031, 28/07/2031, 28/07/2031, 29/07/2031, 30/07/2031, 31/07/2031, 01/08/2031, 04/08/2031, 04/08/2031, 04/08/2031, 05/08/2031, 06/08/2031, 07/08/2031, 08/08/2031, 11/08/2031, 11/08/2031, 11/08/2031, 12/08/2031, 13/08/2031, 14/08/2031, 15/08/2031, 18/08/2031, 18/08/2031, 18/08/2031, 19/08/2031, 20/08/2031, 21/08/2031, 22/08/2031, 25/08/2031, 25/08/2031, 25/08/2031, 26/08/2031, 27/08/2031, 28/08/2031, 29/08/2031, 01/09/2031, 01/09/2031, 01/09/2031, 02/09/2031, 03/09/2031, 04/09/2031, 05/09/2031, 08/09/2031, 08/09/2031, 08/09/2031, 09/09/2031, 10/09/2031, 11/09/2031, 12/09/2031, 15/09/2031, 15/09/2031, 15/09/2031, 16/09/2031, 17/09/2031, 18/09/2031, 19/09/2031, 22/09/2031, 22/09/2031, 22/09/2031, 23/09/2031, 24/09/2031, 25/09/2031, 26/09/2031, 29/09/2031, 29/09/2031, 29/09/2031, 30/09/2031, 01/10/2031, 02/10/2031, 03/10/2031, 06/10/2031, 06/10/2031, 06/10/2031, 07/10/2031, 08/10/2031, 09/10/2031, 10/10/2031, 13/10/2031, 13/10/2031, 13/10/2031, 14/10/2031, 15/10/2031, 16/10/2031, 17/10/2031, 20/10/2031, 20/10/2031, 20/10/2031, 21/10/2031, 22/10/2031, 23/10/2031, 24/10/2031, 27/10/2031, 27/10/2031, 27/10/2031, 28/10/2031, 29/10/2031, 30/10/2031, 31/10/2031, 03/11/2031, 03/11/2031, 03/11/2031, 04/11/2031, 05/11/2031, 06/11/2031, 07/11/2031, 10/11/2031, 10/11/2031, 10/11/2031, 11/11/2031, 12/11/2031, 13/11/2031, 14/11/2031, 17/11/2031, 17/11/2031, 17/11/2031, 18/11/2031, 19/11/2031, 20/11/2031, 21/11/2031, 24/11/2031, 24/11/2031, 24/11/2031, 25/11/2031, 26/11/2031, 27/11/2031, 28/11/2031, 01/12/2031, 01/12/2031, 01/12/2031, 02/12/2031, 03/12/2031, 04/12/2031, 05/12/2031, 08/12/2031, 08/12/2031, 08/12/2031, 09/12/2031, 10/12/2031, 11/12/2031, 12/12/2031, 15/12/2031, 15/12/2031, 15/12/2031, 16/12/2031, 17/12/2031, 18/12/2031, 19/12/2031, 22/12/2031, 22/12/2031, 22/12/2031, 23/12/2031, 24/12/2031, 29/12/2031, 30/12/2031, 31/12/2031, 31/12/2031, 31/12/2031, 02/01/2032, 05/01/2032, 06/01/2032, 07/01/2032, 08/01/2032, 08/01/2032, 08/01/2032, 09/01/2032, 12/01/2032, 13/01/2032, 13/01/2032, 13/01/2032, 13/01/2032, 13/01/2032, 14/01/2032, 15/01/2032, 16/01/2032, 16/01/2032, 19/01/2032, 19/01/2032, 19/01/2032, 20/01/2032, 21/01/2032, 22/01/2032, 23/01/2032, 26/01/2032, 26/01/2032, 26/01/2032, 27/01/2032, 28/01/2032, 29/01/2032, 30/01/2032, 02/02/2032, 02/02/2032, 02/02/2032, 03/02/2032, 04/02/2032, 05/02/2032, 06/02/2032, 09/02/2032, 09/02/2032, 09/02/2032, 10/02/2032, 11/02/2032, 12/02/2032, 13/02/2032, 16/02/2032, 16/02/2032, 16/02/2032, 17/02/2032, 18/02/2032, 19/02/2032, 20/02/2032, 23/02/2032, 23/02/2032, 23/02/2032, 24/02/2032, 25/02/2032, 26/02/2032, 27/02/2032, 01/03/2032, 01/03/2032, 01/03/2032, 02/03/2032, 03/03/2032, 04/03/2032, 05/03/2032, 08/03/2032, 08/03/2032, 08/03/2032, 09/03/2032, 10/03/2032, 11/03/2032, 12/03/2032, 15/03/2032, 15/03/2032, 15/03/2032, 16/03/2032, 17/03/2032, 18/03/2032, 19/03/2032, 22/03/2032, 22/03/2032, 22/03/2032, 23/03/2032, 24/03/2032, 25/03/2032, 30/03/2032, 31/03/2032, 31/03/2032, 31/03/2032, 01/04/2032, 02/04/2032, 05/04/2032, 06/04/2032, 07/04/2032, 07/04/2032, 07/04/2032, 08/04/2032, 09/04/2032, 12/04/2032, 13/04/2032, 13/04/2032, 13/04/2032, 13/04/2032, 13/04/2032, 14/04/2032, 15/04/2032, 16/04/2032, 19/04/2032, 19/04/2032, 19/04/2032, 20/04/2032, 21/04/2032, 22/04/2032, 23/04/2032, 26/04/2032, 26/04/2032, 26/04/2032, 27/04/2032, 28/04/2032, 29/04/2032, 30/04/2032, 03/05/2032, 03/05/2032, 03/05/2032, 04/05/2032, 05/05/2032, 06/05/2032, 07/05/2032, 10/05/2032, 10/05/2032, 10/05/2032, 11/05/2032, 12/05/2032, 13/05/2032, 14/05/2032, 17/05/2032, 17/05/2032, 17/05/2032, 18/05/2032, 19/05/2032, 20/05/2032, 21/05/2032, 24/05/2032, 24/05/2032, 24/05/2032, 25/05/2032, 26/05/2032, 27/05/2032, 28/05/2032, 31/05/2032, 31/05/2032, 31/05/2032, 01/06/2032, 02/06/2032, 03/06/2032, 04/06/2032, 07/06/2032, 07/06/2032, 07/06/2032, 08/06/2032, 09/06/2032, 10/06/2032</a:t>
+                        <a:t>12/09/2022, 12/12/2022, 13/03/2023, 12/06/2023, 11/09/2023, 11/12/2023, 12/03/2024, 10/06/2024, 10/09/2024, 11/12/2024, 13/03/2025, 10/06/2025, 10/09/2025, 11/12/2025, 13/03/2026, 10/06/2026, 10/09/2026, 11/12/2026, 15/03/2027, 10/06/2027, 10/09/2027, 13/12/2027, 13/03/2028, 12/06/2028, 11/09/2028, 11/12/2028, 13/03/2029, 11/06/2029, 10/09/2029, 11/12/2029, 13/03/2030, 10/06/2030, 10/09/2030, 11/12/2030, 13/03/2031, 10/06/2031, 10/09/2031, 11/12/2031, 12/03/2032, 10/06/2032</a:t>
                       </a:r>
                     </a:p>
                   </a:txBody>
@@ -16590,7 +16606,7 @@
                         <a:defRPr sz="700"/>
                       </a:pPr>
                       <a:r>
-                        <a:t>12/06/2023, 26/06/2023, 26/06/2023, 27/06/2023, 28/06/2023, 29/06/2023, 30/06/2023, 03/07/2023, 03/07/2023, 03/07/2023, 04/07/2023, 05/07/2023, 06/07/2023, 07/07/2023, 10/07/2023, 10/07/2023, 10/07/2023, 11/07/2023, 12/07/2023, 13/07/2023, 14/07/2023, 17/07/2023, 17/07/2023, 17/07/2023, 18/07/2023, 19/07/2023, 20/07/2023, 21/07/2023, 24/07/2023, 24/07/2023, 24/07/2023, 25/07/2023, 26/07/2023, 27/07/2023, 28/07/2023, 31/07/2023, 31/07/2023, 31/07/2023, 01/08/2023, 02/08/2023, 03/08/2023, 04/08/2023, 07/08/2023, 07/08/2023, 07/08/2023, 08/08/2023, 09/08/2023, 10/08/2023, 11/08/2023, 14/08/2023, 14/08/2023, 14/08/2023, 15/08/2023, 16/08/2023, 17/08/2023, 18/08/2023, 21/08/2023, 21/08/2023, 21/08/2023, 22/08/2023, 23/08/2023, 24/08/2023, 25/08/2023, 28/08/2023, 28/08/2023, 28/08/2023, 29/08/2023, 30/08/2023, 31/08/2023, 01/09/2023, 04/09/2023, 04/09/2023, 04/09/2023, 05/09/2023, 06/09/2023, 07/09/2023, 08/09/2023, 11/09/2023, 11/09/2023, 11/09/2023, 12/09/2023, 13/09/2023, 14/09/2023, 15/09/2023, 18/09/2023, 18/09/2023, 18/09/2023, 19/09/2023, 20/09/2023, 21/09/2023, 22/09/2023, 25/09/2023, 25/09/2023, 25/09/2023, 26/09/2023, 27/09/2023, 28/09/2023, 29/09/2023, 02/10/2023, 02/10/2023, 02/10/2023, 03/10/2023, 04/10/2023, 05/10/2023, 06/10/2023, 09/10/2023, 09/10/2023, 09/10/2023, 10/10/2023, 11/10/2023, 12/10/2023, 13/10/2023, 16/10/2023, 16/10/2023, 16/10/2023, 17/10/2023, 18/10/2023, 19/10/2023, 20/10/2023, 23/10/2023, 23/10/2023, 23/10/2023, 24/10/2023, 25/10/2023, 26/10/2023, 27/10/2023, 30/10/2023, 30/10/2023, 30/10/2023, 31/10/2023, 01/11/2023, 02/11/2023, 03/11/2023, 06/11/2023, 06/11/2023, 06/11/2023, 07/11/2023, 08/11/2023, 09/11/2023, 10/11/2023, 13/11/2023, 13/11/2023, 13/11/2023, 14/11/2023, 15/11/2023, 16/11/2023, 17/11/2023, 20/11/2023, 20/11/2023, 20/11/2023, 21/11/2023, 22/11/2023, 23/11/2023, 24/11/2023, 27/11/2023, 27/11/2023, 27/11/2023, 28/11/2023, 29/11/2023, 30/11/2023, 01/12/2023, 04/12/2023, 04/12/2023, 04/12/2023, 05/12/2023, 06/12/2023, 07/12/2023, 08/12/2023, 11/12/2023, 11/12/2023, 11/12/2023, 12/12/2023, 13/12/2023, 14/12/2023, 15/12/2023, 18/12/2023, 18/12/2023, 18/12/2023, 19/12/2023, 20/12/2023, 21/12/2023, 22/12/2023, 27/12/2023, 27/12/2023, 27/12/2023, 28/12/2023, 29/12/2023, 02/01/2024, 03/01/2024, 04/01/2024, 04/01/2024, 04/01/2024, 05/01/2024, 08/01/2024, 09/01/2024, 10/01/2024, 11/01/2024, 11/01/2024, 11/01/2024, 11/01/2024, 11/01/2024, 12/01/2024, 15/01/2024, 16/01/2024, 16/01/2024, 16/01/2024, 16/01/2024, 17/01/2024, 18/01/2024, 19/01/2024, 22/01/2024, 22/01/2024, 22/01/2024, 23/01/2024, 24/01/2024, 25/01/2024, 26/01/2024, 29/01/2024, 29/01/2024, 29/01/2024, 30/01/2024, 31/01/2024, 01/02/2024, 02/02/2024, 05/02/2024, 05/02/2024, 05/02/2024, 06/02/2024, 07/02/2024, 08/02/2024, 09/02/2024, 12/02/2024, 12/02/2024, 12/02/2024, 13/02/2024, 14/02/2024, 15/02/2024, 16/02/2024, 19/02/2024, 19/02/2024, 19/02/2024, 20/02/2024, 21/02/2024, 22/02/2024, 23/02/2024, 26/02/2024, 26/02/2024, 26/02/2024, 27/02/2024, 28/02/2024, 29/02/2024, 01/03/2024, 04/03/2024, 04/03/2024, 04/03/2024, 05/03/2024, 06/03/2024, 07/03/2024, 08/03/2024, 11/03/2024, 11/03/2024, 11/03/2024, 12/03/2024, 13/03/2024, 14/03/2024, 15/03/2024, 18/03/2024, 18/03/2024, 18/03/2024, 19/03/2024, 20/03/2024, 21/03/2024, 22/03/2024, 25/03/2024, 25/03/2024, 25/03/2024, 26/03/2024, 27/03/2024, 28/03/2024, 02/04/2024, 03/04/2024, 03/04/2024, 03/04/2024, 04/04/2024, 05/04/2024, 08/04/2024, 09/04/2024, 10/04/2024, 10/04/2024, 10/04/2024, 11/04/2024, 12/04/2024, 15/04/2024, 16/04/2024, 16/04/2024, 16/04/2024, 16/04/2024, 16/04/2024, 17/04/2024, 18/04/2024, 19/04/2024, 22/04/2024, 22/04/2024, 22/04/2024, 23/04/2024, 24/04/2024, 25/04/2024, 26/04/2024, 29/04/2024, 29/04/2024, 29/04/2024, 30/04/2024, 02/05/2024, 03/05/2024, 06/05/2024, 07/05/2024, 07/05/2024, 07/05/2024, 08/05/2024, 09/05/2024, 10/05/2024, 13/05/2024, 14/05/2024, 14/05/2024, 14/05/2024, 15/05/2024, 16/05/2024, 16/05/2024, 17/05/2024, 20/05/2024, 20/05/2024, 20/05/2024, 21/05/2024, 22/05/2024, 23/05/2024, 24/05/2024, 27/05/2024, 27/05/2024, 27/05/2024, 28/05/2024, 29/05/2024, 30/05/2024, 31/05/2024, 03/06/2024, 03/06/2024, 03/06/2024, 04/06/2024, 05/06/2024, 06/06/2024, 07/06/2024, 10/06/2024, 10/06/2024, 10/06/2024, 11/06/2024, 12/06/2024, 13/06/2024, 14/06/2024, 17/06/2024, 17/06/2024, 17/06/2024, 18/06/2024, 19/06/2024, 20/06/2024, 21/06/2024, 24/06/2024, 24/06/2024, 24/06/2024, 25/06/2024, 26/06/2024, 27/06/2024, 28/06/2024, 01/07/2024, 01/07/2024, 01/07/2024, 02/07/2024, 03/07/2024, 04/07/2024, 05/07/2024, 08/07/2024, 08/07/2024, 08/07/2024, 09/07/2024, 10/07/2024, 11/07/2024, 12/07/2024, 15/07/2024, 15/07/2024, 15/07/2024, 16/07/2024, 17/07/2024, 18/07/2024, 19/07/2024, 22/07/2024, 22/07/2024, 22/07/2024, 23/07/2024, 24/07/2024, 25/07/2024, 26/07/2024, 29/07/2024, 29/07/2024, 29/07/2024, 30/07/2024, 31/07/2024, 01/08/2024, 02/08/2024, 05/08/2024, 05/08/2024, 05/08/2024, 06/08/2024, 07/08/2024, 08/08/2024, 09/08/2024, 12/08/2024, 12/08/2024, 12/08/2024, 13/08/2024, 14/08/2024, 15/08/2024, 16/08/2024, 19/08/2024, 19/08/2024, 19/08/2024, 20/08/2024, 21/08/2024, 22/08/2024, 23/08/2024, 26/08/2024, 26/08/2024, 26/08/2024, 27/08/2024, 28/08/2024, 29/08/2024, 30/08/2024, 02/09/2024, 02/09/2024, 02/09/2024, 03/09/2024, 04/09/2024, 05/09/2024, 06/09/2024, 09/09/2024, 09/09/2024, 09/09/2024, 10/09/2024, 11/09/2024, 12/09/2024, 13/09/2024, 16/09/2024, 16/09/2024, 16/09/2024, 17/09/2024, 18/09/2024, 19/09/2024, 20/09/2024, 23/09/2024, 23/09/2024, 23/09/2024, 24/09/2024, 25/09/2024, 26/09/2024, 27/09/2024, 30/09/2024, 30/09/2024, 30/09/2024, 01/10/2024, 02/10/2024, 03/10/2024, 04/10/2024, 07/10/2024, 07/10/2024, 07/10/2024, 08/10/2024, 09/10/2024, 10/10/2024, 11/10/2024, 14/10/2024, 14/10/2024, 14/10/2024, 15/10/2024, 16/10/2024, 17/10/2024, 18/10/2024, 21/10/2024, 21/10/2024, 21/10/2024, 22/10/2024, 23/10/2024, 24/10/2024, 25/10/2024, 28/10/2024, 28/10/2024, 28/10/2024, 29/10/2024, 30/10/2024, 31/10/2024, 01/11/2024, 04/11/2024, 04/11/2024, 04/11/2024, 05/11/2024, 06/11/2024, 07/11/2024, 08/11/2024, 11/11/2024, 11/11/2024, 11/11/2024, 12/11/2024, 13/11/2024, 14/11/2024, 15/11/2024, 18/11/2024, 18/11/2024, 18/11/2024, 19/11/2024, 20/11/2024, 21/11/2024, 22/11/2024, 25/11/2024, 25/11/2024, 25/11/2024, 26/11/2024, 27/11/2024, 28/11/2024, 29/11/2024, 02/12/2024, 02/12/2024, 02/12/2024, 03/12/2024, 04/12/2024, 05/12/2024, 06/12/2024, 09/12/2024, 09/12/2024, 09/12/2024, 10/12/2024, 11/12/2024, 12/12/2024, 13/12/2024, 16/12/2024, 16/12/2024, 16/12/2024, 17/12/2024, 18/12/2024, 19/12/2024, 20/12/2024, 23/12/2024, 23/12/2024, 23/12/2024, 24/12/2024, 27/12/2024, 30/12/2024, 31/12/2024, 02/01/2025, 02/01/2025, 02/01/2025, 03/01/2025, 06/01/2025, 07/01/2025, 08/01/2025, 09/01/2025, 09/01/2025, 09/01/2025, 10/01/2025, 13/01/2025, 13/01/2025, 13/01/2025, 14/01/2025, 14/01/2025, 14/01/2025, 15/01/2025, 16/01/2025, 16/01/2025, 17/01/2025, 20/01/2025, 20/01/2025, 20/01/2025, 21/01/2025, 22/01/2025, 23/01/2025, 24/01/2025, 27/01/2025, 27/01/2025, 27/01/2025, 28/01/2025, 29/01/2025, 30/01/2025, 31/01/2025, 03/02/2025, 03/02/2025, 03/02/2025, 04/02/2025, 05/02/2025, 06/02/2025, 07/02/2025, 10/02/2025, 10/02/2025, 10/02/2025, 11/02/2025, 12/02/2025, 13/02/2025, 14/02/2025, 17/02/2025, 17/02/2025, 17/02/2025, 18/02/2025, 19/02/2025, 20/02/2025, 21/02/2025, 24/02/2025, 24/02/2025, 24/02/2025, 25/02/2025, 26/02/2025, 27/02/2025, 28/02/2025, 03/03/2025, 03/03/2025, 03/03/2025, 04/03/2025, 05/03/2025, 06/03/2025, 07/03/2025, 10/03/2025, 10/03/2025, 10/03/2025, 11/03/2025, 12/03/2025, 13/03/2025, 14/03/2025, 17/03/2025, 17/03/2025, 17/03/2025, 18/03/2025, 19/03/2025, 20/03/2025, 21/03/2025, 24/03/2025, 24/03/2025, 24/03/2025, 25/03/2025, 26/03/2025, 27/03/2025, 28/03/2025, 31/03/2025, 31/03/2025, 31/03/2025, 01/04/2025, 02/04/2025, 03/04/2025, 04/04/2025, 07/04/2025, 07/04/2025, 07/04/2025, 08/04/2025, 09/04/2025, 10/04/2025, 11/04/2025, 14/04/2025, 14/04/2025, 14/04/2025, 15/04/2025, 16/04/2025, 17/04/2025, 22/04/2025, 23/04/2025, 23/04/2025, 23/04/2025, 24/04/2025, 25/04/2025, 28/04/2025, 29/04/2025, 30/04/2025, 30/04/2025, 30/04/2025, 02/05/2025, 05/05/2025, 06/05/2025, 07/05/2025, 07/05/2025, 07/05/2025, 07/05/2025, 07/05/2025, 08/05/2025, 09/05/2025, 12/05/2025, 13/05/2025, 13/05/2025, 13/05/2025, 14/05/2025, 15/05/2025, 16/05/2025, 16/05/2025, 19/05/2025, 19/05/2025, 19/05/2025, 20/05/2025, 21/05/2025, 22/05/2025, 23/05/2025, 26/05/2025, 26/05/2025, 26/05/2025, 27/05/2025, 28/05/2025, 29/05/2025, 30/05/2025, 02/06/2025, 02/06/2025, 02/06/2025, 03/06/2025, 04/06/2025, 05/06/2025, 06/06/2025, 09/06/2025, 09/06/2025, 09/06/2025, 10/06/2025, 11/06/2025, 12/06/2025, 13/06/2025, 16/06/2025, 16/06/2025, 16/06/2025, 17/06/2025, 18/06/2025, 19/06/2025, 20/06/2025, 23/06/2025, 23/06/2025, 23/06/2025, 24/06/2025, 25/06/2025, 26/06/2025, 27/06/2025, 30/06/2025, 30/06/2025, 30/06/2025, 01/07/2025, 02/07/2025, 03/07/2025, 04/07/2025, 07/07/2025, 07/07/2025, 07/07/2025, 08/07/2025, 09/07/2025, 10/07/2025, 11/07/2025, 14/07/2025, 14/07/2025, 14/07/2025, 15/07/2025, 16/07/2025, 17/07/2025, 18/07/2025, 21/07/2025, 21/07/2025, 21/07/2025, 22/07/2025, 23/07/2025, 24/07/2025, 25/07/2025, 28/07/2025, 28/07/2025, 28/07/2025, 29/07/2025, 30/07/2025, 31/07/2025, 01/08/2025, 04/08/2025, 04/08/2025, 04/08/2025, 05/08/2025, 06/08/2025, 07/08/2025, 08/08/2025, 11/08/2025, 11/08/2025, 11/08/2025, 12/08/2025, 13/08/2025, 14/08/2025, 15/08/2025, 18/08/2025, 18/08/2025, 18/08/2025, 19/08/2025, 20/08/2025, 21/08/2025, 22/08/2025, 25/08/2025, 25/08/2025, 25/08/2025, 26/08/2025, 27/08/2025, 28/08/2025, 29/08/2025, 01/09/2025, 01/09/2025, 01/09/2025, 02/09/2025, 03/09/2025, 04/09/2025, 05/09/2025, 08/09/2025, 08/09/2025, 08/09/2025, 09/09/2025, 10/09/2025, 11/09/2025, 12/09/2025, 15/09/2025, 15/09/2025, 15/09/2025, 16/09/2025, 17/09/2025, 18/09/2025, 19/09/2025, 22/09/2025, 22/09/2025, 22/09/2025, 23/09/2025, 24/09/2025, 25/09/2025, 26/09/2025, 29/09/2025, 29/09/2025, 29/09/2025, 30/09/2025, 01/10/2025, 02/10/2025, 03/10/2025, 06/10/2025, 06/10/2025, 06/10/2025, 07/10/2025, 08/10/2025, 09/10/2025, 10/10/2025, 13/10/2025, 13/10/2025, 13/10/2025, 14/10/2025, 15/10/2025, 16/10/2025, 17/10/2025, 20/10/2025, 20/10/2025, 20/10/2025, 21/10/2025, 22/10/2025, 23/10/2025, 24/10/2025, 27/10/2025, 27/10/2025, 27/10/2025, 28/10/2025, 29/10/2025, 30/10/2025, 31/10/2025, 03/11/2025, 03/11/2025, 03/11/2025, 04/11/2025, 05/11/2025, 06/11/2025, 07/11/2025, 10/11/2025, 10/11/2025, 10/11/2025, 11/11/2025, 12/11/2025, 13/11/2025, 14/11/2025, 17/11/2025, 17/11/2025, 17/11/2025, 18/11/2025, 19/11/2025, 20/11/2025, 21/11/2025, 24/11/2025, 24/11/2025, 24/11/2025, 25/11/2025, 26/11/2025, 27/11/2025, 28/11/2025, 01/12/2025, 01/12/2025, 01/12/2025, 02/12/2025, 03/12/2025, 04/12/2025, 05/12/2025, 08/12/2025, 08/12/2025, 08/12/2025, 09/12/2025, 10/12/2025, 11/12/2025, 12/12/2025, 15/12/2025, 15/12/2025, 15/12/2025, 16/12/2025, 17/12/2025, 18/12/2025, 19/12/2025, 22/12/2025, 22/12/2025, 22/12/2025, 23/12/2025, 24/12/2025, 29/12/2025, 30/12/2025, 31/12/2025, 31/12/2025, 31/12/2025, 02/01/2026, 05/01/2026, 06/01/2026, 07/01/2026, 08/01/2026, 08/01/2026, 08/01/2026, 09/01/2026, 12/01/2026, 13/01/2026, 13/01/2026, 13/01/2026, 13/01/2026, 13/01/2026, 14/01/2026, 15/01/2026, 16/01/2026, 16/01/2026, 19/01/2026, 19/01/2026, 19/01/2026, 20/01/2026, 21/01/2026, 22/01/2026, 23/01/2026, 26/01/2026, 26/01/2026, 26/01/2026, 27/01/2026, 28/01/2026, 29/01/2026, 30/01/2026, 02/02/2026, 02/02/2026, 02/02/2026, 03/02/2026, 04/02/2026, 05/02/2026, 06/02/2026, 09/02/2026, 09/02/2026, 09/02/2026, 10/02/2026, 11/02/2026, 12/02/2026, 13/02/2026, 16/02/2026, 16/02/2026, 16/02/2026, 17/02/2026, 18/02/2026, 19/02/2026, 20/02/2026, 23/02/2026, 23/02/2026, 23/02/2026, 24/02/2026, 25/02/2026, 26/02/2026, 27/02/2026, 02/03/2026, 02/03/2026, 02/03/2026, 03/03/2026, 04/03/2026, 05/03/2026, 06/03/2026, 09/03/2026, 09/03/2026, 09/03/2026, 10/03/2026, 11/03/2026, 12/03/2026, 13/03/2026, 16/03/2026, 16/03/2026, 16/03/2026, 17/03/2026, 18/03/2026, 19/03/2026, 20/03/2026, 23/03/2026, 23/03/2026, 23/03/2026, 24/03/2026, 25/03/2026, 26/03/2026, 27/03/2026, 30/03/2026, 30/03/2026, 30/03/2026, 31/03/2026, 01/04/2026, 02/04/2026, 07/04/2026, 08/04/2026, 08/04/2026, 08/04/2026, 09/04/2026, 10/04/2026, 13/04/2026, 14/04/2026, 15/04/2026, 15/04/2026, 15/04/2026, 16/04/2026, 17/04/2026, 20/04/2026, 21/04/2026, 21/04/2026, 21/04/2026, 21/04/2026, 21/04/2026, 22/04/2026, 23/04/2026, 24/04/2026, 27/04/2026, 27/04/2026, 27/04/2026, 28/04/2026, 29/04/2026, 30/04/2026, 04/05/2026, 05/05/2026, 05/05/2026, 05/05/2026, 06/05/2026, 07/05/2026, 08/05/2026, 11/05/2026, 12/05/2026, 12/05/2026, 12/05/2026, 13/05/2026, 14/05/2026, 15/05/2026, 18/05/2026, 18/05/2026, 18/05/2026, 18/05/2026, 19/05/2026, 20/05/2026, 21/05/2026, 22/05/2026, 25/05/2026, 25/05/2026, 25/05/2026, 26/05/2026, 27/05/2026, 28/05/2026, 29/05/2026, 01/06/2026, 01/06/2026, 01/06/2026, 02/06/2026, 03/06/2026, 04/06/2026, 05/06/2026, 08/06/2026, 08/06/2026, 08/06/2026, 09/06/2026, 10/06/2026, 11/06/2026, 12/06/2026, 15/06/2026, 15/06/2026, 15/06/2026, 16/06/2026, 17/06/2026, 18/06/2026, 19/06/2026, 22/06/2026, 22/06/2026, 22/06/2026, 23/06/2026, 24/06/2026, 25/06/2026, 26/06/2026, 29/06/2026, 29/06/2026, 29/06/2026, 30/06/2026, 01/07/2026, 02/07/2026, 03/07/2026, 06/07/2026, 06/07/2026, 06/07/2026, 07/07/2026, 08/07/2026, 09/07/2026, 10/07/2026, 13/07/2026, 13/07/2026, 13/07/2026, 14/07/2026, 15/07/2026, 16/07/2026, 17/07/2026, 20/07/2026, 20/07/2026, 20/07/2026, 21/07/2026, 22/07/2026, 23/07/2026, 24/07/2026, 27/07/2026, 27/07/2026, 27/07/2026, 28/07/2026, 29/07/2026, 30/07/2026, 31/07/2026, 03/08/2026, 03/08/2026, 03/08/2026, 04/08/2026, 05/08/2026, 06/08/2026, 07/08/2026, 10/08/2026, 10/08/2026, 10/08/2026, 11/08/2026, 12/08/2026, 13/08/2026, 14/08/2026, 17/08/2026, 17/08/2026, 17/08/2026, 18/08/2026, 19/08/2026, 20/08/2026, 21/08/2026, 24/08/2026, 24/08/2026, 24/08/2026, 25/08/2026, 26/08/2026, 27/08/2026, 28/08/2026, 31/08/2026, 31/08/2026, 31/08/2026, 01/09/2026, 02/09/2026, 03/09/2026, 04/09/2026, 07/09/2026, 07/09/2026, 07/09/2026, 08/09/2026, 09/09/2026, 10/09/2026, 11/09/2026, 14/09/2026, 14/09/2026, 14/09/2026, 15/09/2026, 16/09/2026, 17/09/2026, 18/09/2026, 21/09/2026, 21/09/2026, 21/09/2026, 22/09/2026, 23/09/2026, 24/09/2026, 25/09/2026, 28/09/2026, 28/09/2026, 28/09/2026, 29/09/2026, 30/09/2026, 01/10/2026, 02/10/2026, 05/10/2026, 05/10/2026, 05/10/2026, 06/10/2026, 07/10/2026, 08/10/2026, 09/10/2026, 12/10/2026, 12/10/2026, 12/10/2026, 13/10/2026, 14/10/2026, 15/10/2026, 16/10/2026, 19/10/2026, 19/10/2026, 19/10/2026, 20/10/2026, 21/10/2026, 22/10/2026, 23/10/2026, 26/10/2026, 26/10/2026, 26/10/2026, 27/10/2026, 28/10/2026, 29/10/2026, 30/10/2026, 02/11/2026, 02/11/2026, 02/11/2026, 03/11/2026, 04/11/2026, 05/11/2026, 06/11/2026, 09/11/2026, 09/11/2026, 09/11/2026, 10/11/2026, 11/11/2026, 12/11/2026, 13/11/2026, 16/11/2026, 16/11/2026, 16/11/2026, 17/11/2026, 18/11/2026, 19/11/2026, 20/11/2026, 23/11/2026, 23/11/2026, 23/11/2026, 24/11/2026, 25/11/2026, 26/11/2026, 27/11/2026, 30/11/2026, 30/11/2026, 30/11/2026, 01/12/2026, 02/12/2026, 03/12/2026, 04/12/2026, 07/12/2026, 07/12/2026, 07/12/2026, 08/12/2026, 09/12/2026, 10/12/2026, 11/12/2026, 14/12/2026, 14/12/2026, 14/12/2026, 15/12/2026, 16/12/2026, 17/12/2026, 18/12/2026, 21/12/2026, 21/12/2026, 21/12/2026, 22/12/2026, 23/12/2026, 24/12/2026, 28/12/2026, 29/12/2026, 29/12/2026, 29/12/2026, 30/12/2026, 31/12/2026, 04/01/2027, 05/01/2027, 06/01/2027, 06/01/2027, 06/01/2027, 07/01/2027, 08/01/2027, 11/01/2027, 12/01/2027, 12/01/2027, 12/01/2027, 12/01/2027, 13/01/2027, 14/01/2027, 15/01/2027, 18/01/2027, 18/01/2027, 18/01/2027, 18/01/2027, 19/01/2027, 20/01/2027, 21/01/2027, 22/01/2027, 25/01/2027, 25/01/2027, 25/01/2027, 26/01/2027, 27/01/2027, 28/01/2027, 29/01/2027, 01/02/2027, 01/02/2027, 01/02/2027, 02/02/2027, 03/02/2027, 04/02/2027, 05/02/2027, 08/02/2027, 08/02/2027, 08/02/2027, 09/02/2027, 10/02/2027, 11/02/2027, 12/02/2027, 15/02/2027, 15/02/2027, 15/02/2027, 16/02/2027, 17/02/2027, 18/02/2027, 19/02/2027, 22/02/2027, 22/02/2027, 22/02/2027, 23/02/2027, 24/02/2027, 25/02/2027, 26/02/2027, 01/03/2027, 01/03/2027, 01/03/2027, 02/03/2027, 03/03/2027, 04/03/2027, 05/03/2027, 08/03/2027, 08/03/2027, 08/03/2027, 09/03/2027, 10/03/2027, 11/03/2027, 12/03/2027, 15/03/2027, 15/03/2027, 15/03/2027, 16/03/2027, 17/03/2027, 18/03/2027, 19/03/2027, 22/03/2027, 22/03/2027, 22/03/2027, 23/03/2027, 24/03/2027, 25/03/2027, 30/03/2027, 31/03/2027, 31/03/2027, 31/03/2027, 01/04/2027, 02/04/2027, 05/04/2027, 06/04/2027, 07/04/2027, 07/04/2027, 07/04/2027, 08/04/2027, 09/04/2027, 12/04/2027, 13/04/2027, 13/04/2027, 13/04/2027, 13/04/2027, 13/04/2027, 14/04/2027, 15/04/2027, 16/04/2027, 19/04/2027, 19/04/2027, 19/04/2027, 20/04/2027, 21/04/2027, 22/04/2027, 23/04/2027, 26/04/2027, 26/04/2027, 26/04/2027, 27/04/2027, 28/04/2027, 29/04/2027, 30/04/2027, 03/05/2027, 03/05/2027, 03/05/2027, 04/05/2027, 05/05/2027, 06/05/2027, 07/05/2027, 10/05/2027, 10/05/2027, 10/05/2027, 11/05/2027, 12/05/2027, 13/05/2027, 14/05/2027, 17/05/2027, 17/05/2027, 17/05/2027, 18/05/2027, 19/05/2027, 20/05/2027, 21/05/2027, 24/05/2027, 24/05/2027, 24/05/2027, 25/05/2027, 26/05/2027, 27/05/2027, 28/05/2027, 31/05/2027, 31/05/2027, 31/05/2027, 01/06/2027, 02/06/2027, 03/06/2027, 04/06/2027, 07/06/2027, 07/06/2027, 07/06/2027, 08/06/2027, 09/06/2027, 10/06/2027, 11/06/2027, 14/06/2027, 14/06/2027, 14/06/2027, 15/06/2027, 16/06/2027, 17/06/2027, 18/06/2027, 21/06/2027, 21/06/2027, 21/06/2027, 22/06/2027, 23/06/2027, 24/06/2027, 25/06/2027, 28/06/2027, 28/06/2027, 28/06/2027, 29/06/2027, 30/06/2027, 01/07/2027, 02/07/2027, 05/07/2027, 05/07/2027, 05/07/2027, 06/07/2027, 07/07/2027, 08/07/2027, 09/07/2027, 12/07/2027, 12/07/2027, 12/07/2027, 13/07/2027, 14/07/2027, 15/07/2027, 16/07/2027, 19/07/2027, 19/07/2027, 19/07/2027, 20/07/2027, 21/07/2027, 22/07/2027, 23/07/2027, 26/07/2027, 26/07/2027, 26/07/2027, 27/07/2027, 28/07/2027, 29/07/2027, 30/07/2027, 02/08/2027, 02/08/2027, 02/08/2027, 03/08/2027, 04/08/2027, 05/08/2027, 06/08/2027, 09/08/2027, 09/08/2027, 09/08/2027, 10/08/2027, 11/08/2027, 12/08/2027, 13/08/2027, 16/08/2027, 16/08/2027, 16/08/2027, 17/08/2027, 18/08/2027, 19/08/2027, 20/08/2027, 23/08/2027, 23/08/2027, 23/08/2027, 24/08/2027, 25/08/2027, 26/08/2027, 27/08/2027, 30/08/2027, 30/08/2027, 30/08/2027, 31/08/2027, 01/09/2027, 02/09/2027, 03/09/2027, 06/09/2027, 06/09/2027, 06/09/2027, 07/09/2027, 08/09/2027, 09/09/2027, 10/09/2027, 13/09/2027, 13/09/2027, 13/09/2027, 14/09/2027, 15/09/2027, 16/09/2027, 17/09/2027, 20/09/2027, 20/09/2027, 20/09/2027, 21/09/2027, 22/09/2027, 23/09/2027, 24/09/2027, 27/09/2027, 27/09/2027, 27/09/2027, 28/09/2027, 29/09/2027, 30/09/2027, 01/10/2027, 04/10/2027, 04/10/2027, 04/10/2027, 05/10/2027, 06/10/2027, 07/10/2027, 08/10/2027, 11/10/2027, 11/10/2027, 11/10/2027, 12/10/2027, 13/10/2027, 14/10/2027, 15/10/2027, 18/10/2027, 18/10/2027, 18/10/2027, 19/10/2027, 20/10/2027, 21/10/2027, 22/10/2027, 25/10/2027, 25/10/2027, 25/10/2027, 26/10/2027, 27/10/2027, 28/10/2027, 29/10/2027, 01/11/2027, 01/11/2027, 01/11/2027, 02/11/2027, 03/11/2027, 04/11/2027, 05/11/2027, 08/11/2027, 08/11/2027, 08/11/2027, 09/11/2027, 10/11/2027, 11/11/2027, 12/11/2027, 15/11/2027, 15/11/2027, 15/11/2027, 16/11/2027, 17/11/2027, 18/11/2027, 19/11/2027, 22/11/2027, 22/11/2027, 22/11/2027, 23/11/2027, 24/11/2027, 25/11/2027, 26/11/2027, 29/11/2027, 29/11/2027, 29/11/2027, 30/11/2027, 01/12/2027, 02/12/2027, 03/12/2027, 06/12/2027, 06/12/2027, 06/12/2027, 07/12/2027, 08/12/2027, 09/12/2027, 10/12/2027, 13/12/2027, 13/12/2027, 13/12/2027, 14/12/2027, 15/12/2027, 16/12/2027, 17/12/2027, 20/12/2027, 20/12/2027, 20/12/2027, 21/12/2027, 22/12/2027, 23/12/2027, 24/12/2027, 27/12/2027, 27/12/2027, 27/12/2027, 28/12/2027, 29/12/2027, 30/12/2027, 31/12/2027, 03/01/2028, 03/01/2028, 03/01/2028, 04/01/2028, 05/01/2028, 06/01/2028, 07/01/2028, 10/01/2028, 10/01/2028, 10/01/2028, 11/01/2028, 12/01/2028, 13/01/2028, 14/01/2028, 17/01/2028, 17/01/2028, 17/01/2028, 18/01/2028, 19/01/2028, 20/01/2028, 21/01/2028, 24/01/2028, 24/01/2028, 24/01/2028, 25/01/2028, 26/01/2028, 27/01/2028, 28/01/2028, 31/01/2028, 31/01/2028, 31/01/2028, 01/02/2028, 02/02/2028, 03/02/2028, 04/02/2028, 07/02/2028, 07/02/2028, 07/02/2028, 08/02/2028, 09/02/2028, 10/02/2028, 11/02/2028, 14/02/2028, 14/02/2028, 14/02/2028, 15/02/2028, 16/02/2028, 17/02/2028, 18/02/2028, 21/02/2028, 21/02/2028, 21/02/2028, 22/02/2028, 23/02/2028, 24/02/2028, 25/02/2028, 28/02/2028, 28/02/2028, 28/02/2028, 29/02/2028, 01/03/2028, 02/03/2028, 03/03/2028, 06/03/2028, 06/03/2028, 06/03/2028, 07/03/2028, 08/03/2028, 09/03/2028, 10/03/2028, 13/03/2028, 13/03/2028, 13/03/2028, 14/03/2028, 15/03/2028, 16/03/2028, 17/03/2028, 20/03/2028, 20/03/2028, 20/03/2028, 21/03/2028, 22/03/2028, 23/03/2028, 24/03/2028, 27/03/2028, 27/03/2028, 27/03/2028, 28/03/2028, 29/03/2028, 30/03/2028, 31/03/2028, 03/04/2028, 03/04/2028, 03/04/2028, 04/04/2028, 05/04/2028, 06/04/2028, 07/04/2028, 10/04/2028, 10/04/2028, 10/04/2028, 11/04/2028, 12/04/2028, 13/04/2028, 18/04/2028, 19/04/2028, 19/04/2028, 19/04/2028, 20/04/2028, 21/04/2028, 24/04/2028, 25/04/2028, 26/04/2028, 26/04/2028, 26/04/2028, 27/04/2028, 28/04/2028, 02/05/2028, 03/05/2028, 03/05/2028, 03/05/2028, 03/05/2028, 03/05/2028, 04/05/2028, 05/05/2028, 08/05/2028, 09/05/2028, 09/05/2028, 09/05/2028, 10/05/2028, 11/05/2028, 12/05/2028, 15/05/2028, 16/05/2028, 16/05/2028, 16/05/2028, 16/05/2028, 17/05/2028, 18/05/2028, 19/05/2028, 22/05/2028, 22/05/2028, 22/05/2028, 23/05/2028, 24/05/2028, 25/05/2028, 26/05/2028, 29/05/2028, 29/05/2028, 29/05/2028, 30/05/2028, 31/05/2028, 01/06/2028, 02/06/2028, 05/06/2028, 05/06/2028, 05/06/2028, 06/06/2028, 07/06/2028, 08/06/2028, 09/06/2028, 12/06/2028, 12/06/2028, 12/06/2028, 13/06/2028, 14/06/2028, 15/06/2028, 16/06/2028, 19/06/2028, 19/06/2028, 19/06/2028, 20/06/2028, 21/06/2028, 22/06/2028, 23/06/2028, 26/06/2028, 26/06/2028, 26/06/2028, 27/06/2028, 28/06/2028, 29/06/2028, 30/06/2028, 03/07/2028, 03/07/2028, 03/07/2028, 04/07/2028, 05/07/2028, 06/07/2028, 07/07/2028, 10/07/2028, 10/07/2028, 10/07/2028, 11/07/2028, 12/07/2028, 13/07/2028, 14/07/2028, 17/07/2028, 17/07/2028, 17/07/2028, 18/07/2028, 19/07/2028, 20/07/2028, 21/07/2028, 24/07/2028, 24/07/2028, 24/07/2028, 25/07/2028, 26/07/2028, 27/07/2028, 28/07/2028, 31/07/2028, 31/07/2028, 31/07/2028, 01/08/2028, 02/08/2028, 03/08/2028, 04/08/2028, 07/08/2028, 07/08/2028, 07/08/2028, 08/08/2028, 09/08/2028, 10/08/2028, 11/08/2028, 14/08/2028, 14/08/2028, 14/08/2028, 15/08/2028, 16/08/2028, 17/08/2028, 18/08/2028, 21/08/2028, 21/08/2028, 21/08/2028, 22/08/2028, 23/08/2028, 24/08/2028, 25/08/2028, 28/08/2028, 28/08/2028, 28/08/2028, 29/08/2028, 30/08/2028, 31/08/2028, 01/09/2028, 04/09/2028, 04/09/2028, 04/09/2028, 05/09/2028, 06/09/2028, 07/09/2028, 08/09/2028, 11/09/2028, 11/09/2028, 11/09/2028, 12/09/2028, 13/09/2028, 14/09/2028, 15/09/2028, 18/09/2028, 18/09/2028, 18/09/2028, 19/09/2028, 20/09/2028, 21/09/2028, 22/09/2028, 25/09/2028, 25/09/2028, 25/09/2028, 26/09/2028, 27/09/2028, 28/09/2028, 29/09/2028, 02/10/2028, 02/10/2028, 02/10/2028, 03/10/2028, 04/10/2028, 05/10/2028, 06/10/2028, 09/10/2028, 09/10/2028, 09/10/2028, 10/10/2028, 11/10/2028, 12/10/2028, 13/10/2028, 16/10/2028, 16/10/2028, 16/10/2028, 17/10/2028, 18/10/2028, 19/10/2028, 20/10/2028, 23/10/2028, 23/10/2028, 23/10/2028, 24/10/2028, 25/10/2028, 26/10/2028, 27/10/2028, 30/10/2028, 30/10/2028, 30/10/2028, 31/10/2028, 01/11/2028, 02/11/2028, 03/11/2028, 06/11/2028, 06/11/2028, 06/11/2028, 07/11/2028, 08/11/2028, 09/11/2028, 10/11/2028, 13/11/2028, 13/11/2028, 13/11/2028, 14/11/2028, 15/11/2028, 16/11/2028, 17/11/2028, 20/11/2028, 20/11/2028, 20/11/2028, 21/11/2028, 22/11/2028, 23/11/2028, 24/11/2028, 27/11/2028, 27/11/2028, 27/11/2028, 28/11/2028, 29/11/2028, 30/11/2028, 01/12/2028, 04/12/2028, 04/12/2028, 04/12/2028, 05/12/2028, 06/12/2028, 07/12/2028, 08/12/2028, 11/12/2028, 11/12/2028, 11/12/2028, 12/12/2028, 13/12/2028, 14/12/2028, 15/12/2028, 18/12/2028, 18/12/2028, 18/12/2028, 19/12/2028, 20/12/2028, 21/12/2028, 22/12/2028, 27/12/2028, 27/12/2028, 27/12/2028, 28/12/2028, 29/12/2028, 02/01/2029, 03/01/2029, 04/01/2029, 04/01/2029, 04/01/2029, 05/01/2029, 08/01/2029, 09/01/2029, 10/01/2029, 11/01/2029, 11/01/2029, 11/01/2029, 11/01/2029, 11/01/2029, 12/01/2029, 15/01/2029, 16/01/2029, 16/01/2029, 16/01/2029, 16/01/2029, 17/01/2029, 18/01/2029, 19/01/2029, 22/01/2029, 22/01/2029, 22/01/2029, 23/01/2029, 24/01/2029, 25/01/2029, 26/01/2029, 29/01/2029, 29/01/2029, 29/01/2029, 30/01/2029, 31/01/2029, 01/02/2029, 02/02/2029, 05/02/2029, 05/02/2029, 05/02/2029, 06/02/2029, 07/02/2029, 08/02/2029, 09/02/2029, 12/02/2029, 12/02/2029, 12/02/2029, 13/02/2029, 14/02/2029, 15/02/2029, 16/02/2029, 19/02/2029, 19/02/2029, 19/02/2029, 20/02/2029, 21/02/2029, 22/02/2029, 23/02/2029, 26/02/2029, 26/02/2029, 26/02/2029, 27/02/2029, 28/02/2029, 01/03/2029, 02/03/2029, 05/03/2029, 05/03/2029, 05/03/2029, 06/03/2029, 07/03/2029, 08/03/2029, 09/03/2029, 12/03/2029, 12/03/2029, 12/03/2029, 13/03/2029, 14/03/2029, 15/03/2029, 16/03/2029, 19/03/2029, 19/03/2029, 19/03/2029, 20/03/2029, 21/03/2029, 22/03/2029, 23/03/2029, 26/03/2029, 26/03/2029, 26/03/2029, 27/03/2029, 28/03/2029, 29/03/2029, 03/04/2029, 04/04/2029, 04/04/2029, 04/04/2029, 05/04/2029, 06/04/2029, 09/04/2029, 10/04/2029, 11/04/2029, 11/04/2029, 11/04/2029, 12/04/2029, 13/04/2029, 16/04/2029, 17/04/2029, 17/04/2029, 17/04/2029, 17/04/2029, 17/04/2029, 18/04/2029, 19/04/2029, 20/04/2029, 23/04/2029, 23/04/2029, 23/04/2029, 24/04/2029, 25/04/2029, 26/04/2029, 27/04/2029, 30/04/2029, 30/04/2029, 30/04/2029, 02/05/2029, 03/05/2029, 04/05/2029, 07/05/2029, 08/05/2029, 08/05/2029, 08/05/2029, 09/05/2029, 10/05/2029, 11/05/2029, 14/05/2029, 15/05/2029, 15/05/2029, 15/05/2029, 16/05/2029, 16/05/2029, 17/05/2029, 18/05/2029, 21/05/2029, 21/05/2029, 21/05/2029, 22/05/2029, 23/05/2029, 24/05/2029, 25/05/2029, 28/05/2029, 28/05/2029, 28/05/2029, 29/05/2029, 30/05/2029, 31/05/2029, 01/06/2029, 04/06/2029, 04/06/2029, 04/06/2029, 05/06/2029, 06/06/2029, 07/06/2029, 08/06/2029, 11/06/2029, 11/06/2029, 11/06/2029, 12/06/2029, 13/06/2029, 14/06/2029, 15/06/2029, 18/06/2029, 18/06/2029, 18/06/2029, 19/06/2029, 20/06/2029, 21/06/2029, 22/06/2029, 25/06/2029, 25/06/2029, 25/06/2029, 26/06/2029, 27/06/2029, 28/06/2029, 29/06/2029, 02/07/2029, 02/07/2029, 02/07/2029, 03/07/2029, 04/07/2029, 05/07/2029, 06/07/2029, 09/07/2029, 09/07/2029, 09/07/2029, 10/07/2029, 11/07/2029, 12/07/2029, 13/07/2029, 16/07/2029, 16/07/2029, 16/07/2029, 17/07/2029, 18/07/2029, 19/07/2029, 20/07/2029, 23/07/2029, 23/07/2029, 23/07/2029, 24/07/2029, 25/07/2029, 26/07/2029, 27/07/2029, 30/07/2029, 30/07/2029, 30/07/2029, 31/07/2029, 01/08/2029, 02/08/2029, 03/08/2029, 06/08/2029, 06/08/2029, 06/08/2029, 07/08/2029, 08/08/2029, 09/08/2029, 10/08/2029, 13/08/2029, 13/08/2029, 13/08/2029, 14/08/2029, 15/08/2029, 16/08/2029, 17/08/2029, 20/08/2029, 20/08/2029, 20/08/2029, 21/08/2029, 22/08/2029, 23/08/2029, 24/08/2029, 27/08/2029, 27/08/2029, 27/08/2029, 28/08/2029, 29/08/2029, 30/08/2029, 31/08/2029, 03/09/2029, 03/09/2029, 03/09/2029, 04/09/2029, 05/09/2029, 06/09/2029, 07/09/2029, 10/09/2029, 10/09/2029, 10/09/2029, 11/09/2029, 12/09/2029, 13/09/2029, 14/09/2029, 17/09/2029, 17/09/2029, 17/09/2029, 18/09/2029, 19/09/2029, 20/09/2029, 21/09/2029, 24/09/2029, 24/09/2029, 24/09/2029, 25/09/2029, 26/09/2029, 27/09/2029, 28/09/2029, 01/10/2029, 01/10/2029, 01/10/2029, 02/10/2029, 03/10/2029, 04/10/2029, 05/10/2029, 08/10/2029, 08/10/2029, 08/10/2029, 09/10/2029, 10/10/2029, 11/10/2029, 12/10/2029, 15/10/2029, 15/10/2029, 15/10/2029, 16/10/2029, 17/10/2029, 18/10/2029, 19/10/2029, 22/10/2029, 22/10/2029, 22/10/2029, 23/10/2029, 24/10/2029, 25/10/2029, 26/10/2029, 29/10/2029, 29/10/2029, 29/10/2029, 30/10/2029, 31/10/2029, 01/11/2029, 02/11/2029, 05/11/2029, 05/11/2029, 05/11/2029, 06/11/2029, 07/11/2029, 08/11/2029, 09/11/2029, 12/11/2029, 12/11/2029, 12/11/2029, 13/11/2029, 14/11/2029, 15/11/2029, 16/11/2029, 19/11/2029, 19/11/2029, 19/11/2029, 20/11/2029, 21/11/2029, 22/11/2029, 23/11/2029, 26/11/2029, 26/11/2029, 26/11/2029, 27/11/2029, 28/11/2029, 29/11/2029, 30/11/2029, 03/12/2029, 03/12/2029, 03/12/2029, 04/12/2029, 05/12/2029, 06/12/2029, 07/12/2029, 10/12/2029, 10/12/2029, 10/12/2029, 11/12/2029, 12/12/2029, 13/12/2029, 14/12/2029, 17/12/2029, 17/12/2029, 17/12/2029, 18/12/2029, 19/12/2029, 20/12/2029, 21/12/2029, 24/12/2029, 24/12/2029, 24/12/2029, 27/12/2029, 28/12/2029, 31/12/2029, 02/01/2030, 03/01/2030, 03/01/2030, 03/01/2030, 04/01/2030, 07/01/2030, 08/01/2030, 09/01/2030, 10/01/2030, 10/01/2030, 10/01/2030, 11/01/2030, 11/01/2030, 11/01/2030, 14/01/2030, 15/01/2030, 15/01/2030, 15/01/2030, 16/01/2030, 16/01/2030, 17/01/2030, 18/01/2030, 21/01/2030, 21/01/2030, 21/01/2030, 22/01/2030, 23/01/2030, 24/01/2030, 25/01/2030, 28/01/2030, 28/01/2030, 28/01/2030, 29/01/2030, 30/01/2030, 31/01/2030, 01/02/2030, 04/02/2030, 04/02/2030, 04/02/2030, 05/02/2030, 06/02/2030, 07/02/2030, 08/02/2030, 11/02/2030, 11/02/2030, 11/02/2030, 12/02/2030, 13/02/2030, 14/02/2030, 15/02/2030, 18/02/2030, 18/02/2030, 18/02/2030, 19/02/2030, 20/02/2030, 21/02/2030, 22/02/2030, 25/02/2030, 25/02/2030, 25/02/2030, 26/02/2030, 27/02/2030, 28/02/2030, 01/03/2030, 04/03/2030, 04/03/2030, 04/03/2030, 05/03/2030, 06/03/2030, 07/03/2030, 08/03/2030, 11/03/2030, 11/03/2030, 11/03/2030, 12/03/2030, 13/03/2030, 14/03/2030, 15/03/2030, 18/03/2030, 18/03/2030, 18/03/2030, 19/03/2030, 20/03/2030, 21/03/2030, 22/03/2030, 25/03/2030, 25/03/2030, 25/03/2030, 26/03/2030, 27/03/2030, 28/03/2030, 29/03/2030, 01/04/2030, 01/04/2030, 01/04/2030, 02/04/2030, 03/04/2030, 04/04/2030, 05/04/2030, 08/04/2030, 08/04/2030, 08/04/2030, 09/04/2030, 10/04/2030, 11/04/2030, 12/04/2030, 15/04/2030, 15/04/2030, 15/04/2030, 16/04/2030, 17/04/2030, 18/04/2030, 23/04/2030, 24/04/2030, 24/04/2030, 24/04/2030, 25/04/2030, 26/04/2030, 29/04/2030, 30/04/2030, 02/05/2030, 02/05/2030, 02/05/2030, 03/05/2030, 06/05/2030, 07/05/2030, 08/05/2030, 08/05/2030, 08/05/2030, 08/05/2030, 08/05/2030, 09/05/2030, 10/05/2030, 13/05/2030, 14/05/2030, 14/05/2030, 14/05/2030, 15/05/2030, 16/05/2030, 16/05/2030, 17/05/2030, 20/05/2030, 20/05/2030, 20/05/2030, 21/05/2030, 22/05/2030, 23/05/2030, 24/05/2030, 27/05/2030, 27/05/2030, 27/05/2030, 28/05/2030, 29/05/2030, 30/05/2030, 31/05/2030, 03/06/2030, 03/06/2030, 03/06/2030, 04/06/2030, 05/06/2030, 06/06/2030, 07/06/2030, 10/06/2030, 10/06/2030, 10/06/2030, 11/06/2030, 12/06/2030, 13/06/2030, 14/06/2030, 17/06/2030, 17/06/2030, 17/06/2030, 18/06/2030, 19/06/2030, 20/06/2030, 21/06/2030, 24/06/2030, 24/06/2030, 24/06/2030, 25/06/2030, 26/06/2030, 27/06/2030, 28/06/2030, 01/07/2030, 01/07/2030, 01/07/2030, 02/07/2030, 03/07/2030, 04/07/2030, 05/07/2030, 08/07/2030, 08/07/2030, 08/07/2030, 09/07/2030, 10/07/2030, 11/07/2030, 12/07/2030, 15/07/2030, 15/07/2030, 15/07/2030, 16/07/2030, 17/07/2030, 18/07/2030, 19/07/2030, 22/07/2030, 22/07/2030, 22/07/2030, 23/07/2030, 24/07/2030, 25/07/2030, 26/07/2030, 29/07/2030, 29/07/2030, 29/07/2030, 30/07/2030, 31/07/2030, 01/08/2030, 02/08/2030, 05/08/2030, 05/08/2030, 05/08/2030, 06/08/2030, 07/08/2030, 08/08/2030, 09/08/2030, 12/08/2030, 12/08/2030, 12/08/2030, 13/08/2030, 14/08/2030, 15/08/2030, 16/08/2030, 19/08/2030, 19/08/2030, 19/08/2030, 20/08/2030, 21/08/2030, 22/08/2030, 23/08/2030, 26/08/2030, 26/08/2030, 26/08/2030, 27/08/2030, 28/08/2030, 29/08/2030, 30/08/2030, 02/09/2030, 02/09/2030, 02/09/2030, 03/09/2030, 04/09/2030, 05/09/2030, 06/09/2030, 09/09/2030, 09/09/2030, 09/09/2030, 10/09/2030, 11/09/2030, 12/09/2030, 13/09/2030, 16/09/2030, 16/09/2030, 16/09/2030, 17/09/2030, 18/09/2030, 19/09/2030, 20/09/2030, 23/09/2030, 23/09/2030, 23/09/2030, 24/09/2030, 25/09/2030, 26/09/2030, 27/09/2030, 30/09/2030, 30/09/2030, 30/09/2030, 01/10/2030, 02/10/2030, 03/10/2030, 04/10/2030, 07/10/2030, 07/10/2030, 07/10/2030, 08/10/2030, 09/10/2030, 10/10/2030, 11/10/2030, 14/10/2030, 14/10/2030, 14/10/2030, 15/10/2030, 16/10/2030, 17/10/2030, 18/10/2030, 21/10/2030, 21/10/2030, 21/10/2030, 22/10/2030, 23/10/2030, 24/10/2030, 25/10/2030, 28/10/2030, 28/10/2030, 28/10/2030, 29/10/2030, 30/10/2030, 31/10/2030, 01/11/2030, 04/11/2030, 04/11/2030, 04/11/2030, 05/11/2030, 06/11/2030, 07/11/2030, 08/11/2030, 11/11/2030, 11/11/2030, 11/11/2030, 12/11/2030, 13/11/2030, 14/11/2030, 15/11/2030, 18/11/2030, 18/11/2030, 18/11/2030, 19/11/2030, 20/11/2030, 21/11/2030, 22/11/2030, 25/11/2030, 25/11/2030, 25/11/2030, 26/11/2030, 27/11/2030, 28/11/2030, 29/11/2030, 02/12/2030, 02/12/2030, 02/12/2030, 03/12/2030, 04/12/2030, 05/12/2030, 06/12/2030, 09/12/2030, 09/12/2030, 09/12/2030, 10/12/2030, 11/12/2030, 12/12/2030, 13/12/2030, 16/12/2030, 16/12/2030, 16/12/2030, 17/12/2030, 18/12/2030, 19/12/2030, 20/12/2030, 23/12/2030, 23/12/2030, 23/12/2030, 24/12/2030, 27/12/2030, 30/12/2030, 31/12/2030, 02/01/2031, 02/01/2031, 02/01/2031, 03/01/2031, 06/01/2031, 07/01/2031, 08/01/2031, 09/01/2031, 09/01/2031, 09/01/2031, 10/01/2031, 13/01/2031, 13/01/2031, 13/01/2031, 14/01/2031, 14/01/2031, 14/01/2031, 15/01/2031, 16/01/2031, 16/01/2031, 17/01/2031, 20/01/2031, 20/01/2031, 20/01/2031, 21/01/2031, 22/01/2031, 23/01/2031, 24/01/2031, 27/01/2031, 27/01/2031, 27/01/2031, 28/01/2031, 29/01/2031, 30/01/2031, 31/01/2031, 03/02/2031, 03/02/2031, 03/02/2031, 04/02/2031, 05/02/2031, 06/02/2031, 07/02/2031, 10/02/2031, 10/02/2031, 10/02/2031, 11/02/2031, 12/02/2031, 13/02/2031, 14/02/2031, 17/02/2031, 17/02/2031, 17/02/2031, 18/02/2031, 19/02/2031, 20/02/2031, 21/02/2031, 24/02/2031, 24/02/2031, 24/02/2031, 25/02/2031, 26/02/2031, 27/02/2031, 28/02/2031, 03/03/2031, 03/03/2031, 03/03/2031, 04/03/2031, 05/03/2031, 06/03/2031, 07/03/2031, 10/03/2031, 10/03/2031, 10/03/2031, 11/03/2031, 12/03/2031, 13/03/2031, 14/03/2031, 17/03/2031, 17/03/2031, 17/03/2031, 18/03/2031, 19/03/2031, 20/03/2031, 21/03/2031, 24/03/2031, 24/03/2031, 24/03/2031, 25/03/2031, 26/03/2031, 27/03/2031, 28/03/2031, 31/03/2031, 31/03/2031, 31/03/2031, 01/04/2031, 02/04/2031, 03/04/2031, 04/04/2031, 07/04/2031, 07/04/2031, 07/04/2031, 08/04/2031, 09/04/2031, 10/04/2031, 15/04/2031, 16/04/2031, 16/04/2031, 16/04/2031, 17/04/2031, 18/04/2031, 21/04/2031, 22/04/2031, 23/04/2031, 23/04/2031, 23/04/2031, 24/04/2031, 25/04/2031, 28/04/2031, 29/04/2031, 29/04/2031, 29/04/2031, 29/04/2031, 29/04/2031, 30/04/2031, 02/05/2031, 05/05/2031, 06/05/2031, 06/05/2031, 06/05/2031, 07/05/2031, 08/05/2031, 09/05/2031, 12/05/2031, 13/05/2031, 13/05/2031, 13/05/2031, 14/05/2031, 15/05/2031, 16/05/2031, 16/05/2031, 19/05/2031, 19/05/2031, 19/05/2031, 20/05/2031, 21/05/2031, 22/05/2031, 23/05/2031, 26/05/2031, 26/05/2031, 26/05/2031, 27/05/2031, 28/05/2031, 29/05/2031, 30/05/2031, 02/06/2031, 02/06/2031, 02/06/2031, 03/06/2031, 04/06/2031, 05/06/2031, 06/06/2031, 09/06/2031, 09/06/2031, 09/06/2031, 10/06/2031, 11/06/2031, 12/06/2031, 13/06/2031, 16/06/2031, 16/06/2031, 16/06/2031, 17/06/2031, 18/06/2031, 19/06/2031, 20/06/2031, 23/06/2031, 23/06/2031, 23/06/2031, 24/06/2031, 25/06/2031, 26/06/2031, 27/06/2031, 30/06/2031, 30/06/2031, 30/06/2031, 01/07/2031, 02/07/2031, 03/07/2031, 04/07/2031, 07/07/2031, 07/07/2031, 07/07/2031, 08/07/2031, 09/07/2031, 10/07/2031, 11/07/2031, 14/07/2031, 14/07/2031, 14/07/2031, 15/07/2031, 16/07/2031, 17/07/2031, 18/07/2031, 21/07/2031, 21/07/2031, 21/07/2031, 22/07/2031, 23/07/2031, 24/07/2031, 25/07/2031, 28/07/2031, 28/07/2031, 28/07/2031, 29/07/2031, 30/07/2031, 31/07/2031, 01/08/2031, 04/08/2031, 04/08/2031, 04/08/2031, 05/08/2031, 06/08/2031, 07/08/2031, 08/08/2031, 11/08/2031, 11/08/2031, 11/08/2031, 12/08/2031, 13/08/2031, 14/08/2031, 15/08/2031, 18/08/2031, 18/08/2031, 18/08/2031, 19/08/2031, 20/08/2031, 21/08/2031, 22/08/2031, 25/08/2031, 25/08/2031, 25/08/2031, 26/08/2031, 27/08/2031, 28/08/2031, 29/08/2031, 01/09/2031, 01/09/2031, 01/09/2031, 02/09/2031, 03/09/2031, 04/09/2031, 05/09/2031, 08/09/2031, 08/09/2031, 08/09/2031, 09/09/2031, 10/09/2031, 11/09/2031, 12/09/2031, 15/09/2031, 15/09/2031, 15/09/2031, 16/09/2031, 17/09/2031, 18/09/2031, 19/09/2031, 22/09/2031, 22/09/2031, 22/09/2031, 23/09/2031, 24/09/2031, 25/09/2031, 26/09/2031, 29/09/2031, 29/09/2031, 29/09/2031, 30/09/2031, 01/10/2031, 02/10/2031, 03/10/2031, 06/10/2031, 06/10/2031, 06/10/2031, 07/10/2031, 08/10/2031, 09/10/2031, 10/10/2031, 13/10/2031, 13/10/2031, 13/10/2031, 14/10/2031, 15/10/2031, 16/10/2031, 17/10/2031, 20/10/2031, 20/10/2031, 20/10/2031, 21/10/2031, 22/10/2031, 23/10/2031, 24/10/2031, 27/10/2031, 27/10/2031, 27/10/2031, 28/10/2031, 29/10/2031, 30/10/2031, 31/10/2031, 03/11/2031, 03/11/2031, 03/11/2031, 04/11/2031, 05/11/2031, 06/11/2031, 07/11/2031, 10/11/2031, 10/11/2031, 10/11/2031, 11/11/2031, 12/11/2031, 13/11/2031, 14/11/2031, 17/11/2031, 17/11/2031, 17/11/2031, 18/11/2031, 19/11/2031, 20/11/2031, 21/11/2031, 24/11/2031, 24/11/2031, 24/11/2031, 25/11/2031, 26/11/2031, 27/11/2031, 28/11/2031, 01/12/2031, 01/12/2031, 01/12/2031, 02/12/2031, 03/12/2031, 04/12/2031, 05/12/2031, 08/12/2031, 08/12/2031, 08/12/2031, 09/12/2031, 10/12/2031, 11/12/2031, 12/12/2031, 15/12/2031, 15/12/2031, 15/12/2031, 16/12/2031, 17/12/2031, 18/12/2031, 19/12/2031, 22/12/2031, 22/12/2031, 22/12/2031, 23/12/2031, 24/12/2031, 29/12/2031, 30/12/2031, 31/12/2031, 31/12/2031, 31/12/2031, 02/01/2032, 05/01/2032, 06/01/2032, 07/01/2032, 08/01/2032, 08/01/2032, 08/01/2032, 09/01/2032, 12/01/2032, 13/01/2032, 13/01/2032, 13/01/2032, 13/01/2032, 13/01/2032, 14/01/2032, 15/01/2032, 16/01/2032, 16/01/2032, 19/01/2032, 19/01/2032, 19/01/2032, 20/01/2032, 21/01/2032, 22/01/2032, 23/01/2032, 26/01/2032, 26/01/2032, 26/01/2032, 27/01/2032, 28/01/2032, 29/01/2032, 30/01/2032, 02/02/2032, 02/02/2032, 02/02/2032, 03/02/2032, 04/02/2032, 05/02/2032, 06/02/2032, 09/02/2032, 09/02/2032, 09/02/2032, 10/02/2032, 11/02/2032, 12/02/2032, 13/02/2032, 16/02/2032, 16/02/2032, 16/02/2032, 17/02/2032, 18/02/2032, 19/02/2032, 20/02/2032, 23/02/2032, 23/02/2032, 23/02/2032, 24/02/2032, 25/02/2032, 26/02/2032, 27/02/2032, 01/03/2032, 01/03/2032, 01/03/2032, 02/03/2032, 03/03/2032, 04/03/2032, 05/03/2032, 08/03/2032, 08/03/2032, 08/03/2032, 09/03/2032, 10/03/2032, 11/03/2032, 12/03/2032, 15/03/2032, 15/03/2032, 15/03/2032, 16/03/2032, 17/03/2032, 18/03/2032, 19/03/2032, 22/03/2032, 22/03/2032, 22/03/2032, 23/03/2032, 24/03/2032, 25/03/2032, 30/03/2032</a:t>
+                        <a:t>12/06/2023, 11/12/2023, 12/03/2024, 10/06/2024, 10/09/2024, 11/12/2024, 13/03/2025, 10/06/2025, 10/09/2025, 11/12/2025, 13/03/2026, 10/06/2026, 10/09/2026, 11/12/2026, 15/03/2027, 10/06/2027, 10/09/2027, 13/12/2027, 13/03/2028, 12/06/2028, 11/09/2028, 11/12/2028, 13/03/2029, 11/06/2029, 10/09/2029, 11/12/2029, 13/03/2030, 10/06/2030, 10/09/2030, 11/12/2030, 13/03/2031, 10/06/2031, 10/09/2031, 11/12/2031, 12/03/2032</a:t>
                       </a:r>
                     </a:p>
                   </a:txBody>
@@ -20923,7 +20939,7 @@
                 <a:ea typeface="+mn-ea"/>
                 <a:cs typeface="+mn-cs"/>
               </a:rPr>
-              <a:t>Pour un investissement dans « Action Credit Agricole 0.8 Degressif MAI 2022 », vous êtes exposés pour une durée de 381 à 3653 jour à l’évolution de l'indice</a:t>
+              <a:t>Pour un investissement dans « Action Credit Agricole 0.8 Degressif MAI 2022 », vous êtes exposés pour une durée de de 4 à 40 trimestres à l’évolution de l'indice</a:t>
             </a:r>
             <a:r>
               <a:rPr lang="fr-FR" sz="800" b="1" dirty="0">
@@ -21111,7 +21127,7 @@
                 <a:ea typeface="+mn-ea"/>
                 <a:cs typeface="+mn-cs"/>
               </a:rPr>
-              <a:t>… avec un mécanisme de remboursement anticipé à hauteur de l’intégralité du capital initial, activable automatiquement à partir Chaque jour de bourse, du 12/06/2023 (inclus) jusqu'à la date de constatation finale (exclue) </a:t>
+              <a:t>… avec un mécanisme de remboursement anticipé à hauteur de l’intégralité du capital initial, activable automatiquement à partir de la fin du trimestre 4 jusqu'à la fin du trimestre 39 </a:t>
             </a:r>
             <a:r>
               <a:rPr kumimoji="0" lang="fr-FR" sz="800" b="0" i="0" u="none" strike="noStrike" kern="1200" cap="none" spc="0" normalizeH="0" baseline="0" noProof="0" dirty="0">
@@ -21125,7 +21141,7 @@
                 <a:ea typeface="+mn-ea"/>
                 <a:cs typeface="+mn-cs"/>
               </a:rPr>
-              <a:t>si à une date de constatation quotidienne</a:t>
+              <a:t>si à une date de constatation trimestrielle</a:t>
             </a:r>
             <a:r>
               <a:rPr kumimoji="0" lang="fr-FR" sz="800" b="0" i="0" u="none" strike="noStrike" kern="1200" cap="none" spc="0" normalizeH="0" baseline="30000" noProof="0" dirty="0">
@@ -21251,7 +21267,7 @@
                 <a:ea typeface="+mn-ea"/>
                 <a:cs typeface="+mn-cs"/>
               </a:rPr>
-              <a:t>avec un objectif de gain fixe plafonné à 2,75% par jour calendaire depuis le 27/05/2022 soit (1003,75% par année écoulée) </a:t>
+              <a:t>avec un objectif de gain fixe plafonné à 2,75% par trimestre écoulé depuis le 27/05/2022 soit (11,00% par année écoulée) </a:t>
             </a:r>
             <a:r>
               <a:rPr kumimoji="0" lang="fr-FR" sz="800" b="0" i="0" u="none" strike="noStrike" kern="1200" cap="none" spc="0" normalizeH="0" baseline="0" noProof="0" dirty="0">
@@ -21265,7 +21281,7 @@
                 <a:ea typeface="+mn-ea"/>
                 <a:cs typeface="+mn-cs"/>
               </a:rPr>
-              <a:t>si, à une date de constatation quotidienne</a:t>
+              <a:t>si, à une date de constatation trimestrielle</a:t>
             </a:r>
             <a:r>
               <a:rPr kumimoji="0" lang="fr-FR" sz="800" b="0" i="0" u="none" strike="noStrike" kern="1200" cap="none" spc="0" normalizeH="0" baseline="30000" noProof="0" dirty="0">
@@ -21546,7 +21562,7 @@
                 </a:solidFill>
                 <a:latin typeface="Proxima Nova Rg"/>
               </a:rPr>
-              <a:t>925,59%</a:t>
+              <a:t>9,41%</a:t>
             </a:r>
             <a:r>
               <a:rPr lang="fr-FR" sz="800" baseline="30000" dirty="0">
@@ -21712,7 +21728,7 @@
                 <a:ea typeface="+mn-ea"/>
                 <a:cs typeface="+mn-cs"/>
               </a:rPr>
-              <a:t> « Action Credit Agricole 0.8 Degressif MAI 2022 » ne peut constituer l’intégralité d’un portefeuille d’investissement. L’investisseur est exposé pour une durée de 381 à 3653 jour à </a:t>
+              <a:t> « Action Credit Agricole 0.8 Degressif MAI 2022 » ne peut constituer l’intégralité d’un portefeuille d’investissement. L’investisseur est exposé pour une durée de 4 à 40 trimestres à </a:t>
             </a:r>
             <a:r>
               <a:rPr lang="fr-FR" b="1" i="1" dirty="0">
@@ -22914,7 +22930,7 @@
                 <a:ea typeface="+mn-ea"/>
                 <a:cs typeface="+mn-cs"/>
               </a:rPr>
-              <a:t>Pour un investissement dans « Action Credit Agricole 0.8 Degressif MAI 2022 », vous êtes exposé pour une durée de 381 à 3653 jour à l’évolution de l'indice</a:t>
+              <a:t>Pour un investissement dans « Action Credit Agricole 0.8 Degressif MAI 2022 », vous êtes exposé pour une durée  de 4 à 40 trimestres à l’évolution de l'indice</a:t>
             </a:r>
             <a:r>
               <a:rPr lang="fr-FR" sz="800" b="1" dirty="0">
@@ -23066,33 +23082,8 @@
                 <a:ea typeface="+mn-ea"/>
                 <a:cs typeface="+mn-cs"/>
               </a:rPr>
-              <a:t>, clôture à un niveau strictement inférieur à 40.0% de son Niveau Initial. </a:t>
-            </a:r>
-            <a:r>
-              <a:rPr kumimoji="0" lang="fr-FR" sz="800" b="0" i="0" u="none" strike="noStrike" kern="1200" cap="none" spc="0" normalizeH="0" baseline="0" noProof="0">
-                <a:ln>
-                  <a:noFill/>
-                </a:ln>
-                <a:effectLst/>
-                <a:uLnTx/>
-                <a:uFillTx/>
-                <a:latin typeface="Proxima Nova Rg"/>
-                <a:ea typeface="+mn-ea"/>
-                <a:cs typeface="+mn-cs"/>
-              </a:rPr>
-              <a:t>WALLY LE BOSS D EQUITIM</a:t>
-            </a:r>
-            <a:endParaRPr kumimoji="0" lang="fr-FR" sz="800" b="0" i="0" u="none" strike="noStrike" kern="1200" cap="none" spc="0" normalizeH="0" baseline="0" noProof="0" dirty="0">
-              <a:ln>
-                <a:noFill/>
-              </a:ln>
-              <a:effectLst/>
-              <a:uLnTx/>
-              <a:uFillTx/>
-              <a:latin typeface="Proxima Nova Rg"/>
-              <a:ea typeface="+mn-ea"/>
-              <a:cs typeface="+mn-cs"/>
-            </a:endParaRPr>
+              <a:t>, clôture à un niveau strictement inférieur à 40.0% de son Niveau Initial. WALLY LE BOSS D EQUITIM</a:t>
+            </a:r>
           </a:p>
           <a:p>
             <a:pPr marL="0" marR="0" lvl="2" indent="0" algn="just" defTabSz="755934" rtl="0" eaLnBrk="1" fontAlgn="auto" latinLnBrk="0" hangingPunct="1">
@@ -23127,7 +23118,7 @@
                 <a:ea typeface="+mn-ea"/>
                 <a:cs typeface="+mn-cs"/>
               </a:rPr>
-              <a:t>… avec un mécanisme de remboursement anticipé à hauteur de l’intégralité du capital initial, activable automatiquement à partir de la fin du jour 381 jusqu'à la fin du jour 3652</a:t>
+              <a:t>… avec un mécanisme de remboursement anticipé à hauteur de l’intégralité du capital initial, activable automatiquement à partir de la fin du trimestre 4 jusqu'à la fin du trimestre 39</a:t>
             </a:r>
             <a:r>
               <a:rPr kumimoji="0" lang="fr-FR" sz="800" b="1" i="0" u="none" strike="noStrike" kern="1200" cap="none" spc="0" normalizeH="0" baseline="0" noProof="0" dirty="0">
@@ -23155,7 +23146,7 @@
                 <a:ea typeface="+mn-ea"/>
                 <a:cs typeface="+mn-cs"/>
               </a:rPr>
-              <a:t>si à une date de constatation quotidienne</a:t>
+              <a:t>si à une date de constatation trimestrielle</a:t>
             </a:r>
             <a:r>
               <a:rPr kumimoji="0" lang="fr-FR" sz="800" b="0" i="0" u="none" strike="noStrike" kern="1200" cap="none" spc="0" normalizeH="0" baseline="30000" noProof="0" dirty="0">
@@ -23281,7 +23272,7 @@
                 <a:ea typeface="+mn-ea"/>
                 <a:cs typeface="+mn-cs"/>
               </a:rPr>
-              <a:t>avec un objectif de coupon fixe plafonné à 2,75% par jour soit (1003,75% par année écoulée) </a:t>
+              <a:t>avec un objectif de coupon fixe plafonné à 2,75% par trimestre soit (11,00% par année écoulée) </a:t>
             </a:r>
             <a:r>
               <a:rPr kumimoji="0" lang="fr-FR" sz="800" b="0" i="0" u="none" strike="noStrike" kern="1200" cap="none" spc="0" normalizeH="0" baseline="0" noProof="0" dirty="0">
@@ -23295,7 +23286,7 @@
                 <a:ea typeface="+mn-ea"/>
                 <a:cs typeface="+mn-cs"/>
               </a:rPr>
-              <a:t>si, à une date de constatation quotidienne</a:t>
+              <a:t>si, à une date de constatation trimestrielle</a:t>
             </a:r>
             <a:r>
               <a:rPr kumimoji="0" lang="fr-FR" sz="800" b="0" i="0" u="none" strike="noStrike" kern="1200" cap="none" spc="0" normalizeH="0" baseline="30000" noProof="0" dirty="0">
@@ -23365,7 +23356,7 @@
                 <a:ea typeface="+mn-ea"/>
                 <a:cs typeface="+mn-cs"/>
               </a:rPr>
-              <a:t>0.55% environ% environ de son Niveau Initial.</a:t>
+              <a:t>0.55%% de son Niveau Initial.</a:t>
             </a:r>
             <a:endParaRPr kumimoji="0" lang="fr-FR" sz="800" b="0" i="0" u="none" strike="noStrike" kern="1200" cap="none" spc="0" normalizeH="0" baseline="0" noProof="0" dirty="0">
               <a:ln>
@@ -23587,7 +23578,7 @@
                 <a:ea typeface="+mn-ea"/>
                 <a:cs typeface="+mn-cs"/>
               </a:rPr>
-              <a:t>163367,71%</a:t>
+              <a:t>9,82%</a:t>
             </a:r>
             <a:r>
               <a:rPr kumimoji="0" lang="fr-FR" sz="800" b="0" i="0" u="none" strike="noStrike" kern="1200" cap="none" spc="0" normalizeH="0" baseline="30000" noProof="0" dirty="0">
@@ -23764,7 +23755,7 @@
                 <a:ea typeface="+mn-ea"/>
                 <a:cs typeface="+mn-cs"/>
               </a:rPr>
-              <a:t> « Action Credit Agricole 0.8 Degressif MAI 2022 » ne peut constituer l’intégralité d’un portefeuille d’investissement. L’investisseur est exposé pour une durée de 381 à 3653 jour à &lt;</a:t>
+              <a:t> « Action Credit Agricole 0.8 Degressif MAI 2022 » ne peut constituer l’intégralité d’un portefeuille d’investissement. L’investisseur est exposé pour une durée de 4 à 40 trimestres à &lt;</a:t>
             </a:r>
             <a:r>
               <a:rPr lang="fr-FR" b="1" i="1" dirty="0">
@@ -24519,7 +24510,7 @@
             </a:pPr>
             <a:r>
               <a:rPr lang="fr-FR" sz="800" dirty="0"/>
-              <a:t>Un gain de 2,75% par jour calendaire depuis le 27/05/2022</a:t>
+              <a:t>Un gain de 2,75% par trimestre écoulé depuis le 27/05/2022</a:t>
             </a:r>
           </a:p>
           <a:p>
@@ -24534,7 +24525,7 @@
             </a:pPr>
             <a:r>
               <a:rPr lang="fr-FR" sz="800" dirty="0"/>
-              <a:t>(soit un gain de 10045,75% et un Taux de Rendement Annuel net de </a:t>
+              <a:t>(soit un gain de 110,00% et un Taux de Rendement Annuel net de </a:t>
             </a:r>
             <a:r>
               <a:rPr lang="fr-FR" sz="800" dirty="0">
@@ -24542,7 +24533,7 @@
                   <a:srgbClr val="FFFF00"/>
                 </a:highlight>
               </a:rPr>
-              <a:t>56,80%</a:t>
+              <a:t>6,59%</a:t>
             </a:r>
             <a:r>
               <a:rPr lang="fr-FR" sz="800" baseline="30000" dirty="0"/>
@@ -24794,7 +24785,7 @@
             </a:pPr>
             <a:r>
               <a:rPr lang="fr-FR" sz="800" dirty="0"/>
-              <a:t>Un gain de 2,75% par jour calendaire depuis le 27/05/2022 </a:t>
+              <a:t>Un gain de 2,75% par trimestre écoulé depuis le 27/05/2022 </a:t>
             </a:r>
           </a:p>
           <a:p>
@@ -24817,7 +24808,7 @@
                   <a:srgbClr val="FFFF00"/>
                 </a:highlight>
               </a:rPr>
-              <a:t>58,62%</a:t>
+              <a:t>6,64%</a:t>
             </a:r>
             <a:r>
               <a:rPr lang="fr-FR" sz="800" baseline="30000" dirty="0"/>
@@ -24833,7 +24824,7 @@
                   <a:srgbClr val="FFFF00"/>
                 </a:highlight>
               </a:rPr>
-              <a:t>925,59%</a:t>
+              <a:t>9,41%</a:t>
             </a:r>
             <a:r>
               <a:rPr lang="fr-FR" sz="800" baseline="30000" dirty="0"/>
@@ -24881,7 +24872,7 @@
                   <a:schemeClr val="tx2"/>
                 </a:solidFill>
               </a:rPr>
-              <a:t>À chaque date de constatation quotidienne</a:t>
+              <a:t>À chaque date de constatation trimestrielle</a:t>
             </a:r>
             <a:r>
               <a:rPr lang="fr-FR" sz="800" baseline="30000" dirty="0">
@@ -24897,7 +24888,7 @@
                   <a:schemeClr val="tx2"/>
                 </a:solidFill>
               </a:rPr>
-              <a:t>à partir Chaque jour de bourse, du 12/06/2023 (inclus) jusqu'à la date de constatation finale (exclue) ,on observe le niveau de clôture de l'indice</a:t>
+              <a:t>à partir de la fin du trimestre 4 jusqu'à la fin du trimestre 39 ,on observe le niveau de clôture de l'indice</a:t>
             </a:r>
             <a:r>
               <a:rPr lang="en-US" sz="800" dirty="0">
@@ -24940,7 +24931,7 @@
                   <a:schemeClr val="tx2"/>
                 </a:solidFill>
               </a:rPr>
-              <a:t>Si, à une date de constatation quotidienne</a:t>
+              <a:t>Si, à une date de constatation trimestrielle</a:t>
             </a:r>
             <a:r>
               <a:rPr lang="fr-FR" sz="800" b="1" baseline="30000" dirty="0">
@@ -27067,7 +27058,7 @@
                   <a:schemeClr val="tx2"/>
                 </a:solidFill>
               </a:rPr>
-              <a:t>À chaque date de constatation quotidienne</a:t>
+              <a:t>À chaque date de constatation trimestrielle</a:t>
             </a:r>
             <a:r>
               <a:rPr lang="fr-FR" sz="800" baseline="30000" dirty="0">
@@ -27792,7 +27783,7 @@
                   <a:schemeClr val="tx2"/>
                 </a:solidFill>
               </a:rPr>
-              <a:t>Si, à une date de constatation quotidienne</a:t>
+              <a:t>Si, à une date de constatation trimestrielle</a:t>
             </a:r>
             <a:r>
               <a:rPr lang="fr-FR" sz="800" b="1" baseline="30000" dirty="0">
@@ -27824,7 +27815,7 @@
                   <a:schemeClr val="tx2"/>
                 </a:solidFill>
               </a:rPr>
-              <a:t>clôture à un niveau supérieur ou égal à 0.55% environ% environ de son Niveau Initial</a:t>
+              <a:t>clôture à un niveau supérieur ou égal à 0.55%% de son Niveau Initial</a:t>
             </a:r>
             <a:r>
               <a:rPr lang="fr-FR" sz="800" b="1" dirty="0">
@@ -28145,7 +28136,7 @@
                   <a:schemeClr val="tx2"/>
                 </a:solidFill>
               </a:rPr>
-              <a:t>i, à une date de constatation quotidienne</a:t>
+              <a:t>i, à une date de constatation trimestrielle</a:t>
             </a:r>
             <a:r>
               <a:rPr lang="fr-FR" sz="800" b="1" baseline="30000" dirty="0">
@@ -28186,7 +28177,7 @@
                 </a:solidFill>
                 <a:latin typeface="Proxima Nova Rg" panose="02000506030000020004" pitchFamily="2" charset="0"/>
               </a:rPr>
-              <a:t>strictement inférieur à 0.55% environ% environ de son Niveau Initial, l’investisseur reçoit, à la date de paiement de coupon correspondante</a:t>
+              <a:t>strictement inférieur à 0.55%% de son Niveau Initial, l’investisseur reçoit, à la date de paiement de coupon correspondante</a:t>
             </a:r>
             <a:r>
               <a:rPr lang="fr-FR" sz="800" b="1" baseline="30000" dirty="0">
@@ -29163,7 +29154,7 @@
                   <a:srgbClr val="00FFFF"/>
                 </a:highlight>
               </a:rPr>
-              <a:t>56,80%</a:t>
+              <a:t>6,59%</a:t>
             </a:r>
             <a:r>
               <a:rPr lang="fr-FR" sz="800" baseline="30000" dirty="0"/>
@@ -29179,7 +29170,7 @@
                   <a:srgbClr val="00FFFF"/>
                 </a:highlight>
               </a:rPr>
-              <a:t>163367,71%</a:t>
+              <a:t>10,26%</a:t>
             </a:r>
             <a:r>
               <a:rPr lang="fr-FR" sz="800" baseline="30000" dirty="0"/>
@@ -29511,7 +29502,7 @@
                   <a:schemeClr val="tx2"/>
                 </a:solidFill>
               </a:rPr>
-              <a:t>clôture à un niveau supérieur ou égal à 0.55% environ% environ% de son Niveau Initial, l’investisseur reçoit, le 10/06/2032</a:t>
+              <a:t>clôture à un niveau supérieur ou égal à 0.55%%% de son Niveau Initial, l’investisseur reçoit, le 10/06/2032</a:t>
             </a:r>
             <a:r>
               <a:rPr lang="fr-FR" sz="800" b="1" baseline="30000" dirty="0">
@@ -29835,7 +29826,7 @@
             </a:pPr>
             <a:r>
               <a:rPr lang="fr-FR" sz="800" dirty="0"/>
-              <a:t>(Soit un Taux de Rendement Annuel net inférieur ou égal à 163367,71%</a:t>
+              <a:t>(Soit un Taux de Rendement Annuel net inférieur ou égal à 5,53%</a:t>
             </a:r>
           </a:p>
           <a:p>
@@ -30032,7 +30023,7 @@
                   <a:srgbClr val="00FFFF"/>
                 </a:highlight>
               </a:rPr>
-              <a:t>163367,71%</a:t>
+              <a:t>10,09%</a:t>
             </a:r>
             <a:r>
               <a:rPr lang="fr-FR" sz="800" baseline="30000" dirty="0">
@@ -30108,7 +30099,7 @@
                   <a:srgbClr val="000000"/>
                 </a:solidFill>
               </a:rPr>
-              <a:t>clôture à un niveau strictement inférieur à 0.55% environ% environ% mais supérieur ou égal à 40.0% de son Niveau Initial, l’investisseur reçoit, le 10/06/2032 : </a:t>
+              <a:t>clôture à un niveau strictement inférieur à 0.55%%% mais supérieur ou égal à 40.0% de son Niveau Initial, l’investisseur reçoit, le 10/06/2032 : </a:t>
             </a:r>
           </a:p>
         </p:txBody>
@@ -30375,7 +30366,7 @@
                   <a:srgbClr val="00FFFF"/>
                 </a:highlight>
               </a:rPr>
-              <a:t>58,62%</a:t>
+              <a:t>6,64%</a:t>
             </a:r>
             <a:r>
               <a:rPr lang="fr-FR" sz="800" baseline="30000" dirty="0"/>
@@ -30383,7 +30374,7 @@
             </a:r>
             <a:r>
               <a:rPr lang="fr-FR" sz="800" dirty="0"/>
-              <a:t>et 163367,71%</a:t>
+              <a:t>et 10,26%</a:t>
             </a:r>
             <a:r>
               <a:rPr lang="fr-FR" sz="800" baseline="30000" dirty="0">
@@ -30439,7 +30430,7 @@
                   <a:schemeClr val="tx2"/>
                 </a:solidFill>
               </a:rPr>
-              <a:t>À chaque date de constatation quotidienne</a:t>
+              <a:t>À chaque date de constatation trimestrielle</a:t>
             </a:r>
             <a:r>
               <a:rPr lang="fr-FR" sz="800" baseline="30000" dirty="0">
@@ -30455,7 +30446,7 @@
                   <a:schemeClr val="tx2"/>
                 </a:solidFill>
               </a:rPr>
-              <a:t>à partir de la fin du jour 381 et jusqu’à la fin du jour 3652, on compare le niveau de clôture de l'indice à son Niveau Initial</a:t>
+              <a:t>à partir de la fin du trimestre 4 et jusqu’à la fin du trimestre 39, on compare le niveau de clôture de l'indice à son Niveau Initial</a:t>
             </a:r>
             <a:r>
               <a:rPr lang="en-US" sz="800" dirty="0">
@@ -30498,7 +30489,7 @@
                   <a:schemeClr val="tx2"/>
                 </a:solidFill>
               </a:rPr>
-              <a:t>Si, à une date de constatation quotidienne</a:t>
+              <a:t>Si, à une date de constatation trimestrielle</a:t>
             </a:r>
             <a:r>
               <a:rPr lang="fr-FR" sz="800" b="1" baseline="30000" dirty="0">
@@ -31431,7 +31422,7 @@
                   <a:srgbClr val="000000"/>
                 </a:solidFill>
               </a:rPr>
-              <a:t>Chaque jour de bourse, du 12/06/2023 (inclus) jusqu'à la date de constatation finale (exclue), si à l’une des dates de constatation quotidienne correspondantes</a:t>
+              <a:t>de la fin du trimestre 4 jusqu'à la fin du trimestre 39, si à l’une des dates de constatation trimestrielle correspondantes</a:t>
             </a:r>
             <a:r>
               <a:rPr lang="fr-FR" sz="800" baseline="30000" dirty="0">
@@ -31463,7 +31454,7 @@
                   <a:srgbClr val="000000"/>
                 </a:solidFill>
               </a:rPr>
-              <a:t>et l’investisseur récupère alors l’intégralité de son capital initial, majorée d’un gain de 2,75% par jour calendaire depuis le 27/05/2022 (soit 1003,75%</a:t>
+              <a:t>et l’investisseur récupère alors l’intégralité de son capital initial, majorée d’un gain de 2,75% par trimestre écoulé depuis le 27/05/2022 (soit 11,00%</a:t>
             </a:r>
             <a:r>
               <a:rPr lang="fr-FR" sz="800" i="1" dirty="0">
@@ -31479,7 +31470,7 @@
                   <a:srgbClr val="000000"/>
                 </a:solidFill>
               </a:rPr>
-              <a:t>par année écoulée et un Taux de Rendement Annuel net maximum de 925,59%</a:t>
+              <a:t>par année écoulée et un Taux de Rendement Annuel net maximum de 9,41%</a:t>
             </a:r>
             <a:r>
               <a:rPr lang="fr-FR" sz="800" baseline="30000" dirty="0">
@@ -31540,7 +31531,7 @@
                   <a:srgbClr val="000000"/>
                 </a:solidFill>
               </a:rPr>
-              <a:t>, si le mécanisme de remboursement anticipé n’a pas été activé au préalable, et si l'indice clôture à un niveau supérieur ou égal à 95% de son Niveau Initial, l’investisseur récupère alors l’intégralité de son capital initial, majorée d’un gain de 2,75% par jour calendaire depuis le 27/05/2022  (soit un gain de 10045,75% et un Taux de Rendement Annuel net de 56,80%</a:t>
+              <a:t>, si le mécanisme de remboursement anticipé n’a pas été activé au préalable, et si l'indice clôture à un niveau supérieur ou égal à 95% de son Niveau Initial, l’investisseur récupère alors l’intégralité de son capital initial, majorée d’un gain de 2,75% par trimestre écoulé depuis le 27/05/2022  (soit un gain de 110,00% et un Taux de Rendement Annuel net de 6,59%</a:t>
             </a:r>
             <a:r>
               <a:rPr lang="fr-FR" sz="800" baseline="30000" dirty="0">
@@ -31576,7 +31567,7 @@
                   <a:srgbClr val="000000"/>
                 </a:solidFill>
               </a:rPr>
-              <a:t>Sinon, si le mécanisme automatique de remboursement anticipé n’a pas été activé au préalable et si, à la date de constatation finale(1), l'indice clôture à un niveau strictement inférieur à 95% de son Niveau Initial mais supérieur ou égal à 40,0 de ce dernier, l’investisseur récupère l’intégralité de son capital initialement investi. Le capital n’est donc exposé à un risque de perte à l’échéance(1) que si l'indice clôture à un niveau strictement inférieur à 40.0% de son Niveau Initial à la date de constatation finale(1).</a:t>
+              <a:t>Sinon, si le mécanisme automatique de remboursement anticipé n’a pas été activé au préalable et si, à la date de constatation finale(1), l'indice clôture à un niveau strictement inférieur à 95% de son Niveau Initial mais supérieur ou égal à  40.0% % de ce dernier, l’investisseur récupère l’intégralité de son capital initialement investi. Le capital n’est donc exposé à un risque de perte à l’échéance(1) que si l'indice clôture à un niveau strictement inférieur à 40.0% de son Niveau Initial à la date de constatation finale(1).</a:t>
             </a:r>
           </a:p>
           <a:p>
@@ -31812,16 +31803,29 @@
                   <a:srgbClr val="000000"/>
                 </a:solidFill>
               </a:rPr>
-              <a:t>L’investisseur ne connaît pas à l’avance la durée exacte de son investissement qui peut varier de </a:t>
-            </a:r>
-            <a:r>
-              <a:rPr lang="fr-FR" sz="800" b="1" dirty="0">
+              <a:t>L’investisseur ne connaît pas à l’avance la durée exacte de son investissement qui peut varier </a:t>
+            </a:r>
+            <a:r>
+              <a:rPr lang="fr-FR" sz="800">
                 <a:solidFill>
                   <a:srgbClr val="000000"/>
                 </a:solidFill>
               </a:rPr>
-              <a:t>381 à 3653 jour.</a:t>
-            </a:r>
+              <a:t>de </a:t>
+            </a:r>
+            <a:r>
+              <a:rPr lang="fr-FR" sz="800" b="1">
+                <a:solidFill>
+                  <a:srgbClr val="000000"/>
+                </a:solidFill>
+              </a:rPr>
+              <a:t>de 4 à 40 trimestres.</a:t>
+            </a:r>
+            <a:endParaRPr lang="fr-FR" sz="800" b="1" dirty="0">
+              <a:solidFill>
+                <a:srgbClr val="000000"/>
+              </a:solidFill>
+            </a:endParaRPr>
           </a:p>
           <a:p>
             <a:pPr marL="171450" indent="-171450" algn="just">
@@ -31851,7 +31855,7 @@
                   <a:srgbClr val="000000"/>
                 </a:solidFill>
               </a:rPr>
-              <a:t>mécanisme de plafonnement des gains à 2,75% par jour calendaire depuis le 27/05/2022 </a:t>
+              <a:t>mécanisme de plafonnement des gains à 2,75% par trimestre écoulé depuis le 27/05/2022 </a:t>
             </a:r>
             <a:r>
               <a:rPr lang="fr-FR" sz="800" dirty="0">
@@ -31859,7 +31863,7 @@
                   <a:srgbClr val="000000"/>
                 </a:solidFill>
               </a:rPr>
-              <a:t>(soit un Taux de Rendement Annuel net maximum de 925,59%</a:t>
+              <a:t>(soit un Taux de Rendement Annuel net maximum de 9,41%</a:t>
             </a:r>
             <a:r>
               <a:rPr lang="fr-FR" sz="800" baseline="30000" dirty="0">
@@ -32926,7 +32930,7 @@
                   <a:srgbClr val="000000"/>
                 </a:solidFill>
               </a:rPr>
-              <a:t>A chaque date de constatation quotidienne</a:t>
+              <a:t>A chaque date de constatation trimestrielle</a:t>
             </a:r>
             <a:r>
               <a:rPr lang="fr-FR" sz="800" baseline="30000" dirty="0">
@@ -32948,7 +32952,7 @@
               <a:rPr lang="fr-FR" sz="800" dirty="0">
                 <a:latin typeface="Proxima Nova Rg" panose="02000506030000020004" pitchFamily="2" charset="0"/>
               </a:rPr>
-              <a:t>l’investisseur peut recevoir un coupon de 2,75% dès lors que l'indice clôture à un niveau supérieur ou égal à 0.55% environ% environ de son Niveau Initial</a:t>
+              <a:t>l’investisseur peut recevoir un coupon de 2,75% dès lors que l'indice clôture à un niveau supérieur ou égal à 0.55%% de son Niveau Initial</a:t>
             </a:r>
             <a:r>
               <a:rPr lang="fr-FR" sz="800" dirty="0">
@@ -33000,7 +33004,7 @@
                   <a:srgbClr val="000000"/>
                 </a:solidFill>
               </a:rPr>
-              <a:t>De la fin du jour 381 jusqu'à la fin du jour 3652, si à l’une des dates de constatation quotidienne correspondantes</a:t>
+              <a:t>De la fin du trimestre 4 jusqu'à la fin du trimestre 39, si à l’une des dates de constatation trimestrielle correspondantes</a:t>
             </a:r>
             <a:r>
               <a:rPr lang="fr-FR" sz="800" baseline="30000" dirty="0">
@@ -33123,7 +33127,7 @@
                   <a:srgbClr val="00FFFF"/>
                 </a:highlight>
               </a:rPr>
-              <a:t>163367,71%</a:t>
+              <a:t>10,26%</a:t>
             </a:r>
             <a:r>
               <a:rPr lang="fr-FR" sz="800" baseline="30000" dirty="0">
@@ -33383,7 +33387,7 @@
                   <a:srgbClr val="000000"/>
                 </a:solidFill>
               </a:rPr>
-              <a:t>381 à 3653 jour.</a:t>
+              <a:t>4 à 40 trimestres.</a:t>
             </a:r>
           </a:p>
           <a:p>
@@ -33414,7 +33418,7 @@
                   <a:srgbClr val="000000"/>
                 </a:solidFill>
               </a:rPr>
-              <a:t>mécanisme de plafonnement des gains à 2,75% par jour </a:t>
+              <a:t>mécanisme de plafonnement des gains à 2,75% par trimestre </a:t>
             </a:r>
             <a:r>
               <a:rPr lang="fr-FR" sz="800" dirty="0">
@@ -33433,7 +33437,7 @@
                   <a:srgbClr val="00FFFF"/>
                 </a:highlight>
               </a:rPr>
-              <a:t>163367,71%</a:t>
+              <a:t>10,26%</a:t>
             </a:r>
             <a:r>
               <a:rPr lang="fr-FR" sz="800" baseline="30000" dirty="0">
@@ -33502,14 +33506,14 @@
                 <a:effectLst/>
                 <a:ea typeface="Calibri" panose="020F0502020204030204" pitchFamily="34" charset="0"/>
               </a:rPr>
-              <a:t>0.55% environ% environ de son Niveau Initial et 95.0% de son Niveau Initial et 95,0%  </a:t>
+              <a:t>0.55%% de son Niveau Initial et 95.0% de son Niveau Initial et 95,0%  </a:t>
             </a:r>
             <a:r>
               <a:rPr lang="fr-FR" sz="800" dirty="0">
                 <a:effectLst/>
                 <a:ea typeface="Calibri" panose="020F0502020204030204" pitchFamily="34" charset="0"/>
               </a:rPr>
-              <a:t>en cours de vie, et des seuils de 0.55% environ% environ% et 40.0% de son Niveau Initial à la date de constatation finale</a:t>
+              <a:t>en cours de vie, et des seuils de 0.55%%% et 40.0% de son Niveau Initial à la date de constatation finale</a:t>
             </a:r>
             <a:r>
               <a:rPr lang="fr-FR" sz="800" baseline="30000" dirty="0">
@@ -34561,7 +34565,7 @@
               <a:rPr lang="fr-FR" sz="800" b="0" dirty="0">
                 <a:latin typeface="+mn-lt"/>
               </a:rPr>
-              <a:t>Dès la première date de constatation quotidienne du mécanisme de remboursement anticipé automatique, l'indice clôture à un niveau supérieur ou égal à 95.0% de son Niveau Initial</a:t>
+              <a:t>Dès la première date de constatation trimestrielle du mécanisme de remboursement anticipé automatique, l'indice clôture à un niveau supérieur ou égal à 95.0% de son Niveau Initial</a:t>
             </a:r>
           </a:p>
         </p:txBody>
@@ -34864,7 +34868,7 @@
             </a:pPr>
             <a:r>
               <a:rPr lang="fr-FR" sz="800" dirty="0"/>
-              <a:t>À chaque date de constatation quotidienne</a:t>
+              <a:t>À chaque date de constatation trimestrielle</a:t>
             </a:r>
             <a:r>
               <a:rPr lang="fr-FR" sz="800" baseline="30000" dirty="0"/>
@@ -34874,7 +34878,7 @@
               <a:rPr lang="fr-FR" sz="800" dirty="0">
                 <a:latin typeface="+mn-lt"/>
               </a:rPr>
-              <a:t>Chaque jour de bourse, du 12/06/2023 (inclus) jusqu'à la date de constatation finale (exclue)</a:t>
+              <a:t>des trimestres 4 à 39</a:t>
             </a:r>
             <a:r>
               <a:rPr lang="fr-FR" sz="800" dirty="0"/>
@@ -35022,7 +35026,7 @@
               <a:rPr lang="fr-FR" sz="800" dirty="0">
                 <a:latin typeface="+mn-lt"/>
               </a:rPr>
-              <a:t>À chaque date de constatation quotidienne</a:t>
+              <a:t>À chaque date de constatation trimestrielle</a:t>
             </a:r>
             <a:r>
               <a:rPr lang="fr-FR" sz="800" baseline="30000" dirty="0">
@@ -35046,7 +35050,7 @@
               <a:rPr lang="fr-FR" sz="800">
                 <a:latin typeface="+mn-lt"/>
               </a:rPr>
-              <a:t> Chaque jour de bourse, du 12/06/2023 (inclus) jusqu'à la date de constatation finale (exclue), </a:t>
+              <a:t> des trimestres 4 à 39, </a:t>
             </a:r>
             <a:r>
               <a:rPr lang="fr-FR" sz="800" dirty="0">
@@ -35265,7 +35269,7 @@
                   <a:schemeClr val="tx2"/>
                 </a:solidFill>
               </a:rPr>
-              <a:t>Dès la première date de constatation quotidienne</a:t>
+              <a:t>Dès la première date de constatation trimestrielle</a:t>
             </a:r>
             <a:r>
               <a:rPr lang="fr-FR" sz="800" baseline="30000" dirty="0">
@@ -35314,7 +35318,7 @@
                   <a:schemeClr val="tx2"/>
                 </a:solidFill>
               </a:rPr>
-              <a:t>(120% dans cet exemple). Le produit est automatiquement remboursé par anticipation. Il verse alors l’intégralité du capital initial majorée d’un gain de 2,75% par jour calendaire depuis le 27/05/2022, soit un gain de 1003,75% dans notre exemple.</a:t>
+              <a:t>(120% dans cet exemple). Le produit est automatiquement remboursé par anticipation. Il verse alors l’intégralité du capital initial majorée d’un gain de 2,75% par trimestre écoulé depuis le 27/05/2022, soit un gain de 11,00% dans notre exemple.</a:t>
             </a:r>
           </a:p>
           <a:p>
@@ -35325,7 +35329,7 @@
             </a:pPr>
             <a:r>
               <a:rPr lang="fr-FR" sz="800" dirty="0"/>
-              <a:t>Ce qui correspond à un Taux de Rendement Annuel net de 925,59%</a:t>
+              <a:t>Ce qui correspond à un Taux de Rendement Annuel net de 9,41%</a:t>
             </a:r>
             <a:r>
               <a:rPr lang="fr-FR" sz="800" baseline="30000" dirty="0"/>
@@ -35361,7 +35365,7 @@
                   <a:schemeClr val="tx2"/>
                 </a:solidFill>
               </a:rPr>
-              <a:t>mécanisme de plafonnement des gains à 2,75% par jour calendaire depuis le 27/05/2022.</a:t>
+              <a:t>mécanisme de plafonnement des gains à 2,75% par trimestre écoulé depuis le 27/05/2022.</a:t>
             </a:r>
           </a:p>
         </p:txBody>
@@ -36273,6 +36277,15 @@
 </file>
 
 <file path=customXml/item1.xml><?xml version="1.0" encoding="utf-8"?>
+<?mso-contentType ?>
+<FormTemplates xmlns="http://schemas.microsoft.com/sharepoint/v3/contenttype/forms">
+  <Display>DocumentLibraryForm</Display>
+  <Edit>DocumentLibraryForm</Edit>
+  <New>DocumentLibraryForm</New>
+</FormTemplates>
+</file>
+
+<file path=customXml/item2.xml><?xml version="1.0" encoding="utf-8"?>
 <p:properties xmlns:p="http://schemas.microsoft.com/office/2006/metadata/properties" xmlns:xsi="http://www.w3.org/2001/XMLSchema-instance" xmlns:pc="http://schemas.microsoft.com/office/infopath/2007/PartnerControls">
   <documentManagement>
     <_Flow_SignoffStatus xmlns="ef624bc2-1644-4d69-8362-5c28ca496374" xsi:nil="true"/>
@@ -36282,15 +36295,6 @@
     </lcf76f155ced4ddcb4097134ff3c332f>
   </documentManagement>
 </p:properties>
-</file>
-
-<file path=customXml/item2.xml><?xml version="1.0" encoding="utf-8"?>
-<?mso-contentType ?>
-<FormTemplates xmlns="http://schemas.microsoft.com/sharepoint/v3/contenttype/forms">
-  <Display>DocumentLibraryForm</Display>
-  <Edit>DocumentLibraryForm</Edit>
-  <New>DocumentLibraryForm</New>
-</FormTemplates>
 </file>
 
 <file path=customXml/item3.xml><?xml version="1.0" encoding="utf-8"?>
@@ -36543,6 +36547,14 @@
 </file>
 
 <file path=customXml/itemProps1.xml><?xml version="1.0" encoding="utf-8"?>
+<ds:datastoreItem xmlns:ds="http://schemas.openxmlformats.org/officeDocument/2006/customXml" ds:itemID="{B00FC41E-FBDE-42E2-B58A-20EBD240A376}">
+  <ds:schemaRefs>
+    <ds:schemaRef ds:uri="http://schemas.microsoft.com/sharepoint/v3/contenttype/forms"/>
+  </ds:schemaRefs>
+</ds:datastoreItem>
+</file>
+
+<file path=customXml/itemProps2.xml><?xml version="1.0" encoding="utf-8"?>
 <ds:datastoreItem xmlns:ds="http://schemas.openxmlformats.org/officeDocument/2006/customXml" ds:itemID="{25DE574B-2CD2-4078-9BEA-2A14717D9698}">
   <ds:schemaRefs>
     <ds:schemaRef ds:uri="ef624bc2-1644-4d69-8362-5c28ca496374"/>
@@ -36555,14 +36567,6 @@
     <ds:schemaRef ds:uri="http://schemas.microsoft.com/office/2006/documentManagement/types"/>
     <ds:schemaRef ds:uri="http://schemas.microsoft.com/office/infopath/2007/PartnerControls"/>
     <ds:schemaRef ds:uri="http://purl.org/dc/dcmitype/"/>
-  </ds:schemaRefs>
-</ds:datastoreItem>
-</file>
-
-<file path=customXml/itemProps2.xml><?xml version="1.0" encoding="utf-8"?>
-<ds:datastoreItem xmlns:ds="http://schemas.openxmlformats.org/officeDocument/2006/customXml" ds:itemID="{B00FC41E-FBDE-42E2-B58A-20EBD240A376}">
-  <ds:schemaRefs>
-    <ds:schemaRef ds:uri="http://schemas.microsoft.com/sharepoint/v3/contenttype/forms"/>
   </ds:schemaRefs>
 </ds:datastoreItem>
 </file>
